--- a/Azure SQL Database - WingTipTickets HOL introduction and roadmap v2 2.pptx
+++ b/Azure SQL Database - WingTipTickets HOL introduction and roadmap v2 2.pptx
@@ -10,13 +10,13 @@
   </p:notesMasterIdLst>
   <p:sldIdLst>
     <p:sldId id="256" r:id="rId6"/>
-    <p:sldId id="268" r:id="rId7"/>
-    <p:sldId id="269" r:id="rId8"/>
-    <p:sldId id="259" r:id="rId9"/>
-    <p:sldId id="267" r:id="rId10"/>
-    <p:sldId id="270" r:id="rId11"/>
-    <p:sldId id="266" r:id="rId12"/>
-    <p:sldId id="271" r:id="rId13"/>
+    <p:sldId id="277" r:id="rId7"/>
+    <p:sldId id="267" r:id="rId8"/>
+    <p:sldId id="276" r:id="rId9"/>
+    <p:sldId id="274" r:id="rId10"/>
+    <p:sldId id="269" r:id="rId11"/>
+    <p:sldId id="273" r:id="rId12"/>
+    <p:sldId id="270" r:id="rId13"/>
   </p:sldIdLst>
   <p:sldSz cx="12192000" cy="6858000"/>
   <p:notesSz cx="6858000" cy="9144000"/>
@@ -205,7 +205,7 @@
           <a:p>
             <a:fld id="{4047A352-41CF-4AED-8367-CE599BDE43FE}" type="datetimeFigureOut">
               <a:rPr lang="en-NZ" smtClean="0"/>
-              <a:t>30/09/2015</a:t>
+              <a:t>19/11/2015</a:t>
             </a:fld>
             <a:endParaRPr lang="en-NZ"/>
           </a:p>
@@ -678,7 +678,7 @@
           <a:p>
             <a:fld id="{79783B37-3561-45DF-9DF7-7661BD4BD9F5}" type="datetimeFigureOut">
               <a:rPr lang="en-NZ" smtClean="0"/>
-              <a:t>30/09/2015</a:t>
+              <a:t>19/11/2015</a:t>
             </a:fld>
             <a:endParaRPr lang="en-NZ"/>
           </a:p>
@@ -749,6 +749,440 @@
 </file>
 
 <file path=ppt/slideLayouts/slideLayout10.xml><?xml version="1.0" encoding="utf-8"?>
+<p:sldLayout xmlns:a="http://schemas.openxmlformats.org/drawingml/2006/main" xmlns:r="http://schemas.openxmlformats.org/officeDocument/2006/relationships" xmlns:p="http://schemas.openxmlformats.org/presentationml/2006/main" preserve="1" userDrawn="1">
+  <p:cSld name="Title with Pictures">
+    <p:bg>
+      <p:bgPr>
+        <a:blipFill dpi="0" rotWithShape="1">
+          <a:blip r:embed="rId2">
+            <a:lum/>
+          </a:blip>
+          <a:srcRect/>
+          <a:stretch>
+            <a:fillRect/>
+          </a:stretch>
+        </a:blipFill>
+        <a:effectLst/>
+      </p:bgPr>
+    </p:bg>
+    <p:spTree>
+      <p:nvGrpSpPr>
+        <p:cNvPr id="1" name=""/>
+        <p:cNvGrpSpPr/>
+        <p:nvPr/>
+      </p:nvGrpSpPr>
+      <p:grpSpPr>
+        <a:xfrm>
+          <a:off x="0" y="0"/>
+          <a:ext cx="0" cy="0"/>
+          <a:chOff x="0" y="0"/>
+          <a:chExt cx="0" cy="0"/>
+        </a:xfrm>
+      </p:grpSpPr>
+      <p:sp>
+        <p:nvSpPr>
+          <p:cNvPr id="6" name="Text Placeholder 5"/>
+          <p:cNvSpPr>
+            <a:spLocks noGrp="1"/>
+          </p:cNvSpPr>
+          <p:nvPr>
+            <p:ph type="body" sz="quarter" idx="10" hasCustomPrompt="1"/>
+          </p:nvPr>
+        </p:nvSpPr>
+        <p:spPr>
+          <a:xfrm>
+            <a:off x="512898" y="1768479"/>
+            <a:ext cx="10604689" cy="1218795"/>
+          </a:xfrm>
+        </p:spPr>
+        <p:txBody>
+          <a:bodyPr/>
+          <a:lstStyle>
+            <a:lvl1pPr marL="0" indent="0">
+              <a:buNone/>
+              <a:defRPr lang="en-US" sz="8800" i="0" kern="1200" spc="-100" baseline="0" dirty="0" smtClean="0">
+                <a:gradFill>
+                  <a:gsLst>
+                    <a:gs pos="0">
+                      <a:schemeClr val="tx1"/>
+                    </a:gs>
+                    <a:gs pos="100000">
+                      <a:schemeClr val="tx1"/>
+                    </a:gs>
+                  </a:gsLst>
+                  <a:lin ang="5400000" scaled="0"/>
+                </a:gradFill>
+                <a:latin typeface="Segoe UI Light" pitchFamily="34" charset="0"/>
+                <a:ea typeface="+mn-ea"/>
+                <a:cs typeface="+mn-cs"/>
+              </a:defRPr>
+            </a:lvl1pPr>
+          </a:lstStyle>
+          <a:p>
+            <a:pPr marL="0" lvl="0" indent="0" algn="l" defTabSz="914363" rtl="0" eaLnBrk="1" latinLnBrk="0" hangingPunct="1">
+              <a:lnSpc>
+                <a:spcPct val="90000"/>
+              </a:lnSpc>
+              <a:spcBef>
+                <a:spcPct val="20000"/>
+              </a:spcBef>
+              <a:buSzPct val="90000"/>
+              <a:buFont typeface="Arial" pitchFamily="34" charset="0"/>
+              <a:buNone/>
+            </a:pPr>
+            <a:r>
+              <a:rPr lang="en-US" dirty="0" smtClean="0"/>
+              <a:t>Click to edit title style</a:t>
+            </a:r>
+          </a:p>
+        </p:txBody>
+      </p:sp>
+      <p:sp>
+        <p:nvSpPr>
+          <p:cNvPr id="4" name="Text Placeholder 8"/>
+          <p:cNvSpPr>
+            <a:spLocks noGrp="1"/>
+          </p:cNvSpPr>
+          <p:nvPr>
+            <p:ph type="body" sz="quarter" idx="11" hasCustomPrompt="1"/>
+          </p:nvPr>
+        </p:nvSpPr>
+        <p:spPr>
+          <a:xfrm>
+            <a:off x="512902" y="3219165"/>
+            <a:ext cx="10636227" cy="387798"/>
+          </a:xfrm>
+        </p:spPr>
+        <p:txBody>
+          <a:bodyPr/>
+          <a:lstStyle>
+            <a:lvl1pPr marL="0" indent="0" algn="l" defTabSz="914363" rtl="0" eaLnBrk="1" latinLnBrk="0" hangingPunct="1">
+              <a:lnSpc>
+                <a:spcPct val="90000"/>
+              </a:lnSpc>
+              <a:spcBef>
+                <a:spcPct val="20000"/>
+              </a:spcBef>
+              <a:buSzPct val="90000"/>
+              <a:buFont typeface="Arial" pitchFamily="34" charset="0"/>
+              <a:buNone/>
+              <a:defRPr lang="en-US" sz="2800" kern="1200" spc="-100" baseline="0" dirty="0">
+                <a:gradFill>
+                  <a:gsLst>
+                    <a:gs pos="0">
+                      <a:schemeClr val="tx1"/>
+                    </a:gs>
+                    <a:gs pos="100000">
+                      <a:schemeClr val="tx1"/>
+                    </a:gs>
+                  </a:gsLst>
+                  <a:lin ang="5400000" scaled="0"/>
+                </a:gradFill>
+                <a:latin typeface="Segoe UI" pitchFamily="34" charset="0"/>
+                <a:ea typeface="Segoe UI" pitchFamily="34" charset="0"/>
+                <a:cs typeface="Segoe UI" pitchFamily="34" charset="0"/>
+              </a:defRPr>
+            </a:lvl1pPr>
+          </a:lstStyle>
+          <a:p>
+            <a:pPr marL="0" lvl="0" indent="0" algn="l" defTabSz="914363" rtl="0" eaLnBrk="1" latinLnBrk="0" hangingPunct="1">
+              <a:lnSpc>
+                <a:spcPct val="90000"/>
+              </a:lnSpc>
+              <a:spcBef>
+                <a:spcPct val="20000"/>
+              </a:spcBef>
+              <a:buSzPct val="90000"/>
+              <a:buFont typeface="Arial" pitchFamily="34" charset="0"/>
+              <a:buNone/>
+            </a:pPr>
+            <a:r>
+              <a:rPr lang="en-US" dirty="0" smtClean="0"/>
+              <a:t>Speaker  Name  | Title </a:t>
+            </a:r>
+            <a:endParaRPr lang="en-US" dirty="0"/>
+          </a:p>
+        </p:txBody>
+      </p:sp>
+      <p:pic>
+        <p:nvPicPr>
+          <p:cNvPr id="13" name="Picture 3"/>
+          <p:cNvPicPr>
+            <a:picLocks noChangeAspect="1" noChangeArrowheads="1"/>
+          </p:cNvPicPr>
+          <p:nvPr userDrawn="1"/>
+        </p:nvPicPr>
+        <p:blipFill rotWithShape="1">
+          <a:blip r:embed="rId3" cstate="print">
+            <a:extLst>
+              <a:ext uri="{28A0092B-C50C-407E-A947-70E740481C1C}">
+                <a14:useLocalDpi xmlns:a14="http://schemas.microsoft.com/office/drawing/2010/main" val="0"/>
+              </a:ext>
+            </a:extLst>
+          </a:blip>
+          <a:srcRect l="9051" r="24565"/>
+          <a:stretch/>
+        </p:blipFill>
+        <p:spPr bwMode="auto">
+          <a:xfrm>
+            <a:off x="530769" y="3778166"/>
+            <a:ext cx="1455201" cy="1289924"/>
+          </a:xfrm>
+          <a:prstGeom prst="rect">
+            <a:avLst/>
+          </a:prstGeom>
+          <a:noFill/>
+          <a:ln>
+            <a:noFill/>
+          </a:ln>
+          <a:effectLst/>
+          <a:extLst>
+            <a:ext uri="{909E8E84-426E-40DD-AFC4-6F175D3DCCD1}">
+              <a14:hiddenFill xmlns:a14="http://schemas.microsoft.com/office/drawing/2010/main">
+                <a:solidFill>
+                  <a:schemeClr val="accent1"/>
+                </a:solidFill>
+              </a14:hiddenFill>
+            </a:ext>
+            <a:ext uri="{91240B29-F687-4F45-9708-019B960494DF}">
+              <a14:hiddenLine xmlns:a14="http://schemas.microsoft.com/office/drawing/2010/main" w="9525">
+                <a:solidFill>
+                  <a:schemeClr val="tx1"/>
+                </a:solidFill>
+                <a:miter lim="800000"/>
+                <a:headEnd/>
+                <a:tailEnd/>
+              </a14:hiddenLine>
+            </a:ext>
+            <a:ext uri="{AF507438-7753-43E0-B8FC-AC1667EBCBE1}">
+              <a14:hiddenEffects xmlns:a14="http://schemas.microsoft.com/office/drawing/2010/main">
+                <a:effectLst>
+                  <a:outerShdw dist="35921" dir="2700000" algn="ctr" rotWithShape="0">
+                    <a:schemeClr val="bg2"/>
+                  </a:outerShdw>
+                </a:effectLst>
+              </a14:hiddenEffects>
+            </a:ext>
+          </a:extLst>
+        </p:spPr>
+      </p:pic>
+      <p:pic>
+        <p:nvPicPr>
+          <p:cNvPr id="14" name="Picture 2"/>
+          <p:cNvPicPr>
+            <a:picLocks noChangeAspect="1" noChangeArrowheads="1"/>
+          </p:cNvPicPr>
+          <p:nvPr userDrawn="1"/>
+        </p:nvPicPr>
+        <p:blipFill rotWithShape="1">
+          <a:blip r:embed="rId4" cstate="print">
+            <a:extLst>
+              <a:ext uri="{28A0092B-C50C-407E-A947-70E740481C1C}">
+                <a14:useLocalDpi xmlns:a14="http://schemas.microsoft.com/office/drawing/2010/main" val="0"/>
+              </a:ext>
+            </a:extLst>
+          </a:blip>
+          <a:srcRect l="10984" r="10984"/>
+          <a:stretch/>
+        </p:blipFill>
+        <p:spPr bwMode="auto">
+          <a:xfrm>
+            <a:off x="2092623" y="3778167"/>
+            <a:ext cx="1455201" cy="1292583"/>
+          </a:xfrm>
+          <a:prstGeom prst="rect">
+            <a:avLst/>
+          </a:prstGeom>
+          <a:noFill/>
+          <a:ln>
+            <a:noFill/>
+          </a:ln>
+          <a:effectLst/>
+          <a:extLst>
+            <a:ext uri="{909E8E84-426E-40DD-AFC4-6F175D3DCCD1}">
+              <a14:hiddenFill xmlns:a14="http://schemas.microsoft.com/office/drawing/2010/main">
+                <a:solidFill>
+                  <a:schemeClr val="accent1"/>
+                </a:solidFill>
+              </a14:hiddenFill>
+            </a:ext>
+            <a:ext uri="{91240B29-F687-4F45-9708-019B960494DF}">
+              <a14:hiddenLine xmlns:a14="http://schemas.microsoft.com/office/drawing/2010/main" w="9525">
+                <a:solidFill>
+                  <a:schemeClr val="tx1"/>
+                </a:solidFill>
+                <a:miter lim="800000"/>
+                <a:headEnd/>
+                <a:tailEnd/>
+              </a14:hiddenLine>
+            </a:ext>
+            <a:ext uri="{AF507438-7753-43E0-B8FC-AC1667EBCBE1}">
+              <a14:hiddenEffects xmlns:a14="http://schemas.microsoft.com/office/drawing/2010/main">
+                <a:effectLst>
+                  <a:outerShdw dist="35921" dir="2700000" algn="ctr" rotWithShape="0">
+                    <a:schemeClr val="bg2"/>
+                  </a:outerShdw>
+                </a:effectLst>
+              </a14:hiddenEffects>
+            </a:ext>
+          </a:extLst>
+        </p:spPr>
+      </p:pic>
+      <p:pic>
+        <p:nvPicPr>
+          <p:cNvPr id="15" name="Picture 3"/>
+          <p:cNvPicPr>
+            <a:picLocks noChangeAspect="1" noChangeArrowheads="1"/>
+          </p:cNvPicPr>
+          <p:nvPr userDrawn="1"/>
+        </p:nvPicPr>
+        <p:blipFill rotWithShape="1">
+          <a:blip r:embed="rId5" cstate="print">
+            <a:extLst>
+              <a:ext uri="{28A0092B-C50C-407E-A947-70E740481C1C}">
+                <a14:useLocalDpi xmlns:a14="http://schemas.microsoft.com/office/drawing/2010/main" val="0"/>
+              </a:ext>
+            </a:extLst>
+          </a:blip>
+          <a:srcRect r="1190"/>
+          <a:stretch/>
+        </p:blipFill>
+        <p:spPr bwMode="auto">
+          <a:xfrm>
+            <a:off x="3654472" y="3778166"/>
+            <a:ext cx="1455201" cy="1289304"/>
+          </a:xfrm>
+          <a:prstGeom prst="rect">
+            <a:avLst/>
+          </a:prstGeom>
+          <a:noFill/>
+          <a:ln>
+            <a:noFill/>
+          </a:ln>
+          <a:effectLst/>
+          <a:extLst>
+            <a:ext uri="{909E8E84-426E-40DD-AFC4-6F175D3DCCD1}">
+              <a14:hiddenFill xmlns:a14="http://schemas.microsoft.com/office/drawing/2010/main">
+                <a:solidFill>
+                  <a:schemeClr val="accent1"/>
+                </a:solidFill>
+              </a14:hiddenFill>
+            </a:ext>
+            <a:ext uri="{91240B29-F687-4F45-9708-019B960494DF}">
+              <a14:hiddenLine xmlns:a14="http://schemas.microsoft.com/office/drawing/2010/main" w="9525">
+                <a:solidFill>
+                  <a:schemeClr val="tx1"/>
+                </a:solidFill>
+                <a:miter lim="800000"/>
+                <a:headEnd/>
+                <a:tailEnd/>
+              </a14:hiddenLine>
+            </a:ext>
+            <a:ext uri="{AF507438-7753-43E0-B8FC-AC1667EBCBE1}">
+              <a14:hiddenEffects xmlns:a14="http://schemas.microsoft.com/office/drawing/2010/main">
+                <a:effectLst>
+                  <a:outerShdw dist="35921" dir="2700000" algn="ctr" rotWithShape="0">
+                    <a:schemeClr val="bg2"/>
+                  </a:outerShdw>
+                </a:effectLst>
+              </a14:hiddenEffects>
+            </a:ext>
+          </a:extLst>
+        </p:spPr>
+      </p:pic>
+      <p:pic>
+        <p:nvPicPr>
+          <p:cNvPr id="16" name="Picture 3"/>
+          <p:cNvPicPr>
+            <a:picLocks noChangeAspect="1" noChangeArrowheads="1"/>
+          </p:cNvPicPr>
+          <p:nvPr userDrawn="1"/>
+        </p:nvPicPr>
+        <p:blipFill rotWithShape="1">
+          <a:blip r:embed="rId6">
+            <a:extLst>
+              <a:ext uri="{28A0092B-C50C-407E-A947-70E740481C1C}">
+                <a14:useLocalDpi xmlns:a14="http://schemas.microsoft.com/office/drawing/2010/main" val="0"/>
+              </a:ext>
+            </a:extLst>
+          </a:blip>
+          <a:srcRect t="11598" r="83624" b="7401"/>
+          <a:stretch/>
+        </p:blipFill>
+        <p:spPr bwMode="auto">
+          <a:xfrm>
+            <a:off x="5216323" y="3770313"/>
+            <a:ext cx="1457372" cy="1289304"/>
+          </a:xfrm>
+          <a:prstGeom prst="rect">
+            <a:avLst/>
+          </a:prstGeom>
+          <a:noFill/>
+          <a:extLst>
+            <a:ext uri="{909E8E84-426E-40DD-AFC4-6F175D3DCCD1}">
+              <a14:hiddenFill xmlns:a14="http://schemas.microsoft.com/office/drawing/2010/main">
+                <a:solidFill>
+                  <a:srgbClr val="FFFFFF"/>
+                </a:solidFill>
+              </a14:hiddenFill>
+            </a:ext>
+          </a:extLst>
+        </p:spPr>
+      </p:pic>
+      <p:pic>
+        <p:nvPicPr>
+          <p:cNvPr id="9" name="Picture 8"/>
+          <p:cNvPicPr>
+            <a:picLocks noChangeAspect="1"/>
+          </p:cNvPicPr>
+          <p:nvPr userDrawn="1"/>
+        </p:nvPicPr>
+        <p:blipFill>
+          <a:blip r:embed="rId7" cstate="print">
+            <a:extLst>
+              <a:ext uri="{28A0092B-C50C-407E-A947-70E740481C1C}">
+                <a14:useLocalDpi xmlns:a14="http://schemas.microsoft.com/office/drawing/2010/main" val="0"/>
+              </a:ext>
+            </a:extLst>
+          </a:blip>
+          <a:stretch>
+            <a:fillRect/>
+          </a:stretch>
+        </p:blipFill>
+        <p:spPr>
+          <a:xfrm>
+            <a:off x="9408080" y="6211957"/>
+            <a:ext cx="2787095" cy="646043"/>
+          </a:xfrm>
+          <a:prstGeom prst="rect">
+            <a:avLst/>
+          </a:prstGeom>
+        </p:spPr>
+      </p:pic>
+    </p:spTree>
+    <p:extLst>
+      <p:ext uri="{BB962C8B-B14F-4D97-AF65-F5344CB8AC3E}">
+        <p14:creationId xmlns:p14="http://schemas.microsoft.com/office/powerpoint/2010/main" val="1499184466"/>
+      </p:ext>
+    </p:extLst>
+  </p:cSld>
+  <p:clrMapOvr>
+    <a:masterClrMapping/>
+  </p:clrMapOvr>
+  <p:transition>
+    <p:fade/>
+  </p:transition>
+  <p:timing>
+    <p:tnLst>
+      <p:par>
+        <p:cTn id="1" dur="indefinite" restart="never" nodeType="tmRoot"/>
+      </p:par>
+    </p:tnLst>
+  </p:timing>
+</p:sldLayout>
+</file>
+
+<file path=ppt/slideLayouts/slideLayout11.xml><?xml version="1.0" encoding="utf-8"?>
 <p:sldLayout xmlns:a="http://schemas.openxmlformats.org/drawingml/2006/main" xmlns:r="http://schemas.openxmlformats.org/officeDocument/2006/relationships" xmlns:p="http://schemas.openxmlformats.org/presentationml/2006/main" preserve="1" userDrawn="1">
   <p:cSld name="Blank Title">
     <p:bg>
@@ -919,7 +1353,7 @@
 </p:sldLayout>
 </file>
 
-<file path=ppt/slideLayouts/slideLayout11.xml><?xml version="1.0" encoding="utf-8"?>
+<file path=ppt/slideLayouts/slideLayout12.xml><?xml version="1.0" encoding="utf-8"?>
 <p:sldLayout xmlns:a="http://schemas.openxmlformats.org/drawingml/2006/main" xmlns:r="http://schemas.openxmlformats.org/officeDocument/2006/relationships" xmlns:p="http://schemas.openxmlformats.org/presentationml/2006/main" preserve="1" userDrawn="1">
   <p:cSld name="Blank Color Layout 5">
     <p:bg>
@@ -967,7 +1401,7 @@
 </p:sldLayout>
 </file>
 
-<file path=ppt/slideLayouts/slideLayout12.xml><?xml version="1.0" encoding="utf-8"?>
+<file path=ppt/slideLayouts/slideLayout13.xml><?xml version="1.0" encoding="utf-8"?>
 <p:sldLayout xmlns:a="http://schemas.openxmlformats.org/drawingml/2006/main" xmlns:r="http://schemas.openxmlformats.org/officeDocument/2006/relationships" xmlns:p="http://schemas.openxmlformats.org/presentationml/2006/main" preserve="1" userDrawn="1">
   <p:cSld name="5_Blank Color 1 Layout">
     <p:spTree>
@@ -1007,7 +1441,7 @@
 </p:sldLayout>
 </file>
 
-<file path=ppt/slideLayouts/slideLayout13.xml><?xml version="1.0" encoding="utf-8"?>
+<file path=ppt/slideLayouts/slideLayout14.xml><?xml version="1.0" encoding="utf-8"?>
 <p:sldLayout xmlns:a="http://schemas.openxmlformats.org/drawingml/2006/main" xmlns:r="http://schemas.openxmlformats.org/officeDocument/2006/relationships" xmlns:p="http://schemas.openxmlformats.org/presentationml/2006/main" preserve="1" userDrawn="1">
   <p:cSld name="Title and Content">
     <p:spTree>
@@ -1308,7 +1742,7 @@
           <a:p>
             <a:fld id="{C5CFC6D6-7E4B-4808-8D93-BAB472467609}" type="datetime1">
               <a:rPr lang="en-NZ" smtClean="0"/>
-              <a:t>30/09/2015</a:t>
+              <a:t>19/11/2015</a:t>
             </a:fld>
             <a:endParaRPr lang="en-NZ" dirty="0"/>
           </a:p>
@@ -1376,7 +1810,7 @@
 </p:sldLayout>
 </file>
 
-<file path=ppt/slideLayouts/slideLayout14.xml><?xml version="1.0" encoding="utf-8"?>
+<file path=ppt/slideLayouts/slideLayout15.xml><?xml version="1.0" encoding="utf-8"?>
 <p:sldLayout xmlns:a="http://schemas.openxmlformats.org/drawingml/2006/main" xmlns:r="http://schemas.openxmlformats.org/officeDocument/2006/relationships" xmlns:p="http://schemas.openxmlformats.org/presentationml/2006/main" type="obj" preserve="1">
   <p:cSld name="1_Title and Content">
     <p:spTree>
@@ -1580,7 +2014,7 @@
           <a:p>
             <a:fld id="{C5CFC6D6-7E4B-4808-8D93-BAB472467609}" type="datetime1">
               <a:rPr lang="en-NZ" smtClean="0"/>
-              <a:t>30/09/2015</a:t>
+              <a:t>19/11/2015</a:t>
             </a:fld>
             <a:endParaRPr lang="en-NZ" dirty="0"/>
           </a:p>
@@ -1825,7 +2259,7 @@
           <a:p>
             <a:fld id="{79783B37-3561-45DF-9DF7-7661BD4BD9F5}" type="datetimeFigureOut">
               <a:rPr lang="en-NZ" smtClean="0"/>
-              <a:t>30/09/2015</a:t>
+              <a:t>19/11/2015</a:t>
             </a:fld>
             <a:endParaRPr lang="en-NZ"/>
           </a:p>
@@ -2095,7 +2529,7 @@
           <a:p>
             <a:fld id="{79783B37-3561-45DF-9DF7-7661BD4BD9F5}" type="datetimeFigureOut">
               <a:rPr lang="en-NZ" smtClean="0"/>
-              <a:t>30/09/2015</a:t>
+              <a:t>19/11/2015</a:t>
             </a:fld>
             <a:endParaRPr lang="en-NZ"/>
           </a:p>
@@ -2453,7 +2887,7 @@
           <a:p>
             <a:fld id="{79783B37-3561-45DF-9DF7-7661BD4BD9F5}" type="datetimeFigureOut">
               <a:rPr lang="en-NZ" smtClean="0"/>
-              <a:t>30/09/2015</a:t>
+              <a:t>19/11/2015</a:t>
             </a:fld>
             <a:endParaRPr lang="en-NZ"/>
           </a:p>
@@ -2635,7 +3069,7 @@
           <a:p>
             <a:fld id="{79783B37-3561-45DF-9DF7-7661BD4BD9F5}" type="datetimeFigureOut">
               <a:rPr lang="en-NZ" smtClean="0"/>
-              <a:t>30/09/2015</a:t>
+              <a:t>19/11/2015</a:t>
             </a:fld>
             <a:endParaRPr lang="en-NZ"/>
           </a:p>
@@ -2991,7 +3425,7 @@
           <a:p>
             <a:fld id="{79783B37-3561-45DF-9DF7-7661BD4BD9F5}" type="datetimeFigureOut">
               <a:rPr lang="en-NZ" smtClean="0"/>
-              <a:t>30/09/2015</a:t>
+              <a:t>19/11/2015</a:t>
             </a:fld>
             <a:endParaRPr lang="en-NZ"/>
           </a:p>
@@ -3053,21 +3487,12 @@
 </file>
 
 <file path=ppt/slideLayouts/slideLayout9.xml><?xml version="1.0" encoding="utf-8"?>
-<p:sldLayout xmlns:a="http://schemas.openxmlformats.org/drawingml/2006/main" xmlns:r="http://schemas.openxmlformats.org/officeDocument/2006/relationships" xmlns:p="http://schemas.openxmlformats.org/presentationml/2006/main" preserve="1" userDrawn="1">
-  <p:cSld name="Title with Pictures">
-    <p:bg>
-      <p:bgPr>
-        <a:blipFill dpi="0" rotWithShape="1">
-          <a:blip r:embed="rId2">
-            <a:lum/>
-          </a:blip>
-          <a:srcRect/>
-          <a:stretch>
-            <a:fillRect/>
-          </a:stretch>
-        </a:blipFill>
-        <a:effectLst/>
-      </p:bgPr>
+<p:sldLayout xmlns:a="http://schemas.openxmlformats.org/drawingml/2006/main" xmlns:r="http://schemas.openxmlformats.org/officeDocument/2006/relationships" xmlns:p="http://schemas.openxmlformats.org/presentationml/2006/main" userDrawn="1">
+  <p:cSld name="Title &amp; Content Bulleted Text Light">
+    <p:bg bwMode="ltGray">
+      <p:bgRef idx="1001">
+        <a:schemeClr val="bg1"/>
+      </p:bgRef>
     </p:bg>
     <p:spTree>
       <p:nvGrpSpPr>
@@ -3085,29 +3510,72 @@
       </p:grpSpPr>
       <p:sp>
         <p:nvSpPr>
-          <p:cNvPr id="6" name="Text Placeholder 5"/>
+          <p:cNvPr id="2" name="Title 1"/>
           <p:cNvSpPr>
             <a:spLocks noGrp="1"/>
           </p:cNvSpPr>
           <p:nvPr>
-            <p:ph type="body" sz="quarter" idx="10" hasCustomPrompt="1"/>
+            <p:ph type="title"/>
           </p:nvPr>
         </p:nvSpPr>
         <p:spPr>
           <a:xfrm>
-            <a:off x="512898" y="1768479"/>
-            <a:ext cx="10604689" cy="1218795"/>
+            <a:off x="268928" y="291103"/>
+            <a:ext cx="11653834" cy="896518"/>
           </a:xfrm>
         </p:spPr>
         <p:txBody>
           <a:bodyPr/>
           <a:lstStyle>
-            <a:lvl1pPr marL="0" indent="0">
-              <a:buNone/>
-              <a:defRPr lang="en-US" sz="8800" i="0" kern="1200" spc="-100" baseline="0" dirty="0" smtClean="0">
+            <a:lvl1pPr>
+              <a:defRPr sz="5686">
                 <a:gradFill>
                   <a:gsLst>
-                    <a:gs pos="0">
+                    <a:gs pos="6195">
+                      <a:schemeClr val="tx1"/>
+                    </a:gs>
+                    <a:gs pos="26000">
+                      <a:schemeClr val="tx1"/>
+                    </a:gs>
+                  </a:gsLst>
+                  <a:lin ang="5400000" scaled="0"/>
+                </a:gradFill>
+              </a:defRPr>
+            </a:lvl1pPr>
+          </a:lstStyle>
+          <a:p>
+            <a:r>
+              <a:rPr lang="en-US" smtClean="0"/>
+              <a:t>Click to edit Master title style</a:t>
+            </a:r>
+            <a:endParaRPr lang="en-US" dirty="0"/>
+          </a:p>
+        </p:txBody>
+      </p:sp>
+      <p:sp>
+        <p:nvSpPr>
+          <p:cNvPr id="4" name="Content Placeholder 3"/>
+          <p:cNvSpPr>
+            <a:spLocks noGrp="1"/>
+          </p:cNvSpPr>
+          <p:nvPr>
+            <p:ph sz="quarter" idx="10"/>
+          </p:nvPr>
+        </p:nvSpPr>
+        <p:spPr>
+          <a:xfrm>
+            <a:off x="269239" y="1663938"/>
+            <a:ext cx="10757098" cy="1865319"/>
+          </a:xfrm>
+        </p:spPr>
+        <p:txBody>
+          <a:bodyPr/>
+          <a:lstStyle>
+            <a:lvl1pPr>
+              <a:defRPr sz="2549">
+                <a:gradFill>
+                  <a:gsLst>
+                    <a:gs pos="1250">
                       <a:schemeClr val="tx1"/>
                     </a:gs>
                     <a:gs pos="100000">
@@ -3116,362 +3584,69 @@
                   </a:gsLst>
                   <a:lin ang="5400000" scaled="0"/>
                 </a:gradFill>
-                <a:latin typeface="Segoe UI Light" pitchFamily="34" charset="0"/>
-                <a:ea typeface="+mn-ea"/>
-                <a:cs typeface="+mn-cs"/>
+                <a:latin typeface="+mn-lt"/>
               </a:defRPr>
             </a:lvl1pPr>
+            <a:lvl2pPr>
+              <a:defRPr sz="2353"/>
+            </a:lvl2pPr>
+            <a:lvl3pPr>
+              <a:defRPr sz="1961"/>
+            </a:lvl3pPr>
+            <a:lvl4pPr>
+              <a:defRPr sz="1765"/>
+            </a:lvl4pPr>
+            <a:lvl5pPr>
+              <a:defRPr sz="1765"/>
+            </a:lvl5pPr>
           </a:lstStyle>
           <a:p>
-            <a:pPr marL="0" lvl="0" indent="0" algn="l" defTabSz="914363" rtl="0" eaLnBrk="1" latinLnBrk="0" hangingPunct="1">
-              <a:lnSpc>
-                <a:spcPct val="90000"/>
-              </a:lnSpc>
-              <a:spcBef>
-                <a:spcPct val="20000"/>
-              </a:spcBef>
-              <a:buSzPct val="90000"/>
-              <a:buFont typeface="Arial" pitchFamily="34" charset="0"/>
-              <a:buNone/>
-            </a:pPr>
-            <a:r>
-              <a:rPr lang="en-US" dirty="0" smtClean="0"/>
-              <a:t>Click to edit title style</a:t>
-            </a:r>
+            <a:pPr lvl="0"/>
+            <a:r>
+              <a:rPr lang="en-US" smtClean="0"/>
+              <a:t>Click to edit Master text styles</a:t>
+            </a:r>
+          </a:p>
+          <a:p>
+            <a:pPr lvl="1"/>
+            <a:r>
+              <a:rPr lang="en-US" smtClean="0"/>
+              <a:t>Second level</a:t>
+            </a:r>
+          </a:p>
+          <a:p>
+            <a:pPr lvl="2"/>
+            <a:r>
+              <a:rPr lang="en-US" smtClean="0"/>
+              <a:t>Third level</a:t>
+            </a:r>
+          </a:p>
+          <a:p>
+            <a:pPr lvl="3"/>
+            <a:r>
+              <a:rPr lang="en-US" smtClean="0"/>
+              <a:t>Fourth level</a:t>
+            </a:r>
+          </a:p>
+          <a:p>
+            <a:pPr lvl="4"/>
+            <a:r>
+              <a:rPr lang="en-US" smtClean="0"/>
+              <a:t>Fifth level</a:t>
+            </a:r>
+            <a:endParaRPr lang="en-US" dirty="0"/>
           </a:p>
         </p:txBody>
       </p:sp>
-      <p:sp>
-        <p:nvSpPr>
-          <p:cNvPr id="4" name="Text Placeholder 8"/>
-          <p:cNvSpPr>
-            <a:spLocks noGrp="1"/>
-          </p:cNvSpPr>
-          <p:nvPr>
-            <p:ph type="body" sz="quarter" idx="11" hasCustomPrompt="1"/>
-          </p:nvPr>
-        </p:nvSpPr>
-        <p:spPr>
-          <a:xfrm>
-            <a:off x="512902" y="3219165"/>
-            <a:ext cx="10636227" cy="387798"/>
-          </a:xfrm>
-        </p:spPr>
-        <p:txBody>
-          <a:bodyPr/>
-          <a:lstStyle>
-            <a:lvl1pPr marL="0" indent="0" algn="l" defTabSz="914363" rtl="0" eaLnBrk="1" latinLnBrk="0" hangingPunct="1">
-              <a:lnSpc>
-                <a:spcPct val="90000"/>
-              </a:lnSpc>
-              <a:spcBef>
-                <a:spcPct val="20000"/>
-              </a:spcBef>
-              <a:buSzPct val="90000"/>
-              <a:buFont typeface="Arial" pitchFamily="34" charset="0"/>
-              <a:buNone/>
-              <a:defRPr lang="en-US" sz="2800" kern="1200" spc="-100" baseline="0" dirty="0">
-                <a:gradFill>
-                  <a:gsLst>
-                    <a:gs pos="0">
-                      <a:schemeClr val="tx1"/>
-                    </a:gs>
-                    <a:gs pos="100000">
-                      <a:schemeClr val="tx1"/>
-                    </a:gs>
-                  </a:gsLst>
-                  <a:lin ang="5400000" scaled="0"/>
-                </a:gradFill>
-                <a:latin typeface="Segoe UI" pitchFamily="34" charset="0"/>
-                <a:ea typeface="Segoe UI" pitchFamily="34" charset="0"/>
-                <a:cs typeface="Segoe UI" pitchFamily="34" charset="0"/>
-              </a:defRPr>
-            </a:lvl1pPr>
-          </a:lstStyle>
-          <a:p>
-            <a:pPr marL="0" lvl="0" indent="0" algn="l" defTabSz="914363" rtl="0" eaLnBrk="1" latinLnBrk="0" hangingPunct="1">
-              <a:lnSpc>
-                <a:spcPct val="90000"/>
-              </a:lnSpc>
-              <a:spcBef>
-                <a:spcPct val="20000"/>
-              </a:spcBef>
-              <a:buSzPct val="90000"/>
-              <a:buFont typeface="Arial" pitchFamily="34" charset="0"/>
-              <a:buNone/>
-            </a:pPr>
-            <a:r>
-              <a:rPr lang="en-US" dirty="0" smtClean="0"/>
-              <a:t>Speaker  Name  | Title </a:t>
-            </a:r>
-            <a:endParaRPr lang="en-US" dirty="0"/>
-          </a:p>
-        </p:txBody>
-      </p:sp>
-      <p:pic>
-        <p:nvPicPr>
-          <p:cNvPr id="13" name="Picture 3"/>
-          <p:cNvPicPr>
-            <a:picLocks noChangeAspect="1" noChangeArrowheads="1"/>
-          </p:cNvPicPr>
-          <p:nvPr userDrawn="1"/>
-        </p:nvPicPr>
-        <p:blipFill rotWithShape="1">
-          <a:blip r:embed="rId3" cstate="print">
-            <a:extLst>
-              <a:ext uri="{28A0092B-C50C-407E-A947-70E740481C1C}">
-                <a14:useLocalDpi xmlns:a14="http://schemas.microsoft.com/office/drawing/2010/main" val="0"/>
-              </a:ext>
-            </a:extLst>
-          </a:blip>
-          <a:srcRect l="9051" r="24565"/>
-          <a:stretch/>
-        </p:blipFill>
-        <p:spPr bwMode="auto">
-          <a:xfrm>
-            <a:off x="530769" y="3778166"/>
-            <a:ext cx="1455201" cy="1289924"/>
-          </a:xfrm>
-          <a:prstGeom prst="rect">
-            <a:avLst/>
-          </a:prstGeom>
-          <a:noFill/>
-          <a:ln>
-            <a:noFill/>
-          </a:ln>
-          <a:effectLst/>
-          <a:extLst>
-            <a:ext uri="{909E8E84-426E-40DD-AFC4-6F175D3DCCD1}">
-              <a14:hiddenFill xmlns:a14="http://schemas.microsoft.com/office/drawing/2010/main">
-                <a:solidFill>
-                  <a:schemeClr val="accent1"/>
-                </a:solidFill>
-              </a14:hiddenFill>
-            </a:ext>
-            <a:ext uri="{91240B29-F687-4F45-9708-019B960494DF}">
-              <a14:hiddenLine xmlns:a14="http://schemas.microsoft.com/office/drawing/2010/main" w="9525">
-                <a:solidFill>
-                  <a:schemeClr val="tx1"/>
-                </a:solidFill>
-                <a:miter lim="800000"/>
-                <a:headEnd/>
-                <a:tailEnd/>
-              </a14:hiddenLine>
-            </a:ext>
-            <a:ext uri="{AF507438-7753-43E0-B8FC-AC1667EBCBE1}">
-              <a14:hiddenEffects xmlns:a14="http://schemas.microsoft.com/office/drawing/2010/main">
-                <a:effectLst>
-                  <a:outerShdw dist="35921" dir="2700000" algn="ctr" rotWithShape="0">
-                    <a:schemeClr val="bg2"/>
-                  </a:outerShdw>
-                </a:effectLst>
-              </a14:hiddenEffects>
-            </a:ext>
-          </a:extLst>
-        </p:spPr>
-      </p:pic>
-      <p:pic>
-        <p:nvPicPr>
-          <p:cNvPr id="14" name="Picture 2"/>
-          <p:cNvPicPr>
-            <a:picLocks noChangeAspect="1" noChangeArrowheads="1"/>
-          </p:cNvPicPr>
-          <p:nvPr userDrawn="1"/>
-        </p:nvPicPr>
-        <p:blipFill rotWithShape="1">
-          <a:blip r:embed="rId4" cstate="print">
-            <a:extLst>
-              <a:ext uri="{28A0092B-C50C-407E-A947-70E740481C1C}">
-                <a14:useLocalDpi xmlns:a14="http://schemas.microsoft.com/office/drawing/2010/main" val="0"/>
-              </a:ext>
-            </a:extLst>
-          </a:blip>
-          <a:srcRect l="10984" r="10984"/>
-          <a:stretch/>
-        </p:blipFill>
-        <p:spPr bwMode="auto">
-          <a:xfrm>
-            <a:off x="2092623" y="3778167"/>
-            <a:ext cx="1455201" cy="1292583"/>
-          </a:xfrm>
-          <a:prstGeom prst="rect">
-            <a:avLst/>
-          </a:prstGeom>
-          <a:noFill/>
-          <a:ln>
-            <a:noFill/>
-          </a:ln>
-          <a:effectLst/>
-          <a:extLst>
-            <a:ext uri="{909E8E84-426E-40DD-AFC4-6F175D3DCCD1}">
-              <a14:hiddenFill xmlns:a14="http://schemas.microsoft.com/office/drawing/2010/main">
-                <a:solidFill>
-                  <a:schemeClr val="accent1"/>
-                </a:solidFill>
-              </a14:hiddenFill>
-            </a:ext>
-            <a:ext uri="{91240B29-F687-4F45-9708-019B960494DF}">
-              <a14:hiddenLine xmlns:a14="http://schemas.microsoft.com/office/drawing/2010/main" w="9525">
-                <a:solidFill>
-                  <a:schemeClr val="tx1"/>
-                </a:solidFill>
-                <a:miter lim="800000"/>
-                <a:headEnd/>
-                <a:tailEnd/>
-              </a14:hiddenLine>
-            </a:ext>
-            <a:ext uri="{AF507438-7753-43E0-B8FC-AC1667EBCBE1}">
-              <a14:hiddenEffects xmlns:a14="http://schemas.microsoft.com/office/drawing/2010/main">
-                <a:effectLst>
-                  <a:outerShdw dist="35921" dir="2700000" algn="ctr" rotWithShape="0">
-                    <a:schemeClr val="bg2"/>
-                  </a:outerShdw>
-                </a:effectLst>
-              </a14:hiddenEffects>
-            </a:ext>
-          </a:extLst>
-        </p:spPr>
-      </p:pic>
-      <p:pic>
-        <p:nvPicPr>
-          <p:cNvPr id="15" name="Picture 3"/>
-          <p:cNvPicPr>
-            <a:picLocks noChangeAspect="1" noChangeArrowheads="1"/>
-          </p:cNvPicPr>
-          <p:nvPr userDrawn="1"/>
-        </p:nvPicPr>
-        <p:blipFill rotWithShape="1">
-          <a:blip r:embed="rId5" cstate="print">
-            <a:extLst>
-              <a:ext uri="{28A0092B-C50C-407E-A947-70E740481C1C}">
-                <a14:useLocalDpi xmlns:a14="http://schemas.microsoft.com/office/drawing/2010/main" val="0"/>
-              </a:ext>
-            </a:extLst>
-          </a:blip>
-          <a:srcRect r="1190"/>
-          <a:stretch/>
-        </p:blipFill>
-        <p:spPr bwMode="auto">
-          <a:xfrm>
-            <a:off x="3654472" y="3778166"/>
-            <a:ext cx="1455201" cy="1289304"/>
-          </a:xfrm>
-          <a:prstGeom prst="rect">
-            <a:avLst/>
-          </a:prstGeom>
-          <a:noFill/>
-          <a:ln>
-            <a:noFill/>
-          </a:ln>
-          <a:effectLst/>
-          <a:extLst>
-            <a:ext uri="{909E8E84-426E-40DD-AFC4-6F175D3DCCD1}">
-              <a14:hiddenFill xmlns:a14="http://schemas.microsoft.com/office/drawing/2010/main">
-                <a:solidFill>
-                  <a:schemeClr val="accent1"/>
-                </a:solidFill>
-              </a14:hiddenFill>
-            </a:ext>
-            <a:ext uri="{91240B29-F687-4F45-9708-019B960494DF}">
-              <a14:hiddenLine xmlns:a14="http://schemas.microsoft.com/office/drawing/2010/main" w="9525">
-                <a:solidFill>
-                  <a:schemeClr val="tx1"/>
-                </a:solidFill>
-                <a:miter lim="800000"/>
-                <a:headEnd/>
-                <a:tailEnd/>
-              </a14:hiddenLine>
-            </a:ext>
-            <a:ext uri="{AF507438-7753-43E0-B8FC-AC1667EBCBE1}">
-              <a14:hiddenEffects xmlns:a14="http://schemas.microsoft.com/office/drawing/2010/main">
-                <a:effectLst>
-                  <a:outerShdw dist="35921" dir="2700000" algn="ctr" rotWithShape="0">
-                    <a:schemeClr val="bg2"/>
-                  </a:outerShdw>
-                </a:effectLst>
-              </a14:hiddenEffects>
-            </a:ext>
-          </a:extLst>
-        </p:spPr>
-      </p:pic>
-      <p:pic>
-        <p:nvPicPr>
-          <p:cNvPr id="16" name="Picture 3"/>
-          <p:cNvPicPr>
-            <a:picLocks noChangeAspect="1" noChangeArrowheads="1"/>
-          </p:cNvPicPr>
-          <p:nvPr userDrawn="1"/>
-        </p:nvPicPr>
-        <p:blipFill rotWithShape="1">
-          <a:blip r:embed="rId6">
-            <a:extLst>
-              <a:ext uri="{28A0092B-C50C-407E-A947-70E740481C1C}">
-                <a14:useLocalDpi xmlns:a14="http://schemas.microsoft.com/office/drawing/2010/main" val="0"/>
-              </a:ext>
-            </a:extLst>
-          </a:blip>
-          <a:srcRect t="11598" r="83624" b="7401"/>
-          <a:stretch/>
-        </p:blipFill>
-        <p:spPr bwMode="auto">
-          <a:xfrm>
-            <a:off x="5216323" y="3770313"/>
-            <a:ext cx="1457372" cy="1289304"/>
-          </a:xfrm>
-          <a:prstGeom prst="rect">
-            <a:avLst/>
-          </a:prstGeom>
-          <a:noFill/>
-          <a:extLst>
-            <a:ext uri="{909E8E84-426E-40DD-AFC4-6F175D3DCCD1}">
-              <a14:hiddenFill xmlns:a14="http://schemas.microsoft.com/office/drawing/2010/main">
-                <a:solidFill>
-                  <a:srgbClr val="FFFFFF"/>
-                </a:solidFill>
-              </a14:hiddenFill>
-            </a:ext>
-          </a:extLst>
-        </p:spPr>
-      </p:pic>
-      <p:pic>
-        <p:nvPicPr>
-          <p:cNvPr id="9" name="Picture 8"/>
-          <p:cNvPicPr>
-            <a:picLocks noChangeAspect="1"/>
-          </p:cNvPicPr>
-          <p:nvPr userDrawn="1"/>
-        </p:nvPicPr>
-        <p:blipFill>
-          <a:blip r:embed="rId7" cstate="print">
-            <a:extLst>
-              <a:ext uri="{28A0092B-C50C-407E-A947-70E740481C1C}">
-                <a14:useLocalDpi xmlns:a14="http://schemas.microsoft.com/office/drawing/2010/main" val="0"/>
-              </a:ext>
-            </a:extLst>
-          </a:blip>
-          <a:stretch>
-            <a:fillRect/>
-          </a:stretch>
-        </p:blipFill>
-        <p:spPr>
-          <a:xfrm>
-            <a:off x="9408080" y="6211957"/>
-            <a:ext cx="2787095" cy="646043"/>
-          </a:xfrm>
-          <a:prstGeom prst="rect">
-            <a:avLst/>
-          </a:prstGeom>
-        </p:spPr>
-      </p:pic>
     </p:spTree>
     <p:extLst>
       <p:ext uri="{BB962C8B-B14F-4D97-AF65-F5344CB8AC3E}">
-        <p14:creationId xmlns:p14="http://schemas.microsoft.com/office/powerpoint/2010/main" val="1499184466"/>
+        <p14:creationId xmlns:p14="http://schemas.microsoft.com/office/powerpoint/2010/main" val="2608223462"/>
       </p:ext>
     </p:extLst>
   </p:cSld>
   <p:clrMapOvr>
-    <a:masterClrMapping/>
+    <a:overrideClrMapping bg1="lt1" tx1="dk1" bg2="lt2" tx2="dk2" accent1="accent1" accent2="accent2" accent3="accent3" accent4="accent4" accent5="accent5" accent6="accent6" hlink="hlink" folHlink="folHlink"/>
   </p:clrMapOvr>
   <p:transition>
     <p:fade/>
@@ -3678,7 +3853,7 @@
           <a:p>
             <a:fld id="{79783B37-3561-45DF-9DF7-7661BD4BD9F5}" type="datetimeFigureOut">
               <a:rPr lang="en-NZ" smtClean="0"/>
-              <a:t>30/09/2015</a:t>
+              <a:t>19/11/2015</a:t>
             </a:fld>
             <a:endParaRPr lang="en-NZ"/>
           </a:p>
@@ -3742,6 +3917,7 @@
     <p:sldLayoutId id="2147483666" r:id="rId6"/>
     <p:sldLayoutId id="2147483668" r:id="rId7"/>
     <p:sldLayoutId id="2147483669" r:id="rId8"/>
+    <p:sldLayoutId id="2147483677" r:id="rId9"/>
   </p:sldLayoutIdLst>
   <p:transition>
     <p:fade/>
@@ -4331,7 +4507,7 @@
           <a:p>
             <a:fld id="{C5CFC6D6-7E4B-4808-8D93-BAB472467609}" type="datetime1">
               <a:rPr lang="en-NZ" smtClean="0"/>
-              <a:t>30/09/2015</a:t>
+              <a:t>19/11/2015</a:t>
             </a:fld>
             <a:endParaRPr lang="en-NZ" dirty="0"/>
           </a:p>
@@ -4799,14 +4975,18 @@
         </p:nvSpPr>
         <p:spPr>
           <a:xfrm>
-            <a:off x="1524000" y="2678966"/>
-            <a:ext cx="9144000" cy="830997"/>
+            <a:off x="1524000" y="1847970"/>
+            <a:ext cx="9144000" cy="1661993"/>
           </a:xfrm>
         </p:spPr>
         <p:txBody>
           <a:bodyPr/>
           <a:lstStyle/>
           <a:p>
+            <a:r>
+              <a:rPr lang="en-US" dirty="0" smtClean="0"/>
+              <a:t>Hands-on-labs </a:t>
+            </a:r>
             <a:r>
               <a:rPr lang="en-US" dirty="0" err="1" smtClean="0"/>
               <a:t>WingTipTickets</a:t>
@@ -4828,7 +5008,7 @@
         <p:spPr>
           <a:xfrm>
             <a:off x="1524000" y="3602038"/>
-            <a:ext cx="9144000" cy="332399"/>
+            <a:ext cx="9144000" cy="738664"/>
           </a:xfrm>
         </p:spPr>
         <p:txBody>
@@ -4837,7 +5017,13 @@
           <a:p>
             <a:r>
               <a:rPr lang="en-US" dirty="0" smtClean="0"/>
-              <a:t>Azure SQL Database &amp; Azure Search HOL V2.1</a:t>
+              <a:t>Guy Haycock – Principal Product Planner</a:t>
+            </a:r>
+          </a:p>
+          <a:p>
+            <a:r>
+              <a:rPr lang="en-US" dirty="0" smtClean="0"/>
+              <a:t>Azure SQL Database – guyhay@microsoft.com</a:t>
             </a:r>
             <a:endParaRPr lang="en-NZ" dirty="0"/>
           </a:p>
@@ -4890,168 +5076,232 @@
             <p:ph type="title"/>
           </p:nvPr>
         </p:nvSpPr>
-        <p:spPr/>
+        <p:spPr>
+          <a:xfrm>
+            <a:off x="519252" y="228604"/>
+            <a:ext cx="11151917" cy="1329595"/>
+          </a:xfrm>
+        </p:spPr>
         <p:txBody>
           <a:bodyPr/>
           <a:lstStyle/>
           <a:p>
             <a:r>
-              <a:rPr lang="en-US" dirty="0" smtClean="0"/>
-              <a:t>Hands-on-lab intro</a:t>
-            </a:r>
-            <a:endParaRPr lang="en-NZ" dirty="0"/>
+              <a:rPr lang="en-US" sz="4800" dirty="0" smtClean="0"/>
+              <a:t>Your demo Azure </a:t>
+            </a:r>
+            <a:r>
+              <a:rPr lang="en-US" sz="4800" dirty="0" smtClean="0"/>
+              <a:t>application after deployment</a:t>
+            </a:r>
+            <a:endParaRPr lang="en-US" sz="4800" dirty="0"/>
+          </a:p>
+        </p:txBody>
+      </p:sp>
+      <p:pic>
+        <p:nvPicPr>
+          <p:cNvPr id="6" name="Content Placeholder 5"/>
+          <p:cNvPicPr>
+            <a:picLocks noGrp="1" noChangeAspect="1"/>
+          </p:cNvPicPr>
+          <p:nvPr>
+            <p:ph idx="1"/>
+          </p:nvPr>
+        </p:nvPicPr>
+        <p:blipFill>
+          <a:blip r:embed="rId2"/>
+          <a:stretch>
+            <a:fillRect/>
+          </a:stretch>
+        </p:blipFill>
+        <p:spPr>
+          <a:xfrm>
+            <a:off x="519253" y="2035180"/>
+            <a:ext cx="5382784" cy="3027816"/>
+          </a:xfrm>
+          <a:prstGeom prst="rect">
+            <a:avLst/>
+          </a:prstGeom>
+        </p:spPr>
+      </p:pic>
+      <p:pic>
+        <p:nvPicPr>
+          <p:cNvPr id="5" name="Content Placeholder 4"/>
+          <p:cNvPicPr>
+            <a:picLocks noGrp="1" noChangeAspect="1"/>
+          </p:cNvPicPr>
+          <p:nvPr>
+            <p:ph idx="10"/>
+          </p:nvPr>
+        </p:nvPicPr>
+        <p:blipFill>
+          <a:blip r:embed="rId3"/>
+          <a:stretch>
+            <a:fillRect/>
+          </a:stretch>
+        </p:blipFill>
+        <p:spPr>
+          <a:xfrm>
+            <a:off x="6288386" y="2035180"/>
+            <a:ext cx="5382783" cy="3027816"/>
+          </a:xfrm>
+          <a:prstGeom prst="rect">
+            <a:avLst/>
+          </a:prstGeom>
+        </p:spPr>
+      </p:pic>
+      <p:sp>
+        <p:nvSpPr>
+          <p:cNvPr id="7" name="TextBox 6"/>
+          <p:cNvSpPr txBox="1"/>
+          <p:nvPr/>
+        </p:nvSpPr>
+        <p:spPr>
+          <a:xfrm>
+            <a:off x="519252" y="5334055"/>
+            <a:ext cx="5382785" cy="432232"/>
+          </a:xfrm>
+          <a:prstGeom prst="rect">
+            <a:avLst/>
+          </a:prstGeom>
+          <a:noFill/>
+          <a:ln w="12700">
+            <a:solidFill>
+              <a:schemeClr val="tx1"/>
+            </a:solidFill>
+          </a:ln>
+        </p:spPr>
+        <p:txBody>
+          <a:bodyPr wrap="square" lIns="0" tIns="0" rIns="0" bIns="0" rtlCol="0">
+            <a:spAutoFit/>
+          </a:bodyPr>
+          <a:lstStyle/>
+          <a:p>
+            <a:pPr algn="ctr"/>
+            <a:r>
+              <a:rPr lang="en-US" sz="2800" dirty="0" smtClean="0">
+                <a:gradFill>
+                  <a:gsLst>
+                    <a:gs pos="0">
+                      <a:schemeClr val="tx1">
+                        <a:lumMod val="75000"/>
+                        <a:lumOff val="25000"/>
+                      </a:schemeClr>
+                    </a:gs>
+                    <a:gs pos="80000">
+                      <a:schemeClr val="tx1">
+                        <a:lumMod val="65000"/>
+                        <a:lumOff val="35000"/>
+                      </a:schemeClr>
+                    </a:gs>
+                  </a:gsLst>
+                  <a:lin ang="16200000" scaled="0"/>
+                </a:gradFill>
+                <a:latin typeface="Segoe UI Light" pitchFamily="34" charset="0"/>
+              </a:rPr>
+              <a:t>End-customer view</a:t>
+            </a:r>
+            <a:endParaRPr lang="en-US" sz="2800" dirty="0">
+              <a:gradFill>
+                <a:gsLst>
+                  <a:gs pos="0">
+                    <a:schemeClr val="tx1">
+                      <a:lumMod val="75000"/>
+                      <a:lumOff val="25000"/>
+                    </a:schemeClr>
+                  </a:gs>
+                  <a:gs pos="80000">
+                    <a:schemeClr val="tx1">
+                      <a:lumMod val="65000"/>
+                      <a:lumOff val="35000"/>
+                    </a:schemeClr>
+                  </a:gs>
+                </a:gsLst>
+                <a:lin ang="16200000" scaled="0"/>
+              </a:gradFill>
+              <a:latin typeface="Segoe UI Light" pitchFamily="34" charset="0"/>
+            </a:endParaRPr>
           </a:p>
         </p:txBody>
       </p:sp>
       <p:sp>
         <p:nvSpPr>
-          <p:cNvPr id="3" name="Content Placeholder 2"/>
-          <p:cNvSpPr>
-            <a:spLocks noGrp="1"/>
-          </p:cNvSpPr>
-          <p:nvPr>
-            <p:ph idx="1"/>
-          </p:nvPr>
+          <p:cNvPr id="8" name="TextBox 7"/>
+          <p:cNvSpPr txBox="1"/>
+          <p:nvPr/>
         </p:nvSpPr>
         <p:spPr>
           <a:xfrm>
-            <a:off x="519252" y="1447800"/>
-            <a:ext cx="5487697" cy="5355312"/>
-          </a:xfrm>
+            <a:off x="6288386" y="5334055"/>
+            <a:ext cx="5382785" cy="432232"/>
+          </a:xfrm>
+          <a:prstGeom prst="rect">
+            <a:avLst/>
+          </a:prstGeom>
+          <a:noFill/>
+          <a:ln w="12700">
+            <a:solidFill>
+              <a:schemeClr val="tx1"/>
+            </a:solidFill>
+          </a:ln>
         </p:spPr>
         <p:txBody>
-          <a:bodyPr/>
+          <a:bodyPr wrap="square" lIns="0" tIns="0" rIns="0" bIns="0" rtlCol="0">
+            <a:spAutoFit/>
+          </a:bodyPr>
           <a:lstStyle/>
           <a:p>
-            <a:r>
-              <a:rPr lang="en-US" dirty="0" smtClean="0"/>
-              <a:t>What you need</a:t>
-            </a:r>
-          </a:p>
-          <a:p>
-            <a:pPr lvl="1"/>
-            <a:r>
-              <a:rPr lang="en-US" dirty="0" smtClean="0"/>
-              <a:t>A paid Azure account, either your own or using an Azure Pass from us</a:t>
-            </a:r>
-          </a:p>
-          <a:p>
-            <a:pPr lvl="1"/>
-            <a:r>
-              <a:rPr lang="en-US" dirty="0" smtClean="0"/>
-              <a:t>One of the VMs with the client tools RDP instructions </a:t>
-            </a:r>
-            <a:r>
-              <a:rPr lang="en-NZ" dirty="0" smtClean="0">
-                <a:hlinkClick r:id="rId2"/>
+            <a:pPr algn="ctr"/>
+            <a:r>
+              <a:rPr lang="en-US" sz="2800" dirty="0" smtClean="0">
+                <a:gradFill>
+                  <a:gsLst>
+                    <a:gs pos="0">
+                      <a:schemeClr val="tx1">
+                        <a:lumMod val="75000"/>
+                        <a:lumOff val="25000"/>
+                      </a:schemeClr>
+                    </a:gs>
+                    <a:gs pos="80000">
+                      <a:schemeClr val="tx1">
+                        <a:lumMod val="65000"/>
+                        <a:lumOff val="35000"/>
+                      </a:schemeClr>
+                    </a:gs>
+                  </a:gsLst>
+                  <a:lin ang="16200000" scaled="0"/>
+                </a:gradFill>
+                <a:latin typeface="Segoe UI Light" pitchFamily="34" charset="0"/>
               </a:rPr>
-              <a:t>https://www.yammer.com/azureadvisors/#/groups/6200653/files</a:t>
-            </a:r>
-            <a:r>
-              <a:rPr lang="en-NZ" dirty="0" smtClean="0"/>
-              <a:t> </a:t>
-            </a:r>
-          </a:p>
-          <a:p>
-            <a:pPr lvl="1"/>
-            <a:r>
-              <a:rPr lang="en-US" dirty="0" smtClean="0"/>
-              <a:t>Instructions and files for the HOL </a:t>
-            </a:r>
-            <a:r>
-              <a:rPr lang="en-NZ" dirty="0" smtClean="0">
-                <a:hlinkClick r:id="rId3"/>
-              </a:rPr>
-              <a:t>https://github.com/guyhay/WingTipTickets</a:t>
-            </a:r>
-            <a:r>
-              <a:rPr lang="en-NZ" dirty="0" smtClean="0"/>
-              <a:t> </a:t>
-            </a:r>
-            <a:endParaRPr lang="en-NZ" dirty="0"/>
-          </a:p>
-        </p:txBody>
-      </p:sp>
-      <p:sp>
-        <p:nvSpPr>
-          <p:cNvPr id="4" name="Content Placeholder 3"/>
-          <p:cNvSpPr>
-            <a:spLocks noGrp="1"/>
-          </p:cNvSpPr>
-          <p:nvPr>
-            <p:ph idx="10"/>
-          </p:nvPr>
-        </p:nvSpPr>
-        <p:spPr>
-          <a:xfrm>
-            <a:off x="6184350" y="1464273"/>
-            <a:ext cx="5487697" cy="3028521"/>
-          </a:xfrm>
-        </p:spPr>
-        <p:txBody>
-          <a:bodyPr/>
-          <a:lstStyle/>
-          <a:p>
-            <a:r>
-              <a:rPr lang="en-US" dirty="0" smtClean="0"/>
-              <a:t>Tasks to-do this morning</a:t>
-            </a:r>
-          </a:p>
-          <a:p>
-            <a:pPr lvl="1"/>
-            <a:r>
-              <a:rPr lang="en-US" dirty="0" smtClean="0"/>
-              <a:t>Ensure that you can login to </a:t>
-            </a:r>
-            <a:r>
-              <a:rPr lang="en-US" dirty="0" smtClean="0">
-                <a:hlinkClick r:id="rId4"/>
-              </a:rPr>
-              <a:t>http://portal.azure.com</a:t>
-            </a:r>
-            <a:r>
-              <a:rPr lang="en-US" dirty="0" smtClean="0"/>
-              <a:t> </a:t>
-            </a:r>
-          </a:p>
-          <a:p>
-            <a:pPr lvl="1"/>
-            <a:r>
-              <a:rPr lang="en-US" dirty="0" smtClean="0"/>
-              <a:t>Ensure that you can connect to the </a:t>
-            </a:r>
-            <a:r>
-              <a:rPr lang="en-US" smtClean="0"/>
-              <a:t>VM </a:t>
-            </a:r>
-            <a:endParaRPr lang="en-US" smtClean="0"/>
-          </a:p>
-          <a:p>
-            <a:pPr lvl="1"/>
-            <a:r>
-              <a:rPr lang="en-US" smtClean="0"/>
-              <a:t>Start </a:t>
-            </a:r>
-            <a:r>
-              <a:rPr lang="en-US" dirty="0" smtClean="0"/>
-              <a:t>the provisioning process for </a:t>
-            </a:r>
-            <a:r>
-              <a:rPr lang="en-US" dirty="0"/>
-              <a:t>the HOL C:\</a:t>
-            </a:r>
-            <a:r>
-              <a:rPr lang="en-US" dirty="0" smtClean="0"/>
-              <a:t>WingTipTickets </a:t>
-            </a:r>
-            <a:endParaRPr lang="en-NZ" dirty="0"/>
+              <a:t>ISV DevOps view</a:t>
+            </a:r>
+            <a:endParaRPr lang="en-US" sz="2800" dirty="0">
+              <a:gradFill>
+                <a:gsLst>
+                  <a:gs pos="0">
+                    <a:schemeClr val="tx1">
+                      <a:lumMod val="75000"/>
+                      <a:lumOff val="25000"/>
+                    </a:schemeClr>
+                  </a:gs>
+                  <a:gs pos="80000">
+                    <a:schemeClr val="tx1">
+                      <a:lumMod val="65000"/>
+                      <a:lumOff val="35000"/>
+                    </a:schemeClr>
+                  </a:gs>
+                </a:gsLst>
+                <a:lin ang="16200000" scaled="0"/>
+              </a:gradFill>
+              <a:latin typeface="Segoe UI Light" pitchFamily="34" charset="0"/>
+            </a:endParaRPr>
           </a:p>
         </p:txBody>
       </p:sp>
     </p:spTree>
     <p:extLst>
       <p:ext uri="{BB962C8B-B14F-4D97-AF65-F5344CB8AC3E}">
-        <p14:creationId xmlns:p14="http://schemas.microsoft.com/office/powerpoint/2010/main" val="2385730570"/>
+        <p14:creationId xmlns:p14="http://schemas.microsoft.com/office/powerpoint/2010/main" val="2067525353"/>
       </p:ext>
     </p:extLst>
   </p:cSld>
@@ -5083,188 +5333,26 @@
       </p:grpSpPr>
       <p:sp>
         <p:nvSpPr>
-          <p:cNvPr id="2" name="Title 1"/>
-          <p:cNvSpPr>
-            <a:spLocks noGrp="1"/>
-          </p:cNvSpPr>
-          <p:nvPr>
-            <p:ph type="ctrTitle"/>
-          </p:nvPr>
-        </p:nvSpPr>
-        <p:spPr>
-          <a:xfrm>
-            <a:off x="1524000" y="2678966"/>
-            <a:ext cx="9144000" cy="830997"/>
-          </a:xfrm>
-        </p:spPr>
-        <p:txBody>
-          <a:bodyPr/>
-          <a:lstStyle/>
-          <a:p>
-            <a:r>
-              <a:rPr lang="en-US" dirty="0" smtClean="0"/>
-              <a:t>Azure demo</a:t>
-            </a:r>
-            <a:endParaRPr lang="en-NZ" dirty="0"/>
-          </a:p>
-        </p:txBody>
-      </p:sp>
-      <p:sp>
-        <p:nvSpPr>
-          <p:cNvPr id="3" name="Subtitle 2"/>
-          <p:cNvSpPr>
-            <a:spLocks noGrp="1"/>
-          </p:cNvSpPr>
-          <p:nvPr>
-            <p:ph type="subTitle" idx="1"/>
-          </p:nvPr>
-        </p:nvSpPr>
-        <p:spPr>
-          <a:xfrm>
-            <a:off x="1524000" y="3602038"/>
-            <a:ext cx="9144000" cy="1144929"/>
-          </a:xfrm>
-        </p:spPr>
-        <p:txBody>
-          <a:bodyPr/>
-          <a:lstStyle/>
-          <a:p>
-            <a:r>
-              <a:rPr lang="en-US" dirty="0" smtClean="0">
-                <a:hlinkClick r:id="rId2"/>
-              </a:rPr>
-              <a:t>http://portal.azure.com</a:t>
-            </a:r>
-            <a:endParaRPr lang="en-US" dirty="0" smtClean="0"/>
-          </a:p>
-          <a:p>
-            <a:r>
-              <a:rPr lang="en-US" dirty="0" smtClean="0"/>
-              <a:t>Azure SQL Database create DB</a:t>
-            </a:r>
-          </a:p>
-          <a:p>
-            <a:r>
-              <a:rPr lang="en-US" dirty="0" smtClean="0"/>
-              <a:t>Connect from SSMS</a:t>
-            </a:r>
-          </a:p>
-        </p:txBody>
-      </p:sp>
-    </p:spTree>
-    <p:extLst>
-      <p:ext uri="{BB962C8B-B14F-4D97-AF65-F5344CB8AC3E}">
-        <p14:creationId xmlns:p14="http://schemas.microsoft.com/office/powerpoint/2010/main" val="3817849942"/>
-      </p:ext>
-    </p:extLst>
-  </p:cSld>
-  <p:clrMapOvr>
-    <a:masterClrMapping/>
-  </p:clrMapOvr>
-</p:sld>
-</file>
-
-<file path=ppt/slides/slide4.xml><?xml version="1.0" encoding="utf-8"?>
-<p:sld xmlns:a="http://schemas.openxmlformats.org/drawingml/2006/main" xmlns:r="http://schemas.openxmlformats.org/officeDocument/2006/relationships" xmlns:p="http://schemas.openxmlformats.org/presentationml/2006/main">
-  <p:cSld>
-    <p:spTree>
-      <p:nvGrpSpPr>
-        <p:cNvPr id="1" name=""/>
-        <p:cNvGrpSpPr/>
-        <p:nvPr/>
-      </p:nvGrpSpPr>
-      <p:grpSpPr>
-        <a:xfrm>
-          <a:off x="0" y="0"/>
-          <a:ext cx="0" cy="0"/>
-          <a:chOff x="0" y="0"/>
-          <a:chExt cx="0" cy="0"/>
-        </a:xfrm>
-      </p:grpSpPr>
-      <p:pic>
-        <p:nvPicPr>
-          <p:cNvPr id="2" name="Picture 1"/>
-          <p:cNvPicPr>
-            <a:picLocks noChangeAspect="1"/>
-          </p:cNvPicPr>
-          <p:nvPr/>
-        </p:nvPicPr>
-        <p:blipFill>
-          <a:blip r:embed="rId2"/>
-          <a:stretch>
-            <a:fillRect/>
-          </a:stretch>
-        </p:blipFill>
-        <p:spPr>
-          <a:xfrm>
-            <a:off x="293108" y="723419"/>
-            <a:ext cx="10088980" cy="6134581"/>
-          </a:xfrm>
-          <a:prstGeom prst="rect">
-            <a:avLst/>
-          </a:prstGeom>
-        </p:spPr>
-      </p:pic>
-    </p:spTree>
-    <p:extLst>
-      <p:ext uri="{BB962C8B-B14F-4D97-AF65-F5344CB8AC3E}">
-        <p14:creationId xmlns:p14="http://schemas.microsoft.com/office/powerpoint/2010/main" val="3860488238"/>
-      </p:ext>
-    </p:extLst>
-  </p:cSld>
-  <p:clrMapOvr>
-    <a:masterClrMapping/>
-  </p:clrMapOvr>
-  <p:transition>
-    <p:fade/>
-  </p:transition>
-  <p:timing>
-    <p:tnLst>
-      <p:par>
-        <p:cTn id="1" dur="indefinite" restart="never" nodeType="tmRoot"/>
-      </p:par>
-    </p:tnLst>
-  </p:timing>
-</p:sld>
-</file>
-
-<file path=ppt/slides/slide5.xml><?xml version="1.0" encoding="utf-8"?>
-<p:sld xmlns:a="http://schemas.openxmlformats.org/drawingml/2006/main" xmlns:r="http://schemas.openxmlformats.org/officeDocument/2006/relationships" xmlns:p="http://schemas.openxmlformats.org/presentationml/2006/main">
-  <p:cSld>
-    <p:spTree>
-      <p:nvGrpSpPr>
-        <p:cNvPr id="1" name=""/>
-        <p:cNvGrpSpPr/>
-        <p:nvPr/>
-      </p:nvGrpSpPr>
-      <p:grpSpPr>
-        <a:xfrm>
-          <a:off x="0" y="0"/>
-          <a:ext cx="0" cy="0"/>
-          <a:chOff x="0" y="0"/>
-          <a:chExt cx="0" cy="0"/>
-        </a:xfrm>
-      </p:grpSpPr>
-      <p:sp>
-        <p:nvSpPr>
-          <p:cNvPr id="52" name="Rounded Rectangle 51"/>
+          <p:cNvPr id="60" name="Rounded Rectangle 59"/>
           <p:cNvSpPr/>
           <p:nvPr/>
         </p:nvSpPr>
         <p:spPr>
           <a:xfrm>
-            <a:off x="2305317" y="1224308"/>
+            <a:off x="2305317" y="4225712"/>
             <a:ext cx="9547650" cy="1496214"/>
           </a:xfrm>
           <a:prstGeom prst="roundRect">
             <a:avLst/>
           </a:prstGeom>
-          <a:noFill/>
+          <a:solidFill>
+            <a:srgbClr val="EDFFC1">
+              <a:alpha val="50196"/>
+            </a:srgbClr>
+          </a:solidFill>
           <a:ln>
             <a:solidFill>
-              <a:schemeClr val="bg2">
-                <a:lumMod val="75000"/>
-              </a:schemeClr>
+              <a:schemeClr val="accent2"/>
             </a:solidFill>
             <a:prstDash val="sysDash"/>
           </a:ln>
@@ -5291,10 +5379,131 @@
           <a:p>
             <a:pPr algn="ctr"/>
             <a:r>
-              <a:rPr lang="en-US" dirty="0" smtClean="0"/>
-              <a:t>Region A</a:t>
-            </a:r>
-            <a:endParaRPr lang="en-US" dirty="0"/>
+              <a:rPr lang="en-US" dirty="0" smtClean="0">
+                <a:solidFill>
+                  <a:schemeClr val="accent2">
+                    <a:lumMod val="50000"/>
+                  </a:schemeClr>
+                </a:solidFill>
+              </a:rPr>
+              <a:t>Secondary region</a:t>
+            </a:r>
+            <a:br>
+              <a:rPr lang="en-US" dirty="0" smtClean="0">
+                <a:solidFill>
+                  <a:schemeClr val="accent2">
+                    <a:lumMod val="50000"/>
+                  </a:schemeClr>
+                </a:solidFill>
+              </a:rPr>
+            </a:br>
+            <a:r>
+              <a:rPr lang="en-US" i="1" dirty="0" smtClean="0">
+                <a:solidFill>
+                  <a:schemeClr val="accent2">
+                    <a:lumMod val="50000"/>
+                  </a:schemeClr>
+                </a:solidFill>
+              </a:rPr>
+              <a:t>&lt;South East Asia&gt;</a:t>
+            </a:r>
+            <a:endParaRPr lang="en-US" i="1" dirty="0">
+              <a:solidFill>
+                <a:schemeClr val="accent2">
+                  <a:lumMod val="50000"/>
+                </a:schemeClr>
+              </a:solidFill>
+            </a:endParaRPr>
+          </a:p>
+        </p:txBody>
+      </p:sp>
+      <p:sp>
+        <p:nvSpPr>
+          <p:cNvPr id="52" name="Rounded Rectangle 51"/>
+          <p:cNvSpPr/>
+          <p:nvPr/>
+        </p:nvSpPr>
+        <p:spPr>
+          <a:xfrm>
+            <a:off x="2305317" y="1224308"/>
+            <a:ext cx="9547650" cy="1496214"/>
+          </a:xfrm>
+          <a:prstGeom prst="roundRect">
+            <a:avLst/>
+          </a:prstGeom>
+          <a:solidFill>
+            <a:schemeClr val="accent1">
+              <a:lumMod val="20000"/>
+              <a:lumOff val="80000"/>
+              <a:alpha val="20000"/>
+            </a:schemeClr>
+          </a:solidFill>
+          <a:ln>
+            <a:solidFill>
+              <a:schemeClr val="bg2">
+                <a:lumMod val="75000"/>
+              </a:schemeClr>
+            </a:solidFill>
+            <a:prstDash val="sysDash"/>
+          </a:ln>
+        </p:spPr>
+        <p:style>
+          <a:lnRef idx="2">
+            <a:schemeClr val="dk1">
+              <a:shade val="50000"/>
+            </a:schemeClr>
+          </a:lnRef>
+          <a:fillRef idx="1">
+            <a:schemeClr val="dk1"/>
+          </a:fillRef>
+          <a:effectRef idx="0">
+            <a:schemeClr val="dk1"/>
+          </a:effectRef>
+          <a:fontRef idx="minor">
+            <a:schemeClr val="lt1"/>
+          </a:fontRef>
+        </p:style>
+        <p:txBody>
+          <a:bodyPr rtlCol="0" anchor="t"/>
+          <a:lstStyle/>
+          <a:p>
+            <a:pPr algn="ctr"/>
+            <a:r>
+              <a:rPr lang="en-US" dirty="0" smtClean="0">
+                <a:solidFill>
+                  <a:schemeClr val="accent1">
+                    <a:lumMod val="50000"/>
+                  </a:schemeClr>
+                </a:solidFill>
+              </a:rPr>
+              <a:t>Primary region</a:t>
+            </a:r>
+            <a:br>
+              <a:rPr lang="en-US" dirty="0" smtClean="0">
+                <a:solidFill>
+                  <a:schemeClr val="accent1">
+                    <a:lumMod val="50000"/>
+                  </a:schemeClr>
+                </a:solidFill>
+              </a:rPr>
+            </a:br>
+            <a:r>
+              <a:rPr lang="en-US" i="1" dirty="0" smtClean="0">
+                <a:solidFill>
+                  <a:schemeClr val="accent1">
+                    <a:lumMod val="50000"/>
+                  </a:schemeClr>
+                </a:solidFill>
+              </a:rPr>
+              <a:t>&lt;East Asia&gt;</a:t>
+            </a:r>
+            <a:endParaRPr lang="en-US" i="1" dirty="0">
+              <a:solidFill>
+                <a:schemeClr val="accent1">
+                  <a:lumMod val="50000"/>
+                </a:schemeClr>
+              </a:solidFill>
+            </a:endParaRPr>
           </a:p>
         </p:txBody>
       </p:sp>
@@ -5336,7 +5545,7 @@
             <a:pPr algn="ctr"/>
             <a:r>
               <a:rPr lang="en-US" dirty="0" smtClean="0"/>
-              <a:t>Primary Customer Database</a:t>
+              <a:t>Primary Database</a:t>
             </a:r>
             <a:endParaRPr lang="en-US" dirty="0"/>
           </a:p>
@@ -5356,6 +5565,18 @@
           <a:prstGeom prst="can">
             <a:avLst/>
           </a:prstGeom>
+          <a:solidFill>
+            <a:schemeClr val="accent2">
+              <a:alpha val="50000"/>
+            </a:schemeClr>
+          </a:solidFill>
+          <a:ln>
+            <a:solidFill>
+              <a:schemeClr val="accent2">
+                <a:alpha val="50000"/>
+              </a:schemeClr>
+            </a:solidFill>
+          </a:ln>
         </p:spPr>
         <p:style>
           <a:lnRef idx="2">
@@ -5380,12 +5601,9 @@
             <a:pPr algn="ctr"/>
             <a:r>
               <a:rPr lang="en-US" dirty="0" smtClean="0"/>
-              <a:t>Secondary </a:t>
-            </a:r>
-            <a:r>
-              <a:rPr lang="en-US" dirty="0"/>
-              <a:t>Customer Database</a:t>
-            </a:r>
+              <a:t>Secondary Database</a:t>
+            </a:r>
+            <a:endParaRPr lang="en-US" dirty="0"/>
           </a:p>
         </p:txBody>
       </p:sp>
@@ -5398,7 +5616,7 @@
         <p:spPr>
           <a:xfrm>
             <a:off x="10097037" y="1304723"/>
-            <a:ext cx="1438855" cy="1323439"/>
+            <a:ext cx="1547603" cy="1323439"/>
           </a:xfrm>
           <a:prstGeom prst="rect">
             <a:avLst/>
@@ -5450,13 +5668,8 @@
             </a:pPr>
             <a:r>
               <a:rPr lang="en-US" sz="1600" dirty="0" smtClean="0"/>
-              <a:t>Venues </a:t>
-            </a:r>
-            <a:r>
-              <a:rPr lang="en-US" sz="1600" dirty="0" err="1" smtClean="0"/>
-              <a:t>etc</a:t>
-            </a:r>
-            <a:endParaRPr lang="en-US" sz="1600" dirty="0" smtClean="0"/>
+              <a:t>Venues etc.</a:t>
+            </a:r>
           </a:p>
         </p:txBody>
       </p:sp>
@@ -5469,7 +5682,7 @@
         <p:spPr>
           <a:xfrm>
             <a:off x="10097037" y="4312099"/>
-            <a:ext cx="1438855" cy="1323439"/>
+            <a:ext cx="1547603" cy="1323439"/>
           </a:xfrm>
           <a:prstGeom prst="rect">
             <a:avLst/>
@@ -5483,7 +5696,13 @@
           <a:lstStyle/>
           <a:p>
             <a:r>
-              <a:rPr lang="en-US" sz="1600" dirty="0"/>
+              <a:rPr lang="en-US" sz="1600" dirty="0">
+                <a:solidFill>
+                  <a:schemeClr val="bg1">
+                    <a:lumMod val="75000"/>
+                  </a:schemeClr>
+                </a:solidFill>
+              </a:rPr>
               <a:t>Tables:</a:t>
             </a:r>
           </a:p>
@@ -5492,7 +5711,13 @@
               <a:buAutoNum type="arabicPeriod"/>
             </a:pPr>
             <a:r>
-              <a:rPr lang="en-US" sz="1600" dirty="0"/>
+              <a:rPr lang="en-US" sz="1600" dirty="0">
+                <a:solidFill>
+                  <a:schemeClr val="bg1">
+                    <a:lumMod val="75000"/>
+                  </a:schemeClr>
+                </a:solidFill>
+              </a:rPr>
               <a:t>Concerts</a:t>
             </a:r>
           </a:p>
@@ -5501,7 +5726,13 @@
               <a:buAutoNum type="arabicPeriod"/>
             </a:pPr>
             <a:r>
-              <a:rPr lang="en-US" sz="1600" dirty="0"/>
+              <a:rPr lang="en-US" sz="1600" dirty="0">
+                <a:solidFill>
+                  <a:schemeClr val="bg1">
+                    <a:lumMod val="75000"/>
+                  </a:schemeClr>
+                </a:solidFill>
+              </a:rPr>
               <a:t>Customers</a:t>
             </a:r>
           </a:p>
@@ -5510,7 +5741,13 @@
               <a:buAutoNum type="arabicPeriod"/>
             </a:pPr>
             <a:r>
-              <a:rPr lang="en-US" sz="1600" dirty="0"/>
+              <a:rPr lang="en-US" sz="1600" dirty="0">
+                <a:solidFill>
+                  <a:schemeClr val="bg1">
+                    <a:lumMod val="75000"/>
+                  </a:schemeClr>
+                </a:solidFill>
+              </a:rPr>
               <a:t>Tickets</a:t>
             </a:r>
           </a:p>
@@ -5519,14 +5756,32 @@
               <a:buAutoNum type="arabicPeriod"/>
             </a:pPr>
             <a:r>
-              <a:rPr lang="en-US" sz="1600" dirty="0"/>
+              <a:rPr lang="en-US" sz="1600" dirty="0">
+                <a:solidFill>
+                  <a:schemeClr val="bg1">
+                    <a:lumMod val="75000"/>
+                  </a:schemeClr>
+                </a:solidFill>
+              </a:rPr>
               <a:t>Venues </a:t>
             </a:r>
             <a:r>
-              <a:rPr lang="en-US" sz="1600" dirty="0" err="1"/>
-              <a:t>etc</a:t>
-            </a:r>
-            <a:endParaRPr lang="en-US" sz="1600" dirty="0"/>
+              <a:rPr lang="en-US" sz="1600" dirty="0" smtClean="0">
+                <a:solidFill>
+                  <a:schemeClr val="bg1">
+                    <a:lumMod val="75000"/>
+                  </a:schemeClr>
+                </a:solidFill>
+              </a:rPr>
+              <a:t>etc.</a:t>
+            </a:r>
+            <a:endParaRPr lang="en-US" sz="1600" dirty="0">
+              <a:solidFill>
+                <a:schemeClr val="bg1">
+                  <a:lumMod val="75000"/>
+                </a:schemeClr>
+              </a:solidFill>
+            </a:endParaRPr>
           </a:p>
         </p:txBody>
       </p:sp>
@@ -5548,6 +5803,11 @@
             <a:avLst/>
           </a:prstGeom>
           <a:ln w="57150">
+            <a:solidFill>
+              <a:schemeClr val="accent2">
+                <a:alpha val="50000"/>
+              </a:schemeClr>
+            </a:solidFill>
             <a:prstDash val="sysDash"/>
             <a:tailEnd type="triangle"/>
           </a:ln>
@@ -5576,7 +5836,7 @@
         <p:spPr>
           <a:xfrm>
             <a:off x="9201955" y="3255185"/>
-            <a:ext cx="2106410" cy="338554"/>
+            <a:ext cx="2020105" cy="584775"/>
           </a:xfrm>
           <a:prstGeom prst="rect">
             <a:avLst/>
@@ -5591,8 +5851,16 @@
           <a:p>
             <a:r>
               <a:rPr lang="en-US" sz="1600" dirty="0" smtClean="0"/>
-              <a:t>Geographic Replication</a:t>
-            </a:r>
+              <a:t>SQL DB Geographic </a:t>
+            </a:r>
+            <a:br>
+              <a:rPr lang="en-US" sz="1600" dirty="0" smtClean="0"/>
+            </a:br>
+            <a:r>
+              <a:rPr lang="en-US" sz="1600" dirty="0" smtClean="0"/>
+              <a:t>Replication</a:t>
+            </a:r>
+            <a:endParaRPr lang="en-US" sz="1600" dirty="0" smtClean="0"/>
           </a:p>
         </p:txBody>
       </p:sp>
@@ -5633,21 +5901,48 @@
           <a:p>
             <a:pPr algn="ctr"/>
             <a:r>
-              <a:rPr lang="en-US" dirty="0" smtClean="0"/>
+              <a:rPr lang="en-US" sz="1400" dirty="0" smtClean="0"/>
               <a:t>Primary </a:t>
             </a:r>
           </a:p>
           <a:p>
             <a:pPr algn="ctr"/>
             <a:r>
-              <a:rPr lang="en-US" dirty="0" smtClean="0"/>
+              <a:rPr lang="en-US" sz="1400" dirty="0" smtClean="0"/>
               <a:t>Azure </a:t>
             </a:r>
             <a:r>
-              <a:rPr lang="en-US" dirty="0" err="1" smtClean="0"/>
+              <a:rPr lang="en-US" sz="1400" dirty="0" err="1" smtClean="0"/>
               <a:t>WebApp</a:t>
             </a:r>
-            <a:endParaRPr lang="en-US" dirty="0"/>
+            <a:r>
+              <a:rPr lang="en-US" sz="1400" dirty="0"/>
+              <a:t/>
+            </a:r>
+            <a:br>
+              <a:rPr lang="en-US" sz="1400" dirty="0"/>
+            </a:br>
+            <a:r>
+              <a:rPr lang="en-US" sz="1400" dirty="0" smtClean="0"/>
+              <a:t>&lt;</a:t>
+            </a:r>
+            <a:r>
+              <a:rPr lang="en-US" sz="1100" i="1" u="sng" dirty="0" smtClean="0"/>
+              <a:t>http</a:t>
+            </a:r>
+            <a:r>
+              <a:rPr lang="en-US" sz="1100" i="1" u="sng" dirty="0"/>
+              <a:t>://datacampguyprimary.azurewebsites.net</a:t>
+            </a:r>
+            <a:r>
+              <a:rPr lang="en-US" sz="1100" i="1" u="sng" dirty="0" smtClean="0"/>
+              <a:t>/ </a:t>
+            </a:r>
+            <a:r>
+              <a:rPr lang="en-US" sz="1100" i="1" u="sng" dirty="0" smtClean="0"/>
+              <a:t>&gt;</a:t>
+            </a:r>
+            <a:endParaRPr lang="en-US" sz="1100" i="1" u="sng" dirty="0"/>
           </a:p>
         </p:txBody>
       </p:sp>
@@ -5665,6 +5960,16 @@
           <a:prstGeom prst="roundRect">
             <a:avLst/>
           </a:prstGeom>
+          <a:solidFill>
+            <a:schemeClr val="accent2"/>
+          </a:solidFill>
+          <a:ln>
+            <a:solidFill>
+              <a:schemeClr val="accent2">
+                <a:lumMod val="50000"/>
+              </a:schemeClr>
+            </a:solidFill>
+          </a:ln>
         </p:spPr>
         <p:style>
           <a:lnRef idx="2">
@@ -5688,21 +5993,44 @@
           <a:p>
             <a:pPr algn="ctr"/>
             <a:r>
-              <a:rPr lang="en-US" smtClean="0"/>
+              <a:rPr lang="en-US" dirty="0" smtClean="0"/>
               <a:t>Secondary </a:t>
             </a:r>
           </a:p>
           <a:p>
             <a:pPr algn="ctr"/>
             <a:r>
-              <a:rPr lang="en-US" smtClean="0"/>
+              <a:rPr lang="en-US" dirty="0" smtClean="0"/>
               <a:t>Azure </a:t>
             </a:r>
             <a:r>
               <a:rPr lang="en-US" dirty="0" err="1" smtClean="0"/>
               <a:t>WebApp</a:t>
             </a:r>
-            <a:endParaRPr lang="en-US" dirty="0"/>
+            <a:r>
+              <a:rPr lang="en-US" dirty="0"/>
+              <a:t/>
+            </a:r>
+            <a:br>
+              <a:rPr lang="en-US" dirty="0"/>
+            </a:br>
+            <a:r>
+              <a:rPr lang="en-US" sz="1100" i="1" u="sng" dirty="0" smtClean="0"/>
+              <a:t>&lt;h</a:t>
+            </a:r>
+            <a:r>
+              <a:rPr lang="en-US" sz="1100" i="1" u="sng" dirty="0" smtClean="0"/>
+              <a:t>ttp</a:t>
+            </a:r>
+            <a:r>
+              <a:rPr lang="en-US" sz="1100" i="1" u="sng" dirty="0"/>
+              <a:t>://</a:t>
+            </a:r>
+            <a:r>
+              <a:rPr lang="en-US" sz="1100" i="1" u="sng" dirty="0" smtClean="0"/>
+              <a:t>datacampguysecondary.azurewebsites.net&gt;</a:t>
+            </a:r>
+            <a:endParaRPr lang="en-US" i="1" u="sng" dirty="0"/>
           </a:p>
         </p:txBody>
       </p:sp>
@@ -5724,6 +6052,11 @@
             <a:avLst/>
           </a:prstGeom>
           <a:ln w="57150">
+            <a:solidFill>
+              <a:schemeClr val="accent2">
+                <a:alpha val="50000"/>
+              </a:schemeClr>
+            </a:solidFill>
             <a:prstDash val="sysDash"/>
             <a:tailEnd type="triangle"/>
           </a:ln>
@@ -5817,9 +6150,29 @@
             <a:pPr algn="ctr"/>
             <a:r>
               <a:rPr lang="en-US" dirty="0" smtClean="0"/>
-              <a:t>Traffic Manager</a:t>
-            </a:r>
-            <a:endParaRPr lang="en-US" dirty="0"/>
+              <a:t>Traffic </a:t>
+            </a:r>
+            <a:r>
+              <a:rPr lang="en-US" dirty="0"/>
+              <a:t>Manager </a:t>
+            </a:r>
+            <a:r>
+              <a:rPr lang="en-US" sz="1400" i="1" u="sng" dirty="0" smtClean="0"/>
+              <a:t>&lt;http</a:t>
+            </a:r>
+            <a:r>
+              <a:rPr lang="en-US" sz="1400" i="1" u="sng" dirty="0"/>
+              <a:t>://datacampguy.trafficmanager.net</a:t>
+            </a:r>
+            <a:r>
+              <a:rPr lang="en-US" sz="1400" i="1" u="sng" dirty="0" smtClean="0"/>
+              <a:t>/ </a:t>
+            </a:r>
+            <a:r>
+              <a:rPr lang="en-US" sz="1400" i="1" u="sng" dirty="0" smtClean="0"/>
+              <a:t>&gt;</a:t>
+            </a:r>
+            <a:endParaRPr lang="en-US" i="1" u="sng" dirty="0"/>
           </a:p>
         </p:txBody>
       </p:sp>
@@ -5838,6 +6191,9 @@
             <a:avLst/>
           </a:prstGeom>
           <a:ln w="57150">
+            <a:solidFill>
+              <a:schemeClr val="accent2"/>
+            </a:solidFill>
             <a:prstDash val="sysDash"/>
             <a:tailEnd type="triangle"/>
           </a:ln>
@@ -5896,116 +6252,2812 @@
       </p:cxnSp>
       <p:sp>
         <p:nvSpPr>
-          <p:cNvPr id="54" name="TextBox 53"/>
-          <p:cNvSpPr txBox="1"/>
+          <p:cNvPr id="2" name="Title 1"/>
+          <p:cNvSpPr>
+            <a:spLocks noGrp="1"/>
+          </p:cNvSpPr>
+          <p:nvPr>
+            <p:ph type="title"/>
+          </p:nvPr>
+        </p:nvSpPr>
+        <p:spPr>
+          <a:xfrm>
+            <a:off x="519252" y="228604"/>
+            <a:ext cx="11151917" cy="747897"/>
+          </a:xfrm>
+        </p:spPr>
+        <p:txBody>
+          <a:bodyPr/>
+          <a:lstStyle/>
+          <a:p>
+            <a:r>
+              <a:rPr lang="en-US" dirty="0" err="1" smtClean="0"/>
+              <a:t>WingTipTickets</a:t>
+            </a:r>
+            <a:r>
+              <a:rPr lang="en-US" dirty="0" smtClean="0"/>
+              <a:t> Architecture</a:t>
+            </a:r>
+            <a:endParaRPr lang="en-NZ" dirty="0"/>
+          </a:p>
+        </p:txBody>
+      </p:sp>
+    </p:spTree>
+    <p:extLst>
+      <p:ext uri="{BB962C8B-B14F-4D97-AF65-F5344CB8AC3E}">
+        <p14:creationId xmlns:p14="http://schemas.microsoft.com/office/powerpoint/2010/main" val="1868417044"/>
+      </p:ext>
+    </p:extLst>
+  </p:cSld>
+  <p:clrMapOvr>
+    <a:masterClrMapping/>
+  </p:clrMapOvr>
+  <p:transition>
+    <p:fade/>
+  </p:transition>
+  <p:timing>
+    <p:tnLst>
+      <p:par>
+        <p:cTn id="1" dur="indefinite" restart="never" nodeType="tmRoot"/>
+      </p:par>
+    </p:tnLst>
+  </p:timing>
+</p:sld>
+</file>
+
+<file path=ppt/slides/slide4.xml><?xml version="1.0" encoding="utf-8"?>
+<p:sld xmlns:a="http://schemas.openxmlformats.org/drawingml/2006/main" xmlns:r="http://schemas.openxmlformats.org/officeDocument/2006/relationships" xmlns:p="http://schemas.openxmlformats.org/presentationml/2006/main">
+  <p:cSld>
+    <p:spTree>
+      <p:nvGrpSpPr>
+        <p:cNvPr id="1" name=""/>
+        <p:cNvGrpSpPr/>
+        <p:nvPr/>
+      </p:nvGrpSpPr>
+      <p:grpSpPr>
+        <a:xfrm>
+          <a:off x="0" y="0"/>
+          <a:ext cx="0" cy="0"/>
+          <a:chOff x="0" y="0"/>
+          <a:chExt cx="0" cy="0"/>
+        </a:xfrm>
+      </p:grpSpPr>
+      <p:sp>
+        <p:nvSpPr>
+          <p:cNvPr id="3" name="Rectangle 2"/>
+          <p:cNvSpPr/>
           <p:nvPr/>
         </p:nvSpPr>
-        <p:spPr>
-          <a:xfrm>
-            <a:off x="6572850" y="891058"/>
-            <a:ext cx="1012585" cy="369332"/>
+        <p:spPr bwMode="auto">
+          <a:xfrm>
+            <a:off x="6411470" y="3460978"/>
+            <a:ext cx="2814619" cy="3122429"/>
           </a:xfrm>
           <a:prstGeom prst="rect">
             <a:avLst/>
           </a:prstGeom>
-          <a:noFill/>
-        </p:spPr>
-        <p:txBody>
-          <a:bodyPr wrap="none" rtlCol="0">
-            <a:spAutoFit/>
-          </a:bodyPr>
-          <a:lstStyle/>
-          <a:p>
-            <a:r>
-              <a:rPr lang="en-US" dirty="0" smtClean="0"/>
-              <a:t>Region A</a:t>
-            </a:r>
-            <a:endParaRPr lang="en-US" dirty="0"/>
-          </a:p>
-        </p:txBody>
-      </p:sp>
-      <p:sp>
-        <p:nvSpPr>
-          <p:cNvPr id="55" name="TextBox 54"/>
-          <p:cNvSpPr txBox="1"/>
-          <p:nvPr/>
-        </p:nvSpPr>
-        <p:spPr>
-          <a:xfrm>
-            <a:off x="6572850" y="5665611"/>
-            <a:ext cx="1994457" cy="369332"/>
-          </a:xfrm>
-          <a:prstGeom prst="rect">
-            <a:avLst/>
-          </a:prstGeom>
-          <a:noFill/>
-        </p:spPr>
-        <p:txBody>
-          <a:bodyPr wrap="none" rtlCol="0">
-            <a:spAutoFit/>
-          </a:bodyPr>
-          <a:lstStyle/>
-          <a:p>
-            <a:r>
-              <a:rPr lang="en-US" dirty="0" smtClean="0"/>
-              <a:t>Region B optional</a:t>
-            </a:r>
-            <a:endParaRPr lang="en-US" dirty="0"/>
-          </a:p>
-        </p:txBody>
-      </p:sp>
-      <p:sp>
-        <p:nvSpPr>
-          <p:cNvPr id="60" name="Rounded Rectangle 59"/>
-          <p:cNvSpPr/>
-          <p:nvPr/>
-        </p:nvSpPr>
-        <p:spPr>
-          <a:xfrm>
-            <a:off x="2305317" y="4225712"/>
-            <a:ext cx="9547650" cy="1496214"/>
-          </a:xfrm>
-          <a:prstGeom prst="roundRect">
-            <a:avLst/>
-          </a:prstGeom>
-          <a:noFill/>
+          <a:solidFill>
+            <a:srgbClr val="FFB6FF">
+              <a:alpha val="20000"/>
+            </a:srgbClr>
+          </a:solidFill>
           <a:ln>
-            <a:solidFill>
-              <a:schemeClr val="bg2">
-                <a:lumMod val="75000"/>
-              </a:schemeClr>
-            </a:solidFill>
-            <a:prstDash val="sysDash"/>
+            <a:noFill/>
+            <a:headEnd type="none" w="med" len="med"/>
+            <a:tailEnd type="none" w="med" len="med"/>
           </a:ln>
+          <a:effectLst/>
         </p:spPr>
         <p:style>
-          <a:lnRef idx="2">
-            <a:schemeClr val="dk1">
-              <a:shade val="50000"/>
-            </a:schemeClr>
+          <a:lnRef idx="1">
+            <a:schemeClr val="accent2"/>
           </a:lnRef>
-          <a:fillRef idx="1">
-            <a:schemeClr val="dk1"/>
+          <a:fillRef idx="3">
+            <a:schemeClr val="accent2"/>
           </a:fillRef>
-          <a:effectRef idx="0">
-            <a:schemeClr val="dk1"/>
+          <a:effectRef idx="2">
+            <a:schemeClr val="accent2"/>
           </a:effectRef>
           <a:fontRef idx="minor">
             <a:schemeClr val="lt1"/>
           </a:fontRef>
         </p:style>
         <p:txBody>
-          <a:bodyPr rtlCol="0" anchor="t"/>
+          <a:bodyPr rot="0" spcFirstLastPara="0" vertOverflow="overflow" horzOverflow="overflow" vert="vert" wrap="square" lIns="91440" tIns="45720" rIns="45720" bIns="91440" numCol="1" spcCol="0" rtlCol="0" fromWordArt="0" anchor="b" anchorCtr="0" forceAA="0" compatLnSpc="1">
+            <a:prstTxWarp prst="textNoShape">
+              <a:avLst/>
+            </a:prstTxWarp>
+            <a:noAutofit/>
+          </a:bodyPr>
           <a:lstStyle/>
           <a:p>
-            <a:pPr algn="ctr"/>
-            <a:r>
-              <a:rPr lang="en-US" dirty="0"/>
-              <a:t>Region A</a:t>
-            </a:r>
+            <a:pPr algn="ctr" defTabSz="914099" fontAlgn="base">
+              <a:spcBef>
+                <a:spcPct val="0"/>
+              </a:spcBef>
+              <a:spcAft>
+                <a:spcPct val="0"/>
+              </a:spcAft>
+            </a:pPr>
+            <a:endParaRPr lang="en-US" spc="-50" dirty="0" smtClean="0">
+              <a:solidFill>
+                <a:schemeClr val="bg1">
+                  <a:lumMod val="65000"/>
+                </a:schemeClr>
+              </a:solidFill>
+              <a:latin typeface="Segoe UI" pitchFamily="34" charset="0"/>
+              <a:ea typeface="Segoe UI" pitchFamily="34" charset="0"/>
+              <a:cs typeface="Segoe UI" pitchFamily="34" charset="0"/>
+            </a:endParaRPr>
           </a:p>
         </p:txBody>
       </p:sp>
+      <p:sp>
+        <p:nvSpPr>
+          <p:cNvPr id="14" name="Isosceles Triangle 13"/>
+          <p:cNvSpPr/>
+          <p:nvPr/>
+        </p:nvSpPr>
+        <p:spPr bwMode="auto">
+          <a:xfrm rot="13526621">
+            <a:off x="8169219" y="1784711"/>
+            <a:ext cx="1550312" cy="2830881"/>
+          </a:xfrm>
+          <a:prstGeom prst="triangle">
+            <a:avLst>
+              <a:gd name="adj" fmla="val 77045"/>
+            </a:avLst>
+          </a:prstGeom>
+          <a:solidFill>
+            <a:schemeClr val="bg1">
+              <a:lumMod val="95000"/>
+            </a:schemeClr>
+          </a:solidFill>
+          <a:ln>
+            <a:noFill/>
+            <a:headEnd type="none" w="med" len="med"/>
+            <a:tailEnd type="none" w="med" len="med"/>
+          </a:ln>
+          <a:effectLst/>
+        </p:spPr>
+        <p:style>
+          <a:lnRef idx="1">
+            <a:schemeClr val="accent2"/>
+          </a:lnRef>
+          <a:fillRef idx="3">
+            <a:schemeClr val="accent2"/>
+          </a:fillRef>
+          <a:effectRef idx="2">
+            <a:schemeClr val="accent2"/>
+          </a:effectRef>
+          <a:fontRef idx="minor">
+            <a:schemeClr val="lt1"/>
+          </a:fontRef>
+        </p:style>
+        <p:txBody>
+          <a:bodyPr rot="0" spcFirstLastPara="0" vertOverflow="overflow" horzOverflow="overflow" vert="horz" wrap="square" lIns="182880" tIns="146304" rIns="182880" bIns="146304" numCol="1" spcCol="0" rtlCol="0" fromWordArt="0" anchor="t" anchorCtr="0" forceAA="0" compatLnSpc="1">
+            <a:prstTxWarp prst="textNoShape">
+              <a:avLst/>
+            </a:prstTxWarp>
+            <a:noAutofit/>
+          </a:bodyPr>
+          <a:lstStyle/>
+          <a:p>
+            <a:pPr algn="ctr" defTabSz="932472" fontAlgn="base">
+              <a:lnSpc>
+                <a:spcPct val="90000"/>
+              </a:lnSpc>
+              <a:spcBef>
+                <a:spcPct val="0"/>
+              </a:spcBef>
+              <a:spcAft>
+                <a:spcPct val="0"/>
+              </a:spcAft>
+            </a:pPr>
+            <a:endParaRPr lang="en-US" sz="2400" dirty="0" err="1" smtClean="0">
+              <a:gradFill>
+                <a:gsLst>
+                  <a:gs pos="0">
+                    <a:srgbClr val="FFFFFF"/>
+                  </a:gs>
+                  <a:gs pos="100000">
+                    <a:srgbClr val="FFFFFF"/>
+                  </a:gs>
+                </a:gsLst>
+                <a:lin ang="5400000" scaled="0"/>
+              </a:gradFill>
+              <a:ea typeface="Segoe UI" pitchFamily="34" charset="0"/>
+              <a:cs typeface="Segoe UI" pitchFamily="34" charset="0"/>
+            </a:endParaRPr>
+          </a:p>
+        </p:txBody>
+      </p:sp>
+      <p:sp>
+        <p:nvSpPr>
+          <p:cNvPr id="4" name="Title 3"/>
+          <p:cNvSpPr>
+            <a:spLocks noGrp="1"/>
+          </p:cNvSpPr>
+          <p:nvPr>
+            <p:ph type="title"/>
+          </p:nvPr>
+        </p:nvSpPr>
+        <p:spPr>
+          <a:xfrm>
+            <a:off x="519252" y="228604"/>
+            <a:ext cx="11151917" cy="609398"/>
+          </a:xfrm>
+        </p:spPr>
+        <p:txBody>
+          <a:bodyPr/>
+          <a:lstStyle/>
+          <a:p>
+            <a:r>
+              <a:rPr lang="en-US" sz="4400" dirty="0" err="1" smtClean="0"/>
+              <a:t>WingTipTickets</a:t>
+            </a:r>
+            <a:r>
+              <a:rPr lang="en-US" sz="4400" dirty="0" smtClean="0"/>
+              <a:t> Detailed Architecture </a:t>
+            </a:r>
+            <a:endParaRPr lang="en-US" sz="4400" dirty="0"/>
+          </a:p>
+        </p:txBody>
+      </p:sp>
+      <p:grpSp>
+        <p:nvGrpSpPr>
+          <p:cNvPr id="5" name="Group 4"/>
+          <p:cNvGrpSpPr/>
+          <p:nvPr/>
+        </p:nvGrpSpPr>
+        <p:grpSpPr>
+          <a:xfrm>
+            <a:off x="1315416" y="3002119"/>
+            <a:ext cx="1286261" cy="775799"/>
+            <a:chOff x="2523885" y="1947067"/>
+            <a:chExt cx="1286261" cy="775799"/>
+          </a:xfrm>
+        </p:grpSpPr>
+        <p:sp>
+          <p:nvSpPr>
+            <p:cNvPr id="11" name="TextBox 10"/>
+            <p:cNvSpPr txBox="1"/>
+            <p:nvPr/>
+          </p:nvSpPr>
+          <p:spPr>
+            <a:xfrm>
+              <a:off x="2523885" y="2581802"/>
+              <a:ext cx="1286261" cy="141064"/>
+            </a:xfrm>
+            <a:prstGeom prst="rect">
+              <a:avLst/>
+            </a:prstGeom>
+            <a:noFill/>
+          </p:spPr>
+          <p:txBody>
+            <a:bodyPr wrap="square" lIns="0" tIns="0" rIns="0" bIns="0" rtlCol="0">
+              <a:spAutoFit/>
+            </a:bodyPr>
+            <a:lstStyle/>
+            <a:p>
+              <a:pPr algn="ctr">
+                <a:lnSpc>
+                  <a:spcPct val="90000"/>
+                </a:lnSpc>
+                <a:spcAft>
+                  <a:spcPts val="600"/>
+                </a:spcAft>
+              </a:pPr>
+              <a:r>
+                <a:rPr lang="en-US" sz="1000" dirty="0" smtClean="0">
+                  <a:gradFill>
+                    <a:gsLst>
+                      <a:gs pos="2917">
+                        <a:schemeClr val="tx1"/>
+                      </a:gs>
+                      <a:gs pos="30000">
+                        <a:schemeClr val="tx1"/>
+                      </a:gs>
+                    </a:gsLst>
+                    <a:lin ang="5400000" scaled="0"/>
+                  </a:gradFill>
+                </a:rPr>
+                <a:t>Azure Web App</a:t>
+              </a:r>
+            </a:p>
+          </p:txBody>
+        </p:sp>
+        <p:pic>
+          <p:nvPicPr>
+            <p:cNvPr id="31" name="Picture 30"/>
+            <p:cNvPicPr>
+              <a:picLocks noChangeAspect="1"/>
+            </p:cNvPicPr>
+            <p:nvPr/>
+          </p:nvPicPr>
+          <p:blipFill>
+            <a:blip r:embed="rId2"/>
+            <a:stretch>
+              <a:fillRect/>
+            </a:stretch>
+          </p:blipFill>
+          <p:spPr>
+            <a:xfrm>
+              <a:off x="2878922" y="1947067"/>
+              <a:ext cx="578115" cy="578115"/>
+            </a:xfrm>
+            <a:prstGeom prst="rect">
+              <a:avLst/>
+            </a:prstGeom>
+          </p:spPr>
+        </p:pic>
+      </p:grpSp>
+      <p:grpSp>
+        <p:nvGrpSpPr>
+          <p:cNvPr id="50" name="Group 49"/>
+          <p:cNvGrpSpPr/>
+          <p:nvPr/>
+        </p:nvGrpSpPr>
+        <p:grpSpPr>
+          <a:xfrm>
+            <a:off x="4686395" y="5460759"/>
+            <a:ext cx="944671" cy="903185"/>
+            <a:chOff x="10860450" y="3047998"/>
+            <a:chExt cx="944671" cy="903185"/>
+          </a:xfrm>
+        </p:grpSpPr>
+        <p:sp>
+          <p:nvSpPr>
+            <p:cNvPr id="22" name="TextBox 21"/>
+            <p:cNvSpPr txBox="1"/>
+            <p:nvPr/>
+          </p:nvSpPr>
+          <p:spPr>
+            <a:xfrm>
+              <a:off x="10860450" y="3810119"/>
+              <a:ext cx="944671" cy="141064"/>
+            </a:xfrm>
+            <a:prstGeom prst="rect">
+              <a:avLst/>
+            </a:prstGeom>
+            <a:noFill/>
+          </p:spPr>
+          <p:txBody>
+            <a:bodyPr wrap="square" lIns="0" tIns="0" rIns="0" bIns="0" rtlCol="0">
+              <a:spAutoFit/>
+            </a:bodyPr>
+            <a:lstStyle/>
+            <a:p>
+              <a:pPr algn="ctr">
+                <a:lnSpc>
+                  <a:spcPct val="90000"/>
+                </a:lnSpc>
+                <a:spcAft>
+                  <a:spcPts val="600"/>
+                </a:spcAft>
+              </a:pPr>
+              <a:r>
+                <a:rPr lang="en-US" sz="1000" dirty="0" smtClean="0">
+                  <a:gradFill>
+                    <a:gsLst>
+                      <a:gs pos="2917">
+                        <a:schemeClr val="tx1"/>
+                      </a:gs>
+                      <a:gs pos="30000">
+                        <a:schemeClr val="tx1"/>
+                      </a:gs>
+                    </a:gsLst>
+                    <a:lin ang="5400000" scaled="0"/>
+                  </a:gradFill>
+                </a:rPr>
+                <a:t>Azure Search </a:t>
+              </a:r>
+            </a:p>
+          </p:txBody>
+        </p:sp>
+        <p:pic>
+          <p:nvPicPr>
+            <p:cNvPr id="40" name="Picture 39"/>
+            <p:cNvPicPr>
+              <a:picLocks noChangeAspect="1"/>
+            </p:cNvPicPr>
+            <p:nvPr/>
+          </p:nvPicPr>
+          <p:blipFill>
+            <a:blip r:embed="rId3"/>
+            <a:stretch>
+              <a:fillRect/>
+            </a:stretch>
+          </p:blipFill>
+          <p:spPr>
+            <a:xfrm>
+              <a:off x="10979728" y="3047998"/>
+              <a:ext cx="709707" cy="709707"/>
+            </a:xfrm>
+            <a:prstGeom prst="rect">
+              <a:avLst/>
+            </a:prstGeom>
+          </p:spPr>
+        </p:pic>
+      </p:grpSp>
+      <p:cxnSp>
+        <p:nvCxnSpPr>
+          <p:cNvPr id="132" name="Straight Arrow Connector 131"/>
+          <p:cNvCxnSpPr/>
+          <p:nvPr/>
+        </p:nvCxnSpPr>
+        <p:spPr>
+          <a:xfrm flipV="1">
+            <a:off x="5389072" y="3308863"/>
+            <a:ext cx="0" cy="1400436"/>
+          </a:xfrm>
+          <a:prstGeom prst="straightConnector1">
+            <a:avLst/>
+          </a:prstGeom>
+          <a:ln w="38100" cmpd="sng">
+            <a:solidFill>
+              <a:srgbClr val="0072C6"/>
+            </a:solidFill>
+            <a:headEnd type="triangle"/>
+            <a:tailEnd type="triangle"/>
+          </a:ln>
+        </p:spPr>
+        <p:style>
+          <a:lnRef idx="1">
+            <a:schemeClr val="accent1"/>
+          </a:lnRef>
+          <a:fillRef idx="0">
+            <a:schemeClr val="accent1"/>
+          </a:fillRef>
+          <a:effectRef idx="0">
+            <a:schemeClr val="accent1"/>
+          </a:effectRef>
+          <a:fontRef idx="minor">
+            <a:schemeClr val="tx1"/>
+          </a:fontRef>
+        </p:style>
+      </p:cxnSp>
+      <p:cxnSp>
+        <p:nvCxnSpPr>
+          <p:cNvPr id="152" name="Straight Arrow Connector 151"/>
+          <p:cNvCxnSpPr/>
+          <p:nvPr/>
+        </p:nvCxnSpPr>
+        <p:spPr>
+          <a:xfrm>
+            <a:off x="1970125" y="6078315"/>
+            <a:ext cx="4061840" cy="0"/>
+          </a:xfrm>
+          <a:prstGeom prst="straightConnector1">
+            <a:avLst/>
+          </a:prstGeom>
+          <a:ln w="38100" cmpd="sng">
+            <a:solidFill>
+              <a:schemeClr val="tx2"/>
+            </a:solidFill>
+            <a:headEnd type="none"/>
+            <a:tailEnd type="none"/>
+          </a:ln>
+        </p:spPr>
+        <p:style>
+          <a:lnRef idx="1">
+            <a:schemeClr val="accent1"/>
+          </a:lnRef>
+          <a:fillRef idx="0">
+            <a:schemeClr val="accent1"/>
+          </a:fillRef>
+          <a:effectRef idx="0">
+            <a:schemeClr val="accent1"/>
+          </a:effectRef>
+          <a:fontRef idx="minor">
+            <a:schemeClr val="tx1"/>
+          </a:fontRef>
+        </p:style>
+      </p:cxnSp>
+      <p:cxnSp>
+        <p:nvCxnSpPr>
+          <p:cNvPr id="82" name="Straight Arrow Connector 81"/>
+          <p:cNvCxnSpPr/>
+          <p:nvPr/>
+        </p:nvCxnSpPr>
+        <p:spPr>
+          <a:xfrm>
+            <a:off x="2137095" y="2563863"/>
+            <a:ext cx="3050108" cy="0"/>
+          </a:xfrm>
+          <a:prstGeom prst="straightConnector1">
+            <a:avLst/>
+          </a:prstGeom>
+          <a:ln w="38100" cmpd="sng">
+            <a:solidFill>
+              <a:schemeClr val="tx2"/>
+            </a:solidFill>
+            <a:headEnd type="none"/>
+            <a:tailEnd type="triangle"/>
+          </a:ln>
+        </p:spPr>
+        <p:style>
+          <a:lnRef idx="1">
+            <a:schemeClr val="accent1"/>
+          </a:lnRef>
+          <a:fillRef idx="0">
+            <a:schemeClr val="accent1"/>
+          </a:fillRef>
+          <a:effectRef idx="0">
+            <a:schemeClr val="accent1"/>
+          </a:effectRef>
+          <a:fontRef idx="minor">
+            <a:schemeClr val="tx1"/>
+          </a:fontRef>
+        </p:style>
+      </p:cxnSp>
+      <p:cxnSp>
+        <p:nvCxnSpPr>
+          <p:cNvPr id="141" name="Straight Arrow Connector 140"/>
+          <p:cNvCxnSpPr/>
+          <p:nvPr/>
+        </p:nvCxnSpPr>
+        <p:spPr>
+          <a:xfrm>
+            <a:off x="1740168" y="6570519"/>
+            <a:ext cx="7480304" cy="12888"/>
+          </a:xfrm>
+          <a:prstGeom prst="straightConnector1">
+            <a:avLst/>
+          </a:prstGeom>
+          <a:ln w="38100" cmpd="sng">
+            <a:solidFill>
+              <a:schemeClr val="tx2"/>
+            </a:solidFill>
+            <a:headEnd type="none"/>
+            <a:tailEnd type="none"/>
+          </a:ln>
+        </p:spPr>
+        <p:style>
+          <a:lnRef idx="1">
+            <a:schemeClr val="accent1"/>
+          </a:lnRef>
+          <a:fillRef idx="0">
+            <a:schemeClr val="accent1"/>
+          </a:fillRef>
+          <a:effectRef idx="0">
+            <a:schemeClr val="accent1"/>
+          </a:effectRef>
+          <a:fontRef idx="minor">
+            <a:schemeClr val="tx1"/>
+          </a:fontRef>
+        </p:style>
+      </p:cxnSp>
+      <p:cxnSp>
+        <p:nvCxnSpPr>
+          <p:cNvPr id="146" name="Straight Arrow Connector 145"/>
+          <p:cNvCxnSpPr/>
+          <p:nvPr/>
+        </p:nvCxnSpPr>
+        <p:spPr>
+          <a:xfrm flipV="1">
+            <a:off x="1750449" y="3940432"/>
+            <a:ext cx="0" cy="2642975"/>
+          </a:xfrm>
+          <a:prstGeom prst="straightConnector1">
+            <a:avLst/>
+          </a:prstGeom>
+          <a:ln w="38100" cmpd="sng">
+            <a:solidFill>
+              <a:srgbClr val="0072C6"/>
+            </a:solidFill>
+            <a:headEnd type="none"/>
+            <a:tailEnd type="none"/>
+          </a:ln>
+        </p:spPr>
+        <p:style>
+          <a:lnRef idx="1">
+            <a:schemeClr val="accent1"/>
+          </a:lnRef>
+          <a:fillRef idx="0">
+            <a:schemeClr val="accent1"/>
+          </a:fillRef>
+          <a:effectRef idx="0">
+            <a:schemeClr val="accent1"/>
+          </a:effectRef>
+          <a:fontRef idx="minor">
+            <a:schemeClr val="tx1"/>
+          </a:fontRef>
+        </p:style>
+      </p:cxnSp>
+      <p:grpSp>
+        <p:nvGrpSpPr>
+          <p:cNvPr id="68" name="Group 67"/>
+          <p:cNvGrpSpPr/>
+          <p:nvPr/>
+        </p:nvGrpSpPr>
+        <p:grpSpPr>
+          <a:xfrm>
+            <a:off x="4751108" y="2323265"/>
+            <a:ext cx="1286261" cy="819334"/>
+            <a:chOff x="7212625" y="2439970"/>
+            <a:chExt cx="1286261" cy="819334"/>
+          </a:xfrm>
+        </p:grpSpPr>
+        <p:pic>
+          <p:nvPicPr>
+            <p:cNvPr id="35" name="Picture 34"/>
+            <p:cNvPicPr>
+              <a:picLocks noChangeAspect="1"/>
+            </p:cNvPicPr>
+            <p:nvPr/>
+          </p:nvPicPr>
+          <p:blipFill>
+            <a:blip r:embed="rId4"/>
+            <a:stretch>
+              <a:fillRect/>
+            </a:stretch>
+          </p:blipFill>
+          <p:spPr>
+            <a:xfrm>
+              <a:off x="7567102" y="2439970"/>
+              <a:ext cx="579066" cy="579064"/>
+            </a:xfrm>
+            <a:prstGeom prst="rect">
+              <a:avLst/>
+            </a:prstGeom>
+          </p:spPr>
+        </p:pic>
+        <p:sp>
+          <p:nvSpPr>
+            <p:cNvPr id="157" name="TextBox 156"/>
+            <p:cNvSpPr txBox="1"/>
+            <p:nvPr/>
+          </p:nvSpPr>
+          <p:spPr>
+            <a:xfrm>
+              <a:off x="7212625" y="3118240"/>
+              <a:ext cx="1286261" cy="141064"/>
+            </a:xfrm>
+            <a:prstGeom prst="rect">
+              <a:avLst/>
+            </a:prstGeom>
+            <a:noFill/>
+          </p:spPr>
+          <p:txBody>
+            <a:bodyPr wrap="square" lIns="0" tIns="0" rIns="0" bIns="0" rtlCol="0">
+              <a:spAutoFit/>
+            </a:bodyPr>
+            <a:lstStyle/>
+            <a:p>
+              <a:pPr algn="ctr">
+                <a:lnSpc>
+                  <a:spcPct val="90000"/>
+                </a:lnSpc>
+                <a:spcAft>
+                  <a:spcPts val="600"/>
+                </a:spcAft>
+              </a:pPr>
+              <a:r>
+                <a:rPr lang="en-US" sz="1000" dirty="0" smtClean="0">
+                  <a:gradFill>
+                    <a:gsLst>
+                      <a:gs pos="2917">
+                        <a:schemeClr val="tx1"/>
+                      </a:gs>
+                      <a:gs pos="30000">
+                        <a:schemeClr val="tx1"/>
+                      </a:gs>
+                    </a:gsLst>
+                    <a:lin ang="5400000" scaled="0"/>
+                  </a:gradFill>
+                </a:rPr>
+                <a:t>Power BI</a:t>
+              </a:r>
+            </a:p>
+          </p:txBody>
+        </p:sp>
+      </p:grpSp>
+      <p:cxnSp>
+        <p:nvCxnSpPr>
+          <p:cNvPr id="160" name="Straight Arrow Connector 159"/>
+          <p:cNvCxnSpPr/>
+          <p:nvPr/>
+        </p:nvCxnSpPr>
+        <p:spPr>
+          <a:xfrm flipH="1">
+            <a:off x="5955297" y="2594917"/>
+            <a:ext cx="959613" cy="0"/>
+          </a:xfrm>
+          <a:prstGeom prst="straightConnector1">
+            <a:avLst/>
+          </a:prstGeom>
+          <a:ln w="38100" cmpd="sng">
+            <a:solidFill>
+              <a:srgbClr val="0072C6"/>
+            </a:solidFill>
+            <a:headEnd type="none"/>
+            <a:tailEnd type="triangle"/>
+          </a:ln>
+        </p:spPr>
+        <p:style>
+          <a:lnRef idx="1">
+            <a:schemeClr val="accent1"/>
+          </a:lnRef>
+          <a:fillRef idx="0">
+            <a:schemeClr val="accent1"/>
+          </a:fillRef>
+          <a:effectRef idx="0">
+            <a:schemeClr val="accent1"/>
+          </a:effectRef>
+          <a:fontRef idx="minor">
+            <a:schemeClr val="tx1"/>
+          </a:fontRef>
+        </p:style>
+      </p:cxnSp>
+      <p:cxnSp>
+        <p:nvCxnSpPr>
+          <p:cNvPr id="162" name="Straight Arrow Connector 161"/>
+          <p:cNvCxnSpPr/>
+          <p:nvPr/>
+        </p:nvCxnSpPr>
+        <p:spPr>
+          <a:xfrm flipV="1">
+            <a:off x="2162343" y="2588052"/>
+            <a:ext cx="0" cy="219675"/>
+          </a:xfrm>
+          <a:prstGeom prst="straightConnector1">
+            <a:avLst/>
+          </a:prstGeom>
+          <a:ln w="38100" cmpd="sng">
+            <a:solidFill>
+              <a:srgbClr val="0072C6"/>
+            </a:solidFill>
+            <a:headEnd type="none"/>
+            <a:tailEnd type="none"/>
+          </a:ln>
+        </p:spPr>
+        <p:style>
+          <a:lnRef idx="1">
+            <a:schemeClr val="accent1"/>
+          </a:lnRef>
+          <a:fillRef idx="0">
+            <a:schemeClr val="accent1"/>
+          </a:fillRef>
+          <a:effectRef idx="0">
+            <a:schemeClr val="accent1"/>
+          </a:effectRef>
+          <a:fontRef idx="minor">
+            <a:schemeClr val="tx1"/>
+          </a:fontRef>
+        </p:style>
+      </p:cxnSp>
+      <p:cxnSp>
+        <p:nvCxnSpPr>
+          <p:cNvPr id="163" name="Straight Arrow Connector 162"/>
+          <p:cNvCxnSpPr/>
+          <p:nvPr/>
+        </p:nvCxnSpPr>
+        <p:spPr>
+          <a:xfrm flipV="1">
+            <a:off x="1956395" y="3940432"/>
+            <a:ext cx="0" cy="2155913"/>
+          </a:xfrm>
+          <a:prstGeom prst="straightConnector1">
+            <a:avLst/>
+          </a:prstGeom>
+          <a:ln w="38100" cmpd="sng">
+            <a:solidFill>
+              <a:srgbClr val="0072C6"/>
+            </a:solidFill>
+            <a:headEnd type="none"/>
+            <a:tailEnd type="triangle"/>
+          </a:ln>
+        </p:spPr>
+        <p:style>
+          <a:lnRef idx="1">
+            <a:schemeClr val="accent1"/>
+          </a:lnRef>
+          <a:fillRef idx="0">
+            <a:schemeClr val="accent1"/>
+          </a:fillRef>
+          <a:effectRef idx="0">
+            <a:schemeClr val="accent1"/>
+          </a:effectRef>
+          <a:fontRef idx="minor">
+            <a:schemeClr val="tx1"/>
+          </a:fontRef>
+        </p:style>
+      </p:cxnSp>
+      <p:grpSp>
+        <p:nvGrpSpPr>
+          <p:cNvPr id="189" name="Group 188"/>
+          <p:cNvGrpSpPr/>
+          <p:nvPr/>
+        </p:nvGrpSpPr>
+        <p:grpSpPr>
+          <a:xfrm>
+            <a:off x="2148612" y="3940430"/>
+            <a:ext cx="1691329" cy="1208216"/>
+            <a:chOff x="1139568" y="4057135"/>
+            <a:chExt cx="1691329" cy="1208216"/>
+          </a:xfrm>
+        </p:grpSpPr>
+        <p:cxnSp>
+          <p:nvCxnSpPr>
+            <p:cNvPr id="164" name="Straight Arrow Connector 163"/>
+            <p:cNvCxnSpPr/>
+            <p:nvPr/>
+          </p:nvCxnSpPr>
+          <p:spPr>
+            <a:xfrm flipV="1">
+              <a:off x="1153297" y="4057135"/>
+              <a:ext cx="0" cy="1208216"/>
+            </a:xfrm>
+            <a:prstGeom prst="straightConnector1">
+              <a:avLst/>
+            </a:prstGeom>
+            <a:ln w="38100" cmpd="sng">
+              <a:solidFill>
+                <a:srgbClr val="0072C6"/>
+              </a:solidFill>
+              <a:headEnd type="none"/>
+              <a:tailEnd type="triangle"/>
+            </a:ln>
+          </p:spPr>
+          <p:style>
+            <a:lnRef idx="1">
+              <a:schemeClr val="accent1"/>
+            </a:lnRef>
+            <a:fillRef idx="0">
+              <a:schemeClr val="accent1"/>
+            </a:fillRef>
+            <a:effectRef idx="0">
+              <a:schemeClr val="accent1"/>
+            </a:effectRef>
+            <a:fontRef idx="minor">
+              <a:schemeClr val="tx1"/>
+            </a:fontRef>
+          </p:style>
+        </p:cxnSp>
+        <p:cxnSp>
+          <p:nvCxnSpPr>
+            <p:cNvPr id="165" name="Straight Arrow Connector 164"/>
+            <p:cNvCxnSpPr/>
+            <p:nvPr/>
+          </p:nvCxnSpPr>
+          <p:spPr>
+            <a:xfrm>
+              <a:off x="1139568" y="5244268"/>
+              <a:ext cx="1691329" cy="21083"/>
+            </a:xfrm>
+            <a:prstGeom prst="straightConnector1">
+              <a:avLst/>
+            </a:prstGeom>
+            <a:ln w="38100" cmpd="sng">
+              <a:solidFill>
+                <a:schemeClr val="tx2"/>
+              </a:solidFill>
+              <a:headEnd type="none"/>
+              <a:tailEnd type="triangle"/>
+            </a:ln>
+          </p:spPr>
+          <p:style>
+            <a:lnRef idx="1">
+              <a:schemeClr val="accent1"/>
+            </a:lnRef>
+            <a:fillRef idx="0">
+              <a:schemeClr val="accent1"/>
+            </a:fillRef>
+            <a:effectRef idx="0">
+              <a:schemeClr val="accent1"/>
+            </a:effectRef>
+            <a:fontRef idx="minor">
+              <a:schemeClr val="tx1"/>
+            </a:fontRef>
+          </p:style>
+        </p:cxnSp>
+      </p:grpSp>
+      <p:cxnSp>
+        <p:nvCxnSpPr>
+          <p:cNvPr id="170" name="Straight Arrow Connector 169"/>
+          <p:cNvCxnSpPr/>
+          <p:nvPr/>
+        </p:nvCxnSpPr>
+        <p:spPr>
+          <a:xfrm>
+            <a:off x="3717049" y="6078315"/>
+            <a:ext cx="5292811" cy="0"/>
+          </a:xfrm>
+          <a:prstGeom prst="straightConnector1">
+            <a:avLst/>
+          </a:prstGeom>
+          <a:ln w="38100" cmpd="sng">
+            <a:solidFill>
+              <a:schemeClr val="tx2"/>
+            </a:solidFill>
+            <a:headEnd type="none"/>
+            <a:tailEnd type="none"/>
+          </a:ln>
+        </p:spPr>
+        <p:style>
+          <a:lnRef idx="1">
+            <a:schemeClr val="accent1"/>
+          </a:lnRef>
+          <a:fillRef idx="0">
+            <a:schemeClr val="accent1"/>
+          </a:fillRef>
+          <a:effectRef idx="0">
+            <a:schemeClr val="accent1"/>
+          </a:effectRef>
+          <a:fontRef idx="minor">
+            <a:schemeClr val="tx1"/>
+          </a:fontRef>
+        </p:style>
+      </p:cxnSp>
+      <p:cxnSp>
+        <p:nvCxnSpPr>
+          <p:cNvPr id="174" name="Straight Arrow Connector 173"/>
+          <p:cNvCxnSpPr/>
+          <p:nvPr/>
+        </p:nvCxnSpPr>
+        <p:spPr>
+          <a:xfrm flipV="1">
+            <a:off x="1956395" y="1812322"/>
+            <a:ext cx="0" cy="995407"/>
+          </a:xfrm>
+          <a:prstGeom prst="straightConnector1">
+            <a:avLst/>
+          </a:prstGeom>
+          <a:ln w="38100" cmpd="sng">
+            <a:solidFill>
+              <a:srgbClr val="0072C6"/>
+            </a:solidFill>
+            <a:headEnd type="triangle"/>
+            <a:tailEnd type="none"/>
+          </a:ln>
+        </p:spPr>
+        <p:style>
+          <a:lnRef idx="1">
+            <a:schemeClr val="accent1"/>
+          </a:lnRef>
+          <a:fillRef idx="0">
+            <a:schemeClr val="accent1"/>
+          </a:fillRef>
+          <a:effectRef idx="0">
+            <a:schemeClr val="accent1"/>
+          </a:effectRef>
+          <a:fontRef idx="minor">
+            <a:schemeClr val="tx1"/>
+          </a:fontRef>
+        </p:style>
+      </p:cxnSp>
+      <p:cxnSp>
+        <p:nvCxnSpPr>
+          <p:cNvPr id="176" name="Straight Arrow Connector 175"/>
+          <p:cNvCxnSpPr/>
+          <p:nvPr/>
+        </p:nvCxnSpPr>
+        <p:spPr>
+          <a:xfrm>
+            <a:off x="1970509" y="1815234"/>
+            <a:ext cx="3383280" cy="0"/>
+          </a:xfrm>
+          <a:prstGeom prst="straightConnector1">
+            <a:avLst/>
+          </a:prstGeom>
+          <a:ln w="38100" cmpd="sng">
+            <a:solidFill>
+              <a:schemeClr val="tx2"/>
+            </a:solidFill>
+            <a:headEnd type="none"/>
+            <a:tailEnd type="none"/>
+          </a:ln>
+        </p:spPr>
+        <p:style>
+          <a:lnRef idx="1">
+            <a:schemeClr val="accent1"/>
+          </a:lnRef>
+          <a:fillRef idx="0">
+            <a:schemeClr val="accent1"/>
+          </a:fillRef>
+          <a:effectRef idx="0">
+            <a:schemeClr val="accent1"/>
+          </a:effectRef>
+          <a:fontRef idx="minor">
+            <a:schemeClr val="tx1"/>
+          </a:fontRef>
+        </p:style>
+      </p:cxnSp>
+      <p:cxnSp>
+        <p:nvCxnSpPr>
+          <p:cNvPr id="179" name="Straight Arrow Connector 178"/>
+          <p:cNvCxnSpPr/>
+          <p:nvPr/>
+        </p:nvCxnSpPr>
+        <p:spPr>
+          <a:xfrm flipV="1">
+            <a:off x="5391891" y="1794220"/>
+            <a:ext cx="0" cy="388806"/>
+          </a:xfrm>
+          <a:prstGeom prst="straightConnector1">
+            <a:avLst/>
+          </a:prstGeom>
+          <a:ln w="38100" cmpd="sng">
+            <a:solidFill>
+              <a:srgbClr val="0072C6"/>
+            </a:solidFill>
+            <a:headEnd type="none"/>
+            <a:tailEnd type="none"/>
+          </a:ln>
+        </p:spPr>
+        <p:style>
+          <a:lnRef idx="1">
+            <a:schemeClr val="accent1"/>
+          </a:lnRef>
+          <a:fillRef idx="0">
+            <a:schemeClr val="accent1"/>
+          </a:fillRef>
+          <a:effectRef idx="0">
+            <a:schemeClr val="accent1"/>
+          </a:effectRef>
+          <a:fontRef idx="minor">
+            <a:schemeClr val="tx1"/>
+          </a:fontRef>
+        </p:style>
+      </p:cxnSp>
+      <p:cxnSp>
+        <p:nvCxnSpPr>
+          <p:cNvPr id="191" name="Straight Arrow Connector 190"/>
+          <p:cNvCxnSpPr/>
+          <p:nvPr/>
+        </p:nvCxnSpPr>
+        <p:spPr>
+          <a:xfrm>
+            <a:off x="5941078" y="2811158"/>
+            <a:ext cx="973832" cy="0"/>
+          </a:xfrm>
+          <a:prstGeom prst="straightConnector1">
+            <a:avLst/>
+          </a:prstGeom>
+          <a:ln w="38100" cmpd="sng">
+            <a:solidFill>
+              <a:srgbClr val="0072C6"/>
+            </a:solidFill>
+            <a:headEnd type="none"/>
+            <a:tailEnd type="triangle"/>
+          </a:ln>
+        </p:spPr>
+        <p:style>
+          <a:lnRef idx="1">
+            <a:schemeClr val="accent1"/>
+          </a:lnRef>
+          <a:fillRef idx="0">
+            <a:schemeClr val="accent1"/>
+          </a:fillRef>
+          <a:effectRef idx="0">
+            <a:schemeClr val="accent1"/>
+          </a:effectRef>
+          <a:fontRef idx="minor">
+            <a:schemeClr val="tx1"/>
+          </a:fontRef>
+        </p:style>
+      </p:cxnSp>
+      <p:cxnSp>
+        <p:nvCxnSpPr>
+          <p:cNvPr id="195" name="Straight Arrow Connector 194"/>
+          <p:cNvCxnSpPr/>
+          <p:nvPr/>
+        </p:nvCxnSpPr>
+        <p:spPr>
+          <a:xfrm>
+            <a:off x="6145908" y="3895807"/>
+            <a:ext cx="759931" cy="0"/>
+          </a:xfrm>
+          <a:prstGeom prst="straightConnector1">
+            <a:avLst/>
+          </a:prstGeom>
+          <a:ln w="38100" cmpd="sng">
+            <a:solidFill>
+              <a:srgbClr val="0072C6"/>
+            </a:solidFill>
+            <a:headEnd type="none"/>
+            <a:tailEnd type="triangle"/>
+          </a:ln>
+        </p:spPr>
+        <p:style>
+          <a:lnRef idx="1">
+            <a:schemeClr val="accent1"/>
+          </a:lnRef>
+          <a:fillRef idx="0">
+            <a:schemeClr val="accent1"/>
+          </a:fillRef>
+          <a:effectRef idx="0">
+            <a:schemeClr val="accent1"/>
+          </a:effectRef>
+          <a:fontRef idx="minor">
+            <a:schemeClr val="tx1"/>
+          </a:fontRef>
+        </p:style>
+      </p:cxnSp>
+      <p:cxnSp>
+        <p:nvCxnSpPr>
+          <p:cNvPr id="197" name="Straight Arrow Connector 196"/>
+          <p:cNvCxnSpPr/>
+          <p:nvPr/>
+        </p:nvCxnSpPr>
+        <p:spPr>
+          <a:xfrm flipV="1">
+            <a:off x="9054950" y="4093269"/>
+            <a:ext cx="0" cy="2002729"/>
+          </a:xfrm>
+          <a:prstGeom prst="straightConnector1">
+            <a:avLst/>
+          </a:prstGeom>
+          <a:ln w="38100" cmpd="sng">
+            <a:solidFill>
+              <a:srgbClr val="0072C6"/>
+            </a:solidFill>
+            <a:headEnd type="none"/>
+            <a:tailEnd type="none"/>
+          </a:ln>
+        </p:spPr>
+        <p:style>
+          <a:lnRef idx="1">
+            <a:schemeClr val="accent1"/>
+          </a:lnRef>
+          <a:fillRef idx="0">
+            <a:schemeClr val="accent1"/>
+          </a:fillRef>
+          <a:effectRef idx="0">
+            <a:schemeClr val="accent1"/>
+          </a:effectRef>
+          <a:fontRef idx="minor">
+            <a:schemeClr val="tx1"/>
+          </a:fontRef>
+        </p:style>
+      </p:cxnSp>
+      <p:cxnSp>
+        <p:nvCxnSpPr>
+          <p:cNvPr id="198" name="Straight Arrow Connector 197"/>
+          <p:cNvCxnSpPr/>
+          <p:nvPr/>
+        </p:nvCxnSpPr>
+        <p:spPr>
+          <a:xfrm flipV="1">
+            <a:off x="9188159" y="3883370"/>
+            <a:ext cx="0" cy="2700037"/>
+          </a:xfrm>
+          <a:prstGeom prst="straightConnector1">
+            <a:avLst/>
+          </a:prstGeom>
+          <a:ln w="38100" cmpd="sng">
+            <a:solidFill>
+              <a:srgbClr val="0072C6"/>
+            </a:solidFill>
+            <a:headEnd type="none"/>
+            <a:tailEnd type="none"/>
+          </a:ln>
+        </p:spPr>
+        <p:style>
+          <a:lnRef idx="1">
+            <a:schemeClr val="accent1"/>
+          </a:lnRef>
+          <a:fillRef idx="0">
+            <a:schemeClr val="accent1"/>
+          </a:fillRef>
+          <a:effectRef idx="0">
+            <a:schemeClr val="accent1"/>
+          </a:effectRef>
+          <a:fontRef idx="minor">
+            <a:schemeClr val="tx1"/>
+          </a:fontRef>
+        </p:style>
+      </p:cxnSp>
+      <p:sp>
+        <p:nvSpPr>
+          <p:cNvPr id="235" name="Freeform 234"/>
+          <p:cNvSpPr/>
+          <p:nvPr/>
+        </p:nvSpPr>
+        <p:spPr>
+          <a:xfrm>
+            <a:off x="8962888" y="5017933"/>
+            <a:ext cx="224328" cy="131319"/>
+          </a:xfrm>
+          <a:custGeom>
+            <a:avLst/>
+            <a:gdLst>
+              <a:gd name="connsiteX0" fmla="*/ 0 w 354061"/>
+              <a:gd name="connsiteY0" fmla="*/ 192430 h 192430"/>
+              <a:gd name="connsiteX1" fmla="*/ 169333 w 354061"/>
+              <a:gd name="connsiteY1" fmla="*/ 6 h 192430"/>
+              <a:gd name="connsiteX2" fmla="*/ 354061 w 354061"/>
+              <a:gd name="connsiteY2" fmla="*/ 184733 h 192430"/>
+              <a:gd name="connsiteX0" fmla="*/ 0 w 331836"/>
+              <a:gd name="connsiteY0" fmla="*/ 192425 h 194253"/>
+              <a:gd name="connsiteX1" fmla="*/ 169333 w 331836"/>
+              <a:gd name="connsiteY1" fmla="*/ 1 h 194253"/>
+              <a:gd name="connsiteX2" fmla="*/ 331836 w 331836"/>
+              <a:gd name="connsiteY2" fmla="*/ 194253 h 194253"/>
+              <a:gd name="connsiteX0" fmla="*/ 0 w 331836"/>
+              <a:gd name="connsiteY0" fmla="*/ 192425 h 194253"/>
+              <a:gd name="connsiteX1" fmla="*/ 169333 w 331836"/>
+              <a:gd name="connsiteY1" fmla="*/ 1 h 194253"/>
+              <a:gd name="connsiteX2" fmla="*/ 331836 w 331836"/>
+              <a:gd name="connsiteY2" fmla="*/ 194253 h 194253"/>
+              <a:gd name="connsiteX0" fmla="*/ 0 w 331836"/>
+              <a:gd name="connsiteY0" fmla="*/ 192425 h 194253"/>
+              <a:gd name="connsiteX1" fmla="*/ 169333 w 331836"/>
+              <a:gd name="connsiteY1" fmla="*/ 1 h 194253"/>
+              <a:gd name="connsiteX2" fmla="*/ 331836 w 331836"/>
+              <a:gd name="connsiteY2" fmla="*/ 194253 h 194253"/>
+              <a:gd name="connsiteX0" fmla="*/ 0 w 331836"/>
+              <a:gd name="connsiteY0" fmla="*/ 192425 h 194253"/>
+              <a:gd name="connsiteX1" fmla="*/ 169333 w 331836"/>
+              <a:gd name="connsiteY1" fmla="*/ 1 h 194253"/>
+              <a:gd name="connsiteX2" fmla="*/ 331836 w 331836"/>
+              <a:gd name="connsiteY2" fmla="*/ 194253 h 194253"/>
+            </a:gdLst>
+            <a:ahLst/>
+            <a:cxnLst>
+              <a:cxn ang="0">
+                <a:pos x="connsiteX0" y="connsiteY0"/>
+              </a:cxn>
+              <a:cxn ang="0">
+                <a:pos x="connsiteX1" y="connsiteY1"/>
+              </a:cxn>
+              <a:cxn ang="0">
+                <a:pos x="connsiteX2" y="connsiteY2"/>
+              </a:cxn>
+            </a:cxnLst>
+            <a:rect l="l" t="t" r="r" b="b"/>
+            <a:pathLst>
+              <a:path w="331836" h="194253">
+                <a:moveTo>
+                  <a:pt x="0" y="192425"/>
+                </a:moveTo>
+                <a:cubicBezTo>
+                  <a:pt x="1186" y="58754"/>
+                  <a:pt x="85452" y="-304"/>
+                  <a:pt x="169333" y="1"/>
+                </a:cubicBezTo>
+                <a:cubicBezTo>
+                  <a:pt x="253214" y="306"/>
+                  <a:pt x="330778" y="64623"/>
+                  <a:pt x="331836" y="194253"/>
+                </a:cubicBezTo>
+              </a:path>
+            </a:pathLst>
+          </a:custGeom>
+          <a:ln w="38100" cmpd="sng"/>
+        </p:spPr>
+        <p:style>
+          <a:lnRef idx="1">
+            <a:schemeClr val="accent1"/>
+          </a:lnRef>
+          <a:fillRef idx="0">
+            <a:schemeClr val="accent1"/>
+          </a:fillRef>
+          <a:effectRef idx="0">
+            <a:schemeClr val="accent1"/>
+          </a:effectRef>
+          <a:fontRef idx="minor">
+            <a:schemeClr val="tx1"/>
+          </a:fontRef>
+        </p:style>
+        <p:txBody>
+          <a:bodyPr rtlCol="0" anchor="ctr"/>
+          <a:lstStyle/>
+          <a:p>
+            <a:pPr algn="ctr"/>
+            <a:r>
+              <a:rPr lang="en-US" dirty="0" smtClean="0"/>
+              <a:t> </a:t>
+            </a:r>
+            <a:endParaRPr lang="en-US" dirty="0"/>
+          </a:p>
+        </p:txBody>
+      </p:sp>
+      <p:cxnSp>
+        <p:nvCxnSpPr>
+          <p:cNvPr id="271" name="Straight Arrow Connector 270"/>
+          <p:cNvCxnSpPr/>
+          <p:nvPr/>
+        </p:nvCxnSpPr>
+        <p:spPr>
+          <a:xfrm>
+            <a:off x="5955296" y="2794345"/>
+            <a:ext cx="0" cy="1914952"/>
+          </a:xfrm>
+          <a:prstGeom prst="straightConnector1">
+            <a:avLst/>
+          </a:prstGeom>
+          <a:ln w="38100" cmpd="sng">
+            <a:solidFill>
+              <a:srgbClr val="0072C6"/>
+            </a:solidFill>
+            <a:headEnd type="none"/>
+            <a:tailEnd type="triangle"/>
+          </a:ln>
+        </p:spPr>
+        <p:style>
+          <a:lnRef idx="1">
+            <a:schemeClr val="accent1"/>
+          </a:lnRef>
+          <a:fillRef idx="0">
+            <a:schemeClr val="accent1"/>
+          </a:fillRef>
+          <a:effectRef idx="0">
+            <a:schemeClr val="accent1"/>
+          </a:effectRef>
+          <a:fontRef idx="minor">
+            <a:schemeClr val="tx1"/>
+          </a:fontRef>
+        </p:style>
+      </p:cxnSp>
+      <p:cxnSp>
+        <p:nvCxnSpPr>
+          <p:cNvPr id="272" name="Straight Arrow Connector 271"/>
+          <p:cNvCxnSpPr/>
+          <p:nvPr/>
+        </p:nvCxnSpPr>
+        <p:spPr>
+          <a:xfrm>
+            <a:off x="6161242" y="3880195"/>
+            <a:ext cx="0" cy="829102"/>
+          </a:xfrm>
+          <a:prstGeom prst="straightConnector1">
+            <a:avLst/>
+          </a:prstGeom>
+          <a:ln w="38100" cmpd="sng">
+            <a:solidFill>
+              <a:srgbClr val="0072C6"/>
+            </a:solidFill>
+            <a:headEnd type="none"/>
+            <a:tailEnd type="triangle"/>
+          </a:ln>
+        </p:spPr>
+        <p:style>
+          <a:lnRef idx="1">
+            <a:schemeClr val="accent1"/>
+          </a:lnRef>
+          <a:fillRef idx="0">
+            <a:schemeClr val="accent1"/>
+          </a:fillRef>
+          <a:effectRef idx="0">
+            <a:schemeClr val="accent1"/>
+          </a:effectRef>
+          <a:fontRef idx="minor">
+            <a:schemeClr val="tx1"/>
+          </a:fontRef>
+        </p:style>
+      </p:cxnSp>
+      <p:grpSp>
+        <p:nvGrpSpPr>
+          <p:cNvPr id="282" name="Group 281"/>
+          <p:cNvGrpSpPr/>
+          <p:nvPr/>
+        </p:nvGrpSpPr>
+        <p:grpSpPr>
+          <a:xfrm>
+            <a:off x="9381320" y="1198788"/>
+            <a:ext cx="1558289" cy="1714210"/>
+            <a:chOff x="8846258" y="1130240"/>
+            <a:chExt cx="1558289" cy="1714210"/>
+          </a:xfrm>
+        </p:grpSpPr>
+        <p:sp>
+          <p:nvSpPr>
+            <p:cNvPr id="283" name="Rectangle 282"/>
+            <p:cNvSpPr/>
+            <p:nvPr/>
+          </p:nvSpPr>
+          <p:spPr bwMode="auto">
+            <a:xfrm>
+              <a:off x="8857482" y="1132873"/>
+              <a:ext cx="1541519" cy="1711577"/>
+            </a:xfrm>
+            <a:prstGeom prst="rect">
+              <a:avLst/>
+            </a:prstGeom>
+            <a:solidFill>
+              <a:schemeClr val="bg1">
+                <a:lumMod val="95000"/>
+              </a:schemeClr>
+            </a:solidFill>
+            <a:ln>
+              <a:noFill/>
+              <a:headEnd type="none" w="med" len="med"/>
+              <a:tailEnd type="none" w="med" len="med"/>
+            </a:ln>
+            <a:effectLst/>
+          </p:spPr>
+          <p:style>
+            <a:lnRef idx="1">
+              <a:schemeClr val="accent2"/>
+            </a:lnRef>
+            <a:fillRef idx="3">
+              <a:schemeClr val="accent2"/>
+            </a:fillRef>
+            <a:effectRef idx="2">
+              <a:schemeClr val="accent2"/>
+            </a:effectRef>
+            <a:fontRef idx="minor">
+              <a:schemeClr val="lt1"/>
+            </a:fontRef>
+          </p:style>
+          <p:txBody>
+            <a:bodyPr rot="0" spcFirstLastPara="0" vertOverflow="overflow" horzOverflow="overflow" vert="horz" wrap="square" lIns="182880" tIns="146304" rIns="182880" bIns="146304" numCol="1" spcCol="0" rtlCol="0" fromWordArt="0" anchor="t" anchorCtr="0" forceAA="0" compatLnSpc="1">
+              <a:prstTxWarp prst="textNoShape">
+                <a:avLst/>
+              </a:prstTxWarp>
+              <a:noAutofit/>
+            </a:bodyPr>
+            <a:lstStyle/>
+            <a:p>
+              <a:pPr algn="ctr" defTabSz="932472" fontAlgn="base">
+                <a:lnSpc>
+                  <a:spcPct val="90000"/>
+                </a:lnSpc>
+                <a:spcBef>
+                  <a:spcPct val="0"/>
+                </a:spcBef>
+                <a:spcAft>
+                  <a:spcPct val="0"/>
+                </a:spcAft>
+              </a:pPr>
+              <a:endParaRPr lang="en-US" sz="2400" dirty="0" err="1" smtClean="0">
+                <a:gradFill>
+                  <a:gsLst>
+                    <a:gs pos="0">
+                      <a:srgbClr val="FFFFFF"/>
+                    </a:gs>
+                    <a:gs pos="100000">
+                      <a:srgbClr val="FFFFFF"/>
+                    </a:gs>
+                  </a:gsLst>
+                  <a:lin ang="5400000" scaled="0"/>
+                </a:gradFill>
+                <a:ea typeface="Segoe UI" pitchFamily="34" charset="0"/>
+                <a:cs typeface="Segoe UI" pitchFamily="34" charset="0"/>
+              </a:endParaRPr>
+            </a:p>
+          </p:txBody>
+        </p:sp>
+        <p:grpSp>
+          <p:nvGrpSpPr>
+            <p:cNvPr id="284" name="Group 283"/>
+            <p:cNvGrpSpPr/>
+            <p:nvPr/>
+          </p:nvGrpSpPr>
+          <p:grpSpPr>
+            <a:xfrm>
+              <a:off x="8859110" y="1130240"/>
+              <a:ext cx="1545437" cy="206283"/>
+              <a:chOff x="9114222" y="1096965"/>
+              <a:chExt cx="1545437" cy="206283"/>
+            </a:xfrm>
+          </p:grpSpPr>
+          <p:sp>
+            <p:nvSpPr>
+              <p:cNvPr id="297" name="Rectangle 296"/>
+              <p:cNvSpPr/>
+              <p:nvPr/>
+            </p:nvSpPr>
+            <p:spPr bwMode="auto">
+              <a:xfrm>
+                <a:off x="9114222" y="1096965"/>
+                <a:ext cx="1545437" cy="206283"/>
+              </a:xfrm>
+              <a:prstGeom prst="rect">
+                <a:avLst/>
+              </a:prstGeom>
+              <a:solidFill>
+                <a:schemeClr val="tx2"/>
+              </a:solidFill>
+              <a:ln>
+                <a:noFill/>
+                <a:headEnd type="none" w="med" len="med"/>
+                <a:tailEnd type="none" w="med" len="med"/>
+              </a:ln>
+              <a:effectLst/>
+            </p:spPr>
+            <p:style>
+              <a:lnRef idx="1">
+                <a:schemeClr val="accent2"/>
+              </a:lnRef>
+              <a:fillRef idx="3">
+                <a:schemeClr val="accent2"/>
+              </a:fillRef>
+              <a:effectRef idx="2">
+                <a:schemeClr val="accent2"/>
+              </a:effectRef>
+              <a:fontRef idx="minor">
+                <a:schemeClr val="lt1"/>
+              </a:fontRef>
+            </p:style>
+            <p:txBody>
+              <a:bodyPr rot="0" spcFirstLastPara="0" vertOverflow="overflow" horzOverflow="overflow" vert="horz" wrap="square" lIns="182880" tIns="146304" rIns="182880" bIns="146304" numCol="1" spcCol="0" rtlCol="0" fromWordArt="0" anchor="t" anchorCtr="0" forceAA="0" compatLnSpc="1">
+                <a:prstTxWarp prst="textNoShape">
+                  <a:avLst/>
+                </a:prstTxWarp>
+                <a:noAutofit/>
+              </a:bodyPr>
+              <a:lstStyle/>
+              <a:p>
+                <a:pPr algn="ctr" defTabSz="932472" fontAlgn="base">
+                  <a:lnSpc>
+                    <a:spcPct val="90000"/>
+                  </a:lnSpc>
+                  <a:spcBef>
+                    <a:spcPct val="0"/>
+                  </a:spcBef>
+                  <a:spcAft>
+                    <a:spcPct val="0"/>
+                  </a:spcAft>
+                </a:pPr>
+                <a:endParaRPr lang="en-US" sz="2400" dirty="0" err="1" smtClean="0">
+                  <a:gradFill>
+                    <a:gsLst>
+                      <a:gs pos="0">
+                        <a:srgbClr val="FFFFFF"/>
+                      </a:gs>
+                      <a:gs pos="100000">
+                        <a:srgbClr val="FFFFFF"/>
+                      </a:gs>
+                    </a:gsLst>
+                    <a:lin ang="5400000" scaled="0"/>
+                  </a:gradFill>
+                  <a:ea typeface="Segoe UI" pitchFamily="34" charset="0"/>
+                  <a:cs typeface="Segoe UI" pitchFamily="34" charset="0"/>
+                </a:endParaRPr>
+              </a:p>
+            </p:txBody>
+          </p:sp>
+          <p:sp>
+            <p:nvSpPr>
+              <p:cNvPr id="298" name="TextBox 297"/>
+              <p:cNvSpPr txBox="1"/>
+              <p:nvPr/>
+            </p:nvSpPr>
+            <p:spPr>
+              <a:xfrm>
+                <a:off x="9165705" y="1146747"/>
+                <a:ext cx="902901" cy="112851"/>
+              </a:xfrm>
+              <a:prstGeom prst="rect">
+                <a:avLst/>
+              </a:prstGeom>
+              <a:noFill/>
+            </p:spPr>
+            <p:txBody>
+              <a:bodyPr wrap="square" lIns="0" tIns="0" rIns="0" bIns="0" rtlCol="0">
+                <a:spAutoFit/>
+              </a:bodyPr>
+              <a:lstStyle/>
+              <a:p>
+                <a:pPr>
+                  <a:lnSpc>
+                    <a:spcPct val="90000"/>
+                  </a:lnSpc>
+                  <a:spcAft>
+                    <a:spcPts val="600"/>
+                  </a:spcAft>
+                </a:pPr>
+                <a:r>
+                  <a:rPr lang="en-US" sz="800" b="1" dirty="0" smtClean="0">
+                    <a:solidFill>
+                      <a:schemeClr val="bg1"/>
+                    </a:solidFill>
+                  </a:rPr>
+                  <a:t>TABLES:</a:t>
+                </a:r>
+              </a:p>
+            </p:txBody>
+          </p:sp>
+        </p:grpSp>
+        <p:grpSp>
+          <p:nvGrpSpPr>
+            <p:cNvPr id="285" name="Group 284"/>
+            <p:cNvGrpSpPr/>
+            <p:nvPr/>
+          </p:nvGrpSpPr>
+          <p:grpSpPr>
+            <a:xfrm>
+              <a:off x="8851865" y="2114653"/>
+              <a:ext cx="820819" cy="551025"/>
+              <a:chOff x="9536491" y="4756741"/>
+              <a:chExt cx="902901" cy="606128"/>
+            </a:xfrm>
+          </p:grpSpPr>
+          <p:sp>
+            <p:nvSpPr>
+              <p:cNvPr id="295" name="TextBox 294"/>
+              <p:cNvSpPr txBox="1"/>
+              <p:nvPr/>
+            </p:nvSpPr>
+            <p:spPr>
+              <a:xfrm>
+                <a:off x="9536491" y="5221805"/>
+                <a:ext cx="902901" cy="141064"/>
+              </a:xfrm>
+              <a:prstGeom prst="rect">
+                <a:avLst/>
+              </a:prstGeom>
+              <a:noFill/>
+            </p:spPr>
+            <p:txBody>
+              <a:bodyPr wrap="square" lIns="0" tIns="0" rIns="0" bIns="0" rtlCol="0">
+                <a:spAutoFit/>
+              </a:bodyPr>
+              <a:lstStyle/>
+              <a:p>
+                <a:pPr algn="ctr">
+                  <a:lnSpc>
+                    <a:spcPct val="90000"/>
+                  </a:lnSpc>
+                  <a:spcAft>
+                    <a:spcPts val="600"/>
+                  </a:spcAft>
+                </a:pPr>
+                <a:r>
+                  <a:rPr lang="en-US" sz="1000" dirty="0" smtClean="0">
+                    <a:gradFill>
+                      <a:gsLst>
+                        <a:gs pos="2917">
+                          <a:schemeClr val="tx1"/>
+                        </a:gs>
+                        <a:gs pos="30000">
+                          <a:schemeClr val="tx1"/>
+                        </a:gs>
+                      </a:gsLst>
+                      <a:lin ang="5400000" scaled="0"/>
+                    </a:gradFill>
+                  </a:rPr>
+                  <a:t>Tickets</a:t>
+                </a:r>
+              </a:p>
+            </p:txBody>
+          </p:sp>
+          <p:pic>
+            <p:nvPicPr>
+              <p:cNvPr id="296" name="Picture 295"/>
+              <p:cNvPicPr>
+                <a:picLocks noChangeAspect="1"/>
+              </p:cNvPicPr>
+              <p:nvPr/>
+            </p:nvPicPr>
+            <p:blipFill>
+              <a:blip r:embed="rId5"/>
+              <a:stretch>
+                <a:fillRect/>
+              </a:stretch>
+            </p:blipFill>
+            <p:spPr>
+              <a:xfrm>
+                <a:off x="9802817" y="4756741"/>
+                <a:ext cx="380661" cy="395844"/>
+              </a:xfrm>
+              <a:prstGeom prst="rect">
+                <a:avLst/>
+              </a:prstGeom>
+            </p:spPr>
+          </p:pic>
+        </p:grpSp>
+        <p:grpSp>
+          <p:nvGrpSpPr>
+            <p:cNvPr id="286" name="Group 285"/>
+            <p:cNvGrpSpPr/>
+            <p:nvPr/>
+          </p:nvGrpSpPr>
+          <p:grpSpPr>
+            <a:xfrm>
+              <a:off x="9550682" y="2122695"/>
+              <a:ext cx="820819" cy="553927"/>
+              <a:chOff x="11089588" y="3159772"/>
+              <a:chExt cx="902901" cy="609320"/>
+            </a:xfrm>
+          </p:grpSpPr>
+          <p:sp>
+            <p:nvSpPr>
+              <p:cNvPr id="293" name="TextBox 292"/>
+              <p:cNvSpPr txBox="1"/>
+              <p:nvPr/>
+            </p:nvSpPr>
+            <p:spPr>
+              <a:xfrm>
+                <a:off x="11089588" y="3628028"/>
+                <a:ext cx="902901" cy="141064"/>
+              </a:xfrm>
+              <a:prstGeom prst="rect">
+                <a:avLst/>
+              </a:prstGeom>
+              <a:noFill/>
+            </p:spPr>
+            <p:txBody>
+              <a:bodyPr wrap="square" lIns="0" tIns="0" rIns="0" bIns="0" rtlCol="0">
+                <a:spAutoFit/>
+              </a:bodyPr>
+              <a:lstStyle/>
+              <a:p>
+                <a:pPr algn="ctr">
+                  <a:lnSpc>
+                    <a:spcPct val="90000"/>
+                  </a:lnSpc>
+                  <a:spcAft>
+                    <a:spcPts val="600"/>
+                  </a:spcAft>
+                </a:pPr>
+                <a:r>
+                  <a:rPr lang="en-US" sz="1000" dirty="0" smtClean="0">
+                    <a:gradFill>
+                      <a:gsLst>
+                        <a:gs pos="2917">
+                          <a:schemeClr val="tx1"/>
+                        </a:gs>
+                        <a:gs pos="30000">
+                          <a:schemeClr val="tx1"/>
+                        </a:gs>
+                      </a:gsLst>
+                      <a:lin ang="5400000" scaled="0"/>
+                    </a:gradFill>
+                  </a:rPr>
+                  <a:t>Venues</a:t>
+                </a:r>
+              </a:p>
+            </p:txBody>
+          </p:sp>
+          <p:pic>
+            <p:nvPicPr>
+              <p:cNvPr id="294" name="Picture 293"/>
+              <p:cNvPicPr>
+                <a:picLocks noChangeAspect="1"/>
+              </p:cNvPicPr>
+              <p:nvPr/>
+            </p:nvPicPr>
+            <p:blipFill>
+              <a:blip r:embed="rId6"/>
+              <a:stretch>
+                <a:fillRect/>
+              </a:stretch>
+            </p:blipFill>
+            <p:spPr>
+              <a:xfrm>
+                <a:off x="11317551" y="3159772"/>
+                <a:ext cx="448410" cy="398323"/>
+              </a:xfrm>
+              <a:prstGeom prst="rect">
+                <a:avLst/>
+              </a:prstGeom>
+            </p:spPr>
+          </p:pic>
+        </p:grpSp>
+        <p:grpSp>
+          <p:nvGrpSpPr>
+            <p:cNvPr id="287" name="Group 286"/>
+            <p:cNvGrpSpPr/>
+            <p:nvPr/>
+          </p:nvGrpSpPr>
+          <p:grpSpPr>
+            <a:xfrm>
+              <a:off x="9572803" y="1491108"/>
+              <a:ext cx="820819" cy="469080"/>
+              <a:chOff x="11334734" y="3311502"/>
+              <a:chExt cx="902901" cy="515988"/>
+            </a:xfrm>
+          </p:grpSpPr>
+          <p:sp>
+            <p:nvSpPr>
+              <p:cNvPr id="291" name="TextBox 290"/>
+              <p:cNvSpPr txBox="1"/>
+              <p:nvPr/>
+            </p:nvSpPr>
+            <p:spPr>
+              <a:xfrm>
+                <a:off x="11334734" y="3686426"/>
+                <a:ext cx="902901" cy="141064"/>
+              </a:xfrm>
+              <a:prstGeom prst="rect">
+                <a:avLst/>
+              </a:prstGeom>
+              <a:noFill/>
+            </p:spPr>
+            <p:txBody>
+              <a:bodyPr wrap="square" lIns="0" tIns="0" rIns="0" bIns="0" rtlCol="0">
+                <a:spAutoFit/>
+              </a:bodyPr>
+              <a:lstStyle/>
+              <a:p>
+                <a:pPr algn="ctr">
+                  <a:lnSpc>
+                    <a:spcPct val="90000"/>
+                  </a:lnSpc>
+                  <a:spcAft>
+                    <a:spcPts val="600"/>
+                  </a:spcAft>
+                </a:pPr>
+                <a:r>
+                  <a:rPr lang="en-US" sz="1000" dirty="0" smtClean="0">
+                    <a:gradFill>
+                      <a:gsLst>
+                        <a:gs pos="2917">
+                          <a:schemeClr val="tx1"/>
+                        </a:gs>
+                        <a:gs pos="30000">
+                          <a:schemeClr val="tx1"/>
+                        </a:gs>
+                      </a:gsLst>
+                      <a:lin ang="5400000" scaled="0"/>
+                    </a:gradFill>
+                  </a:rPr>
+                  <a:t>Customers</a:t>
+                </a:r>
+              </a:p>
+            </p:txBody>
+          </p:sp>
+          <p:pic>
+            <p:nvPicPr>
+              <p:cNvPr id="292" name="Picture 291"/>
+              <p:cNvPicPr>
+                <a:picLocks noChangeAspect="1"/>
+              </p:cNvPicPr>
+              <p:nvPr/>
+            </p:nvPicPr>
+            <p:blipFill>
+              <a:blip r:embed="rId7"/>
+              <a:stretch>
+                <a:fillRect/>
+              </a:stretch>
+            </p:blipFill>
+            <p:spPr>
+              <a:xfrm>
+                <a:off x="11509886" y="3311502"/>
+                <a:ext cx="506509" cy="279571"/>
+              </a:xfrm>
+              <a:prstGeom prst="rect">
+                <a:avLst/>
+              </a:prstGeom>
+            </p:spPr>
+          </p:pic>
+        </p:grpSp>
+        <p:grpSp>
+          <p:nvGrpSpPr>
+            <p:cNvPr id="288" name="Group 287"/>
+            <p:cNvGrpSpPr/>
+            <p:nvPr/>
+          </p:nvGrpSpPr>
+          <p:grpSpPr>
+            <a:xfrm>
+              <a:off x="8846258" y="1439365"/>
+              <a:ext cx="820819" cy="518193"/>
+              <a:chOff x="10572941" y="3603201"/>
+              <a:chExt cx="902901" cy="570012"/>
+            </a:xfrm>
+          </p:grpSpPr>
+          <p:sp>
+            <p:nvSpPr>
+              <p:cNvPr id="289" name="TextBox 288"/>
+              <p:cNvSpPr txBox="1"/>
+              <p:nvPr/>
+            </p:nvSpPr>
+            <p:spPr>
+              <a:xfrm>
+                <a:off x="10572941" y="4032149"/>
+                <a:ext cx="902901" cy="141064"/>
+              </a:xfrm>
+              <a:prstGeom prst="rect">
+                <a:avLst/>
+              </a:prstGeom>
+              <a:noFill/>
+            </p:spPr>
+            <p:txBody>
+              <a:bodyPr wrap="square" lIns="0" tIns="0" rIns="0" bIns="0" rtlCol="0">
+                <a:spAutoFit/>
+              </a:bodyPr>
+              <a:lstStyle/>
+              <a:p>
+                <a:pPr algn="ctr">
+                  <a:lnSpc>
+                    <a:spcPct val="90000"/>
+                  </a:lnSpc>
+                  <a:spcAft>
+                    <a:spcPts val="600"/>
+                  </a:spcAft>
+                </a:pPr>
+                <a:r>
+                  <a:rPr lang="en-US" sz="1000" dirty="0" smtClean="0">
+                    <a:gradFill>
+                      <a:gsLst>
+                        <a:gs pos="2917">
+                          <a:schemeClr val="tx1"/>
+                        </a:gs>
+                        <a:gs pos="30000">
+                          <a:schemeClr val="tx1"/>
+                        </a:gs>
+                      </a:gsLst>
+                      <a:lin ang="5400000" scaled="0"/>
+                    </a:gradFill>
+                  </a:rPr>
+                  <a:t>Concerts</a:t>
+                </a:r>
+              </a:p>
+            </p:txBody>
+          </p:sp>
+          <p:pic>
+            <p:nvPicPr>
+              <p:cNvPr id="290" name="Picture 289"/>
+              <p:cNvPicPr>
+                <a:picLocks noChangeAspect="1"/>
+              </p:cNvPicPr>
+              <p:nvPr/>
+            </p:nvPicPr>
+            <p:blipFill>
+              <a:blip r:embed="rId8"/>
+              <a:stretch>
+                <a:fillRect/>
+              </a:stretch>
+            </p:blipFill>
+            <p:spPr>
+              <a:xfrm>
+                <a:off x="10914463" y="3603201"/>
+                <a:ext cx="233958" cy="356596"/>
+              </a:xfrm>
+              <a:prstGeom prst="rect">
+                <a:avLst/>
+              </a:prstGeom>
+            </p:spPr>
+          </p:pic>
+        </p:grpSp>
+      </p:grpSp>
+      <p:grpSp>
+        <p:nvGrpSpPr>
+          <p:cNvPr id="97" name="Group 96"/>
+          <p:cNvGrpSpPr/>
+          <p:nvPr/>
+        </p:nvGrpSpPr>
+        <p:grpSpPr>
+          <a:xfrm>
+            <a:off x="6677992" y="3606182"/>
+            <a:ext cx="1286261" cy="772786"/>
+            <a:chOff x="8925391" y="1950080"/>
+            <a:chExt cx="1286261" cy="772786"/>
+          </a:xfrm>
+        </p:grpSpPr>
+        <p:sp>
+          <p:nvSpPr>
+            <p:cNvPr id="98" name="TextBox 97"/>
+            <p:cNvSpPr txBox="1"/>
+            <p:nvPr/>
+          </p:nvSpPr>
+          <p:spPr>
+            <a:xfrm>
+              <a:off x="8925391" y="2581802"/>
+              <a:ext cx="1286261" cy="141064"/>
+            </a:xfrm>
+            <a:prstGeom prst="rect">
+              <a:avLst/>
+            </a:prstGeom>
+            <a:noFill/>
+          </p:spPr>
+          <p:txBody>
+            <a:bodyPr wrap="square" lIns="0" tIns="0" rIns="0" bIns="0" rtlCol="0">
+              <a:spAutoFit/>
+            </a:bodyPr>
+            <a:lstStyle/>
+            <a:p>
+              <a:pPr algn="ctr">
+                <a:lnSpc>
+                  <a:spcPct val="90000"/>
+                </a:lnSpc>
+                <a:spcAft>
+                  <a:spcPts val="600"/>
+                </a:spcAft>
+              </a:pPr>
+              <a:r>
+                <a:rPr lang="en-US" sz="1000" dirty="0" smtClean="0">
+                  <a:gradFill>
+                    <a:gsLst>
+                      <a:gs pos="2917">
+                        <a:schemeClr val="tx1"/>
+                      </a:gs>
+                      <a:gs pos="30000">
+                        <a:schemeClr val="tx1"/>
+                      </a:gs>
+                    </a:gsLst>
+                    <a:lin ang="5400000" scaled="0"/>
+                  </a:gradFill>
+                </a:rPr>
+                <a:t>Customer Database</a:t>
+              </a:r>
+            </a:p>
+          </p:txBody>
+        </p:sp>
+        <p:pic>
+          <p:nvPicPr>
+            <p:cNvPr id="99" name="Picture 98"/>
+            <p:cNvPicPr>
+              <a:picLocks noChangeAspect="1"/>
+            </p:cNvPicPr>
+            <p:nvPr/>
+          </p:nvPicPr>
+          <p:blipFill>
+            <a:blip r:embed="rId9" cstate="print">
+              <a:extLst>
+                <a:ext uri="{28A0092B-C50C-407E-A947-70E740481C1C}">
+                  <a14:useLocalDpi xmlns:a14="http://schemas.microsoft.com/office/drawing/2010/main" val="0"/>
+                </a:ext>
+              </a:extLst>
+            </a:blip>
+            <a:stretch>
+              <a:fillRect/>
+            </a:stretch>
+          </p:blipFill>
+          <p:spPr>
+            <a:xfrm>
+              <a:off x="9362794" y="1950080"/>
+              <a:ext cx="411454" cy="575101"/>
+            </a:xfrm>
+            <a:prstGeom prst="rect">
+              <a:avLst/>
+            </a:prstGeom>
+          </p:spPr>
+        </p:pic>
+      </p:grpSp>
+      <p:grpSp>
+        <p:nvGrpSpPr>
+          <p:cNvPr id="100" name="Group 99"/>
+          <p:cNvGrpSpPr/>
+          <p:nvPr/>
+        </p:nvGrpSpPr>
+        <p:grpSpPr>
+          <a:xfrm>
+            <a:off x="6708557" y="4823973"/>
+            <a:ext cx="1229561" cy="850889"/>
+            <a:chOff x="6309457" y="3100294"/>
+            <a:chExt cx="1229561" cy="850889"/>
+          </a:xfrm>
+        </p:grpSpPr>
+        <p:sp>
+          <p:nvSpPr>
+            <p:cNvPr id="101" name="TextBox 100"/>
+            <p:cNvSpPr txBox="1"/>
+            <p:nvPr/>
+          </p:nvSpPr>
+          <p:spPr>
+            <a:xfrm>
+              <a:off x="6309457" y="3810119"/>
+              <a:ext cx="1229561" cy="141064"/>
+            </a:xfrm>
+            <a:prstGeom prst="rect">
+              <a:avLst/>
+            </a:prstGeom>
+            <a:noFill/>
+          </p:spPr>
+          <p:txBody>
+            <a:bodyPr wrap="square" lIns="0" tIns="0" rIns="0" bIns="0" rtlCol="0">
+              <a:spAutoFit/>
+            </a:bodyPr>
+            <a:lstStyle/>
+            <a:p>
+              <a:pPr algn="ctr">
+                <a:lnSpc>
+                  <a:spcPct val="90000"/>
+                </a:lnSpc>
+                <a:spcAft>
+                  <a:spcPts val="600"/>
+                </a:spcAft>
+              </a:pPr>
+              <a:r>
+                <a:rPr lang="en-US" sz="1000" dirty="0" smtClean="0">
+                  <a:gradFill>
+                    <a:gsLst>
+                      <a:gs pos="2917">
+                        <a:schemeClr val="tx1"/>
+                      </a:gs>
+                      <a:gs pos="30000">
+                        <a:schemeClr val="tx1"/>
+                      </a:gs>
+                    </a:gsLst>
+                    <a:lin ang="5400000" scaled="0"/>
+                  </a:gradFill>
+                </a:rPr>
+                <a:t>Azure Document DB</a:t>
+              </a:r>
+            </a:p>
+          </p:txBody>
+        </p:sp>
+        <p:pic>
+          <p:nvPicPr>
+            <p:cNvPr id="102" name="Picture 101"/>
+            <p:cNvPicPr>
+              <a:picLocks noChangeAspect="1"/>
+            </p:cNvPicPr>
+            <p:nvPr/>
+          </p:nvPicPr>
+          <p:blipFill>
+            <a:blip r:embed="rId10"/>
+            <a:stretch>
+              <a:fillRect/>
+            </a:stretch>
+          </p:blipFill>
+          <p:spPr>
+            <a:xfrm>
+              <a:off x="6626408" y="3100294"/>
+              <a:ext cx="605122" cy="605120"/>
+            </a:xfrm>
+            <a:prstGeom prst="rect">
+              <a:avLst/>
+            </a:prstGeom>
+          </p:spPr>
+        </p:pic>
+      </p:grpSp>
+      <p:grpSp>
+        <p:nvGrpSpPr>
+          <p:cNvPr id="103" name="Group 102"/>
+          <p:cNvGrpSpPr/>
+          <p:nvPr/>
+        </p:nvGrpSpPr>
+        <p:grpSpPr>
+          <a:xfrm>
+            <a:off x="6677991" y="2294169"/>
+            <a:ext cx="1286261" cy="986930"/>
+            <a:chOff x="7403430" y="3252838"/>
+            <a:chExt cx="1286261" cy="986930"/>
+          </a:xfrm>
+        </p:grpSpPr>
+        <p:sp>
+          <p:nvSpPr>
+            <p:cNvPr id="104" name="TextBox 103"/>
+            <p:cNvSpPr txBox="1"/>
+            <p:nvPr/>
+          </p:nvSpPr>
+          <p:spPr>
+            <a:xfrm>
+              <a:off x="7403430" y="3960204"/>
+              <a:ext cx="1286261" cy="279564"/>
+            </a:xfrm>
+            <a:prstGeom prst="rect">
+              <a:avLst/>
+            </a:prstGeom>
+            <a:noFill/>
+          </p:spPr>
+          <p:txBody>
+            <a:bodyPr wrap="square" lIns="0" tIns="0" rIns="0" bIns="0" rtlCol="0">
+              <a:spAutoFit/>
+            </a:bodyPr>
+            <a:lstStyle/>
+            <a:p>
+              <a:pPr algn="ctr">
+                <a:lnSpc>
+                  <a:spcPct val="90000"/>
+                </a:lnSpc>
+                <a:spcAft>
+                  <a:spcPts val="600"/>
+                </a:spcAft>
+              </a:pPr>
+              <a:r>
+                <a:rPr lang="en-US" sz="1000" dirty="0" smtClean="0">
+                  <a:gradFill>
+                    <a:gsLst>
+                      <a:gs pos="2917">
+                        <a:schemeClr val="tx1"/>
+                      </a:gs>
+                      <a:gs pos="30000">
+                        <a:schemeClr val="tx1"/>
+                      </a:gs>
+                    </a:gsLst>
+                    <a:lin ang="5400000" scaled="0"/>
+                  </a:gradFill>
+                </a:rPr>
+                <a:t>Azure Data </a:t>
+              </a:r>
+              <a:br>
+                <a:rPr lang="en-US" sz="1000" dirty="0" smtClean="0">
+                  <a:gradFill>
+                    <a:gsLst>
+                      <a:gs pos="2917">
+                        <a:schemeClr val="tx1"/>
+                      </a:gs>
+                      <a:gs pos="30000">
+                        <a:schemeClr val="tx1"/>
+                      </a:gs>
+                    </a:gsLst>
+                    <a:lin ang="5400000" scaled="0"/>
+                  </a:gradFill>
+                </a:rPr>
+              </a:br>
+              <a:r>
+                <a:rPr lang="en-US" sz="1000" dirty="0" smtClean="0">
+                  <a:gradFill>
+                    <a:gsLst>
+                      <a:gs pos="2917">
+                        <a:schemeClr val="tx1"/>
+                      </a:gs>
+                      <a:gs pos="30000">
+                        <a:schemeClr val="tx1"/>
+                      </a:gs>
+                    </a:gsLst>
+                    <a:lin ang="5400000" scaled="0"/>
+                  </a:gradFill>
+                </a:rPr>
+                <a:t>Warehouse </a:t>
+              </a:r>
+            </a:p>
+          </p:txBody>
+        </p:sp>
+        <p:pic>
+          <p:nvPicPr>
+            <p:cNvPr id="105" name="Picture 104"/>
+            <p:cNvPicPr>
+              <a:picLocks noChangeAspect="1"/>
+            </p:cNvPicPr>
+            <p:nvPr/>
+          </p:nvPicPr>
+          <p:blipFill>
+            <a:blip r:embed="rId11" cstate="print">
+              <a:extLst>
+                <a:ext uri="{28A0092B-C50C-407E-A947-70E740481C1C}">
+                  <a14:useLocalDpi xmlns:a14="http://schemas.microsoft.com/office/drawing/2010/main" val="0"/>
+                </a:ext>
+              </a:extLst>
+            </a:blip>
+            <a:stretch>
+              <a:fillRect/>
+            </a:stretch>
+          </p:blipFill>
+          <p:spPr>
+            <a:xfrm>
+              <a:off x="7832869" y="3252838"/>
+              <a:ext cx="422067" cy="589935"/>
+            </a:xfrm>
+            <a:prstGeom prst="rect">
+              <a:avLst/>
+            </a:prstGeom>
+          </p:spPr>
+        </p:pic>
+      </p:grpSp>
+      <p:pic>
+        <p:nvPicPr>
+          <p:cNvPr id="106" name="Picture 105"/>
+          <p:cNvPicPr>
+            <a:picLocks noChangeAspect="1"/>
+          </p:cNvPicPr>
+          <p:nvPr/>
+        </p:nvPicPr>
+        <p:blipFill>
+          <a:blip r:embed="rId12"/>
+          <a:stretch>
+            <a:fillRect/>
+          </a:stretch>
+        </p:blipFill>
+        <p:spPr>
+          <a:xfrm>
+            <a:off x="3960113" y="4840984"/>
+            <a:ext cx="573216" cy="573216"/>
+          </a:xfrm>
+          <a:prstGeom prst="rect">
+            <a:avLst/>
+          </a:prstGeom>
+        </p:spPr>
+      </p:pic>
+      <p:sp>
+        <p:nvSpPr>
+          <p:cNvPr id="107" name="TextBox 106"/>
+          <p:cNvSpPr txBox="1"/>
+          <p:nvPr/>
+        </p:nvSpPr>
+        <p:spPr>
+          <a:xfrm>
+            <a:off x="4608429" y="5060277"/>
+            <a:ext cx="1185012" cy="141064"/>
+          </a:xfrm>
+          <a:prstGeom prst="rect">
+            <a:avLst/>
+          </a:prstGeom>
+          <a:noFill/>
+        </p:spPr>
+        <p:txBody>
+          <a:bodyPr wrap="square" lIns="0" tIns="0" rIns="0" bIns="0" rtlCol="0">
+            <a:spAutoFit/>
+          </a:bodyPr>
+          <a:lstStyle/>
+          <a:p>
+            <a:pPr algn="ctr">
+              <a:lnSpc>
+                <a:spcPct val="90000"/>
+              </a:lnSpc>
+              <a:spcAft>
+                <a:spcPts val="600"/>
+              </a:spcAft>
+            </a:pPr>
+            <a:r>
+              <a:rPr lang="en-US" sz="1000" dirty="0" smtClean="0">
+                <a:gradFill>
+                  <a:gsLst>
+                    <a:gs pos="2917">
+                      <a:schemeClr val="tx1"/>
+                    </a:gs>
+                    <a:gs pos="30000">
+                      <a:schemeClr val="tx1"/>
+                    </a:gs>
+                  </a:gsLst>
+                  <a:lin ang="5400000" scaled="0"/>
+                </a:gradFill>
+              </a:rPr>
+              <a:t>Azure Data Factory</a:t>
+            </a:r>
+          </a:p>
+        </p:txBody>
+      </p:sp>
+      <p:cxnSp>
+        <p:nvCxnSpPr>
+          <p:cNvPr id="108" name="Straight Arrow Connector 107"/>
+          <p:cNvCxnSpPr/>
+          <p:nvPr/>
+        </p:nvCxnSpPr>
+        <p:spPr>
+          <a:xfrm flipH="1">
+            <a:off x="8236205" y="5296975"/>
+            <a:ext cx="788563" cy="0"/>
+          </a:xfrm>
+          <a:prstGeom prst="straightConnector1">
+            <a:avLst/>
+          </a:prstGeom>
+          <a:ln w="38100" cmpd="sng">
+            <a:solidFill>
+              <a:srgbClr val="0072C6"/>
+            </a:solidFill>
+            <a:headEnd type="none"/>
+            <a:tailEnd type="triangle"/>
+          </a:ln>
+        </p:spPr>
+        <p:style>
+          <a:lnRef idx="1">
+            <a:schemeClr val="accent1"/>
+          </a:lnRef>
+          <a:fillRef idx="0">
+            <a:schemeClr val="accent1"/>
+          </a:fillRef>
+          <a:effectRef idx="0">
+            <a:schemeClr val="accent1"/>
+          </a:effectRef>
+          <a:fontRef idx="minor">
+            <a:schemeClr val="tx1"/>
+          </a:fontRef>
+        </p:style>
+      </p:cxnSp>
+      <p:cxnSp>
+        <p:nvCxnSpPr>
+          <p:cNvPr id="109" name="Straight Arrow Connector 108"/>
+          <p:cNvCxnSpPr/>
+          <p:nvPr/>
+        </p:nvCxnSpPr>
+        <p:spPr>
+          <a:xfrm flipH="1">
+            <a:off x="8279259" y="4077026"/>
+            <a:ext cx="788563" cy="0"/>
+          </a:xfrm>
+          <a:prstGeom prst="straightConnector1">
+            <a:avLst/>
+          </a:prstGeom>
+          <a:ln w="38100" cmpd="sng">
+            <a:solidFill>
+              <a:srgbClr val="0072C6"/>
+            </a:solidFill>
+            <a:headEnd type="none"/>
+            <a:tailEnd type="triangle"/>
+          </a:ln>
+        </p:spPr>
+        <p:style>
+          <a:lnRef idx="1">
+            <a:schemeClr val="accent1"/>
+          </a:lnRef>
+          <a:fillRef idx="0">
+            <a:schemeClr val="accent1"/>
+          </a:fillRef>
+          <a:effectRef idx="0">
+            <a:schemeClr val="accent1"/>
+          </a:effectRef>
+          <a:fontRef idx="minor">
+            <a:schemeClr val="tx1"/>
+          </a:fontRef>
+        </p:style>
+      </p:cxnSp>
+      <p:cxnSp>
+        <p:nvCxnSpPr>
+          <p:cNvPr id="110" name="Straight Arrow Connector 109"/>
+          <p:cNvCxnSpPr/>
+          <p:nvPr/>
+        </p:nvCxnSpPr>
+        <p:spPr>
+          <a:xfrm flipH="1">
+            <a:off x="8431909" y="3880195"/>
+            <a:ext cx="788563" cy="0"/>
+          </a:xfrm>
+          <a:prstGeom prst="straightConnector1">
+            <a:avLst/>
+          </a:prstGeom>
+          <a:ln w="38100" cmpd="sng">
+            <a:solidFill>
+              <a:srgbClr val="0072C6"/>
+            </a:solidFill>
+            <a:headEnd type="none"/>
+            <a:tailEnd type="triangle"/>
+          </a:ln>
+        </p:spPr>
+        <p:style>
+          <a:lnRef idx="1">
+            <a:schemeClr val="accent1"/>
+          </a:lnRef>
+          <a:fillRef idx="0">
+            <a:schemeClr val="accent1"/>
+          </a:fillRef>
+          <a:effectRef idx="0">
+            <a:schemeClr val="accent1"/>
+          </a:effectRef>
+          <a:fontRef idx="minor">
+            <a:schemeClr val="tx1"/>
+          </a:fontRef>
+        </p:style>
+      </p:cxnSp>
+      <p:cxnSp>
+        <p:nvCxnSpPr>
+          <p:cNvPr id="111" name="Straight Arrow Connector 110"/>
+          <p:cNvCxnSpPr/>
+          <p:nvPr/>
+        </p:nvCxnSpPr>
+        <p:spPr>
+          <a:xfrm flipH="1">
+            <a:off x="8208646" y="5148646"/>
+            <a:ext cx="788563" cy="0"/>
+          </a:xfrm>
+          <a:prstGeom prst="straightConnector1">
+            <a:avLst/>
+          </a:prstGeom>
+          <a:ln w="38100" cmpd="sng">
+            <a:solidFill>
+              <a:srgbClr val="0072C6"/>
+            </a:solidFill>
+            <a:headEnd type="none"/>
+            <a:tailEnd type="triangle"/>
+          </a:ln>
+        </p:spPr>
+        <p:style>
+          <a:lnRef idx="1">
+            <a:schemeClr val="accent1"/>
+          </a:lnRef>
+          <a:fillRef idx="0">
+            <a:schemeClr val="accent1"/>
+          </a:fillRef>
+          <a:effectRef idx="0">
+            <a:schemeClr val="accent1"/>
+          </a:effectRef>
+          <a:fontRef idx="minor">
+            <a:schemeClr val="tx1"/>
+          </a:fontRef>
+        </p:style>
+      </p:cxnSp>
+      <p:sp>
+        <p:nvSpPr>
+          <p:cNvPr id="112" name="Rectangle 111"/>
+          <p:cNvSpPr/>
+          <p:nvPr/>
+        </p:nvSpPr>
+        <p:spPr bwMode="auto">
+          <a:xfrm>
+            <a:off x="3855287" y="5559580"/>
+            <a:ext cx="2571529" cy="1010940"/>
+          </a:xfrm>
+          <a:prstGeom prst="rect">
+            <a:avLst/>
+          </a:prstGeom>
+          <a:solidFill>
+            <a:srgbClr val="FFB6FF">
+              <a:alpha val="20000"/>
+            </a:srgbClr>
+          </a:solidFill>
+          <a:ln>
+            <a:noFill/>
+            <a:headEnd type="none" w="med" len="med"/>
+            <a:tailEnd type="none" w="med" len="med"/>
+          </a:ln>
+          <a:effectLst/>
+        </p:spPr>
+        <p:style>
+          <a:lnRef idx="1">
+            <a:schemeClr val="accent2"/>
+          </a:lnRef>
+          <a:fillRef idx="3">
+            <a:schemeClr val="accent2"/>
+          </a:fillRef>
+          <a:effectRef idx="2">
+            <a:schemeClr val="accent2"/>
+          </a:effectRef>
+          <a:fontRef idx="minor">
+            <a:schemeClr val="lt1"/>
+          </a:fontRef>
+        </p:style>
+        <p:txBody>
+          <a:bodyPr rot="0" spcFirstLastPara="0" vertOverflow="overflow" horzOverflow="overflow" vert="vert270" wrap="square" lIns="91440" tIns="45720" rIns="45720" bIns="91440" numCol="1" spcCol="0" rtlCol="0" fromWordArt="0" anchor="b" anchorCtr="0" forceAA="0" compatLnSpc="1">
+            <a:prstTxWarp prst="textNoShape">
+              <a:avLst/>
+            </a:prstTxWarp>
+            <a:noAutofit/>
+          </a:bodyPr>
+          <a:lstStyle/>
+          <a:p>
+            <a:pPr algn="ctr" defTabSz="914099" fontAlgn="base">
+              <a:spcBef>
+                <a:spcPct val="0"/>
+              </a:spcBef>
+              <a:spcAft>
+                <a:spcPct val="0"/>
+              </a:spcAft>
+            </a:pPr>
+            <a:endParaRPr lang="en-US" spc="-50" dirty="0">
+              <a:solidFill>
+                <a:schemeClr val="bg1">
+                  <a:lumMod val="65000"/>
+                </a:schemeClr>
+              </a:solidFill>
+              <a:latin typeface="Segoe UI" pitchFamily="34" charset="0"/>
+              <a:ea typeface="Segoe UI" pitchFamily="34" charset="0"/>
+              <a:cs typeface="Segoe UI" pitchFamily="34" charset="0"/>
+            </a:endParaRPr>
+          </a:p>
+        </p:txBody>
+      </p:sp>
+      <p:sp>
+        <p:nvSpPr>
+          <p:cNvPr id="113" name="Rectangle 112"/>
+          <p:cNvSpPr/>
+          <p:nvPr/>
+        </p:nvSpPr>
+        <p:spPr bwMode="auto">
+          <a:xfrm>
+            <a:off x="687920" y="2902329"/>
+            <a:ext cx="2571529" cy="1010940"/>
+          </a:xfrm>
+          <a:prstGeom prst="rect">
+            <a:avLst/>
+          </a:prstGeom>
+          <a:solidFill>
+            <a:srgbClr val="FFB6FF">
+              <a:alpha val="20000"/>
+            </a:srgbClr>
+          </a:solidFill>
+          <a:ln>
+            <a:noFill/>
+            <a:headEnd type="none" w="med" len="med"/>
+            <a:tailEnd type="none" w="med" len="med"/>
+          </a:ln>
+          <a:effectLst/>
+        </p:spPr>
+        <p:style>
+          <a:lnRef idx="1">
+            <a:schemeClr val="accent2"/>
+          </a:lnRef>
+          <a:fillRef idx="3">
+            <a:schemeClr val="accent2"/>
+          </a:fillRef>
+          <a:effectRef idx="2">
+            <a:schemeClr val="accent2"/>
+          </a:effectRef>
+          <a:fontRef idx="minor">
+            <a:schemeClr val="lt1"/>
+          </a:fontRef>
+        </p:style>
+        <p:txBody>
+          <a:bodyPr rot="0" spcFirstLastPara="0" vertOverflow="overflow" horzOverflow="overflow" vert="vert270" wrap="square" lIns="91440" tIns="45720" rIns="45720" bIns="91440" numCol="1" spcCol="0" rtlCol="0" fromWordArt="0" anchor="b" anchorCtr="0" forceAA="0" compatLnSpc="1">
+            <a:prstTxWarp prst="textNoShape">
+              <a:avLst/>
+            </a:prstTxWarp>
+            <a:noAutofit/>
+          </a:bodyPr>
+          <a:lstStyle/>
+          <a:p>
+            <a:pPr defTabSz="914099" fontAlgn="base">
+              <a:spcBef>
+                <a:spcPct val="0"/>
+              </a:spcBef>
+              <a:spcAft>
+                <a:spcPct val="0"/>
+              </a:spcAft>
+            </a:pPr>
+            <a:r>
+              <a:rPr lang="en-US" spc="-50" dirty="0" smtClean="0">
+                <a:solidFill>
+                  <a:schemeClr val="bg1">
+                    <a:lumMod val="65000"/>
+                  </a:schemeClr>
+                </a:solidFill>
+                <a:latin typeface="Segoe UI" pitchFamily="34" charset="0"/>
+                <a:ea typeface="Segoe UI" pitchFamily="34" charset="0"/>
+                <a:cs typeface="Segoe UI" pitchFamily="34" charset="0"/>
+              </a:rPr>
+              <a:t>Day one services</a:t>
+            </a:r>
+          </a:p>
+        </p:txBody>
+      </p:sp>
+      <p:sp>
+        <p:nvSpPr>
+          <p:cNvPr id="115" name="Rectangle 114"/>
+          <p:cNvSpPr/>
+          <p:nvPr/>
+        </p:nvSpPr>
+        <p:spPr bwMode="auto">
+          <a:xfrm>
+            <a:off x="3839941" y="2055893"/>
+            <a:ext cx="2571529" cy="3423493"/>
+          </a:xfrm>
+          <a:prstGeom prst="rect">
+            <a:avLst/>
+          </a:prstGeom>
+          <a:solidFill>
+            <a:srgbClr val="EDFFC1">
+              <a:alpha val="40000"/>
+            </a:srgbClr>
+          </a:solidFill>
+          <a:ln>
+            <a:noFill/>
+            <a:headEnd type="none" w="med" len="med"/>
+            <a:tailEnd type="none" w="med" len="med"/>
+          </a:ln>
+          <a:effectLst/>
+        </p:spPr>
+        <p:style>
+          <a:lnRef idx="1">
+            <a:schemeClr val="accent2"/>
+          </a:lnRef>
+          <a:fillRef idx="3">
+            <a:schemeClr val="accent2"/>
+          </a:fillRef>
+          <a:effectRef idx="2">
+            <a:schemeClr val="accent2"/>
+          </a:effectRef>
+          <a:fontRef idx="minor">
+            <a:schemeClr val="lt1"/>
+          </a:fontRef>
+        </p:style>
+        <p:txBody>
+          <a:bodyPr rot="0" spcFirstLastPara="0" vertOverflow="overflow" horzOverflow="overflow" vert="vert" wrap="square" lIns="91440" tIns="45720" rIns="45720" bIns="91440" numCol="1" spcCol="0" rtlCol="0" fromWordArt="0" anchor="b" anchorCtr="0" forceAA="0" compatLnSpc="1">
+            <a:prstTxWarp prst="textNoShape">
+              <a:avLst/>
+            </a:prstTxWarp>
+            <a:noAutofit/>
+          </a:bodyPr>
+          <a:lstStyle/>
+          <a:p>
+            <a:pPr algn="ctr" defTabSz="914099" fontAlgn="base">
+              <a:spcBef>
+                <a:spcPct val="0"/>
+              </a:spcBef>
+              <a:spcAft>
+                <a:spcPct val="0"/>
+              </a:spcAft>
+            </a:pPr>
+            <a:r>
+              <a:rPr lang="en-US" spc="-50" dirty="0" smtClean="0">
+                <a:solidFill>
+                  <a:schemeClr val="bg1">
+                    <a:lumMod val="65000"/>
+                  </a:schemeClr>
+                </a:solidFill>
+                <a:latin typeface="Segoe UI" pitchFamily="34" charset="0"/>
+                <a:ea typeface="Segoe UI" pitchFamily="34" charset="0"/>
+                <a:cs typeface="Segoe UI" pitchFamily="34" charset="0"/>
+              </a:rPr>
+              <a:t>Day two services</a:t>
+            </a:r>
+          </a:p>
+        </p:txBody>
+      </p:sp>
+      <p:sp>
+        <p:nvSpPr>
+          <p:cNvPr id="116" name="Rectangle 115"/>
+          <p:cNvSpPr/>
+          <p:nvPr/>
+        </p:nvSpPr>
+        <p:spPr bwMode="auto">
+          <a:xfrm>
+            <a:off x="6421587" y="2166340"/>
+            <a:ext cx="1609568" cy="1182904"/>
+          </a:xfrm>
+          <a:prstGeom prst="rect">
+            <a:avLst/>
+          </a:prstGeom>
+          <a:solidFill>
+            <a:srgbClr val="EDFFC1">
+              <a:alpha val="40000"/>
+            </a:srgbClr>
+          </a:solidFill>
+          <a:ln>
+            <a:noFill/>
+            <a:headEnd type="none" w="med" len="med"/>
+            <a:tailEnd type="none" w="med" len="med"/>
+          </a:ln>
+          <a:effectLst/>
+        </p:spPr>
+        <p:style>
+          <a:lnRef idx="1">
+            <a:schemeClr val="accent2"/>
+          </a:lnRef>
+          <a:fillRef idx="3">
+            <a:schemeClr val="accent2"/>
+          </a:fillRef>
+          <a:effectRef idx="2">
+            <a:schemeClr val="accent2"/>
+          </a:effectRef>
+          <a:fontRef idx="minor">
+            <a:schemeClr val="lt1"/>
+          </a:fontRef>
+        </p:style>
+        <p:txBody>
+          <a:bodyPr rot="0" spcFirstLastPara="0" vertOverflow="overflow" horzOverflow="overflow" vert="horz" wrap="square" lIns="91440" tIns="45720" rIns="45720" bIns="91440" numCol="1" spcCol="0" rtlCol="0" fromWordArt="0" anchor="b" anchorCtr="0" forceAA="0" compatLnSpc="1">
+            <a:prstTxWarp prst="textNoShape">
+              <a:avLst/>
+            </a:prstTxWarp>
+            <a:noAutofit/>
+          </a:bodyPr>
+          <a:lstStyle/>
+          <a:p>
+            <a:pPr algn="ctr" defTabSz="914099" fontAlgn="base">
+              <a:spcBef>
+                <a:spcPct val="0"/>
+              </a:spcBef>
+              <a:spcAft>
+                <a:spcPct val="0"/>
+              </a:spcAft>
+            </a:pPr>
+            <a:endParaRPr lang="en-US" spc="-50" dirty="0" err="1" smtClean="0">
+              <a:gradFill>
+                <a:gsLst>
+                  <a:gs pos="0">
+                    <a:srgbClr val="FFFFFF"/>
+                  </a:gs>
+                  <a:gs pos="100000">
+                    <a:srgbClr val="FFFFFF"/>
+                  </a:gs>
+                </a:gsLst>
+                <a:lin ang="5400000" scaled="0"/>
+              </a:gradFill>
+              <a:latin typeface="Segoe UI" pitchFamily="34" charset="0"/>
+              <a:ea typeface="Segoe UI" pitchFamily="34" charset="0"/>
+              <a:cs typeface="Segoe UI" pitchFamily="34" charset="0"/>
+            </a:endParaRPr>
+          </a:p>
+        </p:txBody>
+      </p:sp>
+    </p:spTree>
+    <p:extLst>
+      <p:ext uri="{BB962C8B-B14F-4D97-AF65-F5344CB8AC3E}">
+        <p14:creationId xmlns:p14="http://schemas.microsoft.com/office/powerpoint/2010/main" val="3579104967"/>
+      </p:ext>
+    </p:extLst>
+  </p:cSld>
+  <p:clrMapOvr>
+    <a:masterClrMapping/>
+  </p:clrMapOvr>
+  <p:transition>
+    <p:fade/>
+  </p:transition>
+</p:sld>
+</file>
+
+<file path=ppt/slides/slide5.xml><?xml version="1.0" encoding="utf-8"?>
+<p:sld xmlns:a="http://schemas.openxmlformats.org/drawingml/2006/main" xmlns:r="http://schemas.openxmlformats.org/officeDocument/2006/relationships" xmlns:p="http://schemas.openxmlformats.org/presentationml/2006/main">
+  <p:cSld>
+    <p:spTree>
+      <p:nvGrpSpPr>
+        <p:cNvPr id="1" name=""/>
+        <p:cNvGrpSpPr/>
+        <p:nvPr/>
+      </p:nvGrpSpPr>
+      <p:grpSpPr>
+        <a:xfrm>
+          <a:off x="0" y="0"/>
+          <a:ext cx="0" cy="0"/>
+          <a:chOff x="0" y="0"/>
+          <a:chExt cx="0" cy="0"/>
+        </a:xfrm>
+      </p:grpSpPr>
       <p:sp>
         <p:nvSpPr>
           <p:cNvPr id="2" name="Title 1"/>
@@ -6023,16 +9075,859 @@
           <a:p>
             <a:r>
               <a:rPr lang="en-US" dirty="0" smtClean="0"/>
-              <a:t>WTT Architecture in your subscription</a:t>
-            </a:r>
-            <a:endParaRPr lang="en-NZ" dirty="0"/>
+              <a:t>Picture of </a:t>
+            </a:r>
+            <a:r>
+              <a:rPr lang="en-US" dirty="0" err="1" smtClean="0"/>
+              <a:t>sucess</a:t>
+            </a:r>
+            <a:endParaRPr lang="en-US" dirty="0"/>
+          </a:p>
+        </p:txBody>
+      </p:sp>
+      <p:sp>
+        <p:nvSpPr>
+          <p:cNvPr id="3" name="Content Placeholder 2"/>
+          <p:cNvSpPr>
+            <a:spLocks noGrp="1"/>
+          </p:cNvSpPr>
+          <p:nvPr>
+            <p:ph idx="1"/>
+          </p:nvPr>
+        </p:nvSpPr>
+        <p:spPr>
+          <a:xfrm>
+            <a:off x="519252" y="1052942"/>
+            <a:ext cx="11151917" cy="2357568"/>
+          </a:xfrm>
+        </p:spPr>
+        <p:txBody>
+          <a:bodyPr/>
+          <a:lstStyle/>
+          <a:p>
+            <a:r>
+              <a:rPr lang="en-US" sz="2400" dirty="0" smtClean="0"/>
+              <a:t>Goal of the data-camp is to provide hands-on with http://portal.azure.com</a:t>
+            </a:r>
+          </a:p>
+          <a:p>
+            <a:r>
+              <a:rPr lang="en-US" sz="2400" dirty="0" smtClean="0"/>
+              <a:t>WTT is an example Azure app that uses many Azure data services (SQL DB, Websites, Traffic manager, Blobs, </a:t>
+            </a:r>
+            <a:r>
+              <a:rPr lang="en-US" sz="2400" dirty="0" err="1" smtClean="0"/>
+              <a:t>DocumentDB</a:t>
+            </a:r>
+            <a:r>
+              <a:rPr lang="en-US" sz="2400" dirty="0" smtClean="0"/>
+              <a:t>, Search, ADF, SQL DW, </a:t>
+            </a:r>
+            <a:r>
+              <a:rPr lang="en-US" sz="2400" dirty="0" err="1" smtClean="0"/>
+              <a:t>PowerBI</a:t>
+            </a:r>
+            <a:r>
+              <a:rPr lang="en-US" sz="2400" dirty="0"/>
+              <a:t>) </a:t>
+            </a:r>
+            <a:r>
+              <a:rPr lang="en-US" sz="2400" dirty="0">
+                <a:hlinkClick r:id="rId2"/>
+              </a:rPr>
+              <a:t>http://datacampguy.trafficmanager.net</a:t>
+            </a:r>
+            <a:r>
+              <a:rPr lang="en-US" sz="2400" dirty="0" smtClean="0">
+                <a:hlinkClick r:id="rId2"/>
+              </a:rPr>
+              <a:t>/</a:t>
+            </a:r>
+            <a:r>
+              <a:rPr lang="en-US" sz="2400" dirty="0" smtClean="0"/>
+              <a:t> </a:t>
+            </a:r>
+          </a:p>
+          <a:p>
+            <a:pPr lvl="1"/>
+            <a:r>
+              <a:rPr lang="en-US" sz="2000" dirty="0" smtClean="0"/>
+              <a:t>You can use this while you are here or after </a:t>
+            </a:r>
+            <a:r>
+              <a:rPr lang="en-US" sz="2000" dirty="0"/>
+              <a:t>you return home </a:t>
+            </a:r>
+            <a:r>
+              <a:rPr lang="en-US" sz="2000" dirty="0">
+                <a:hlinkClick r:id="rId3"/>
+              </a:rPr>
+              <a:t>https://</a:t>
+            </a:r>
+            <a:r>
+              <a:rPr lang="en-US" sz="2000" dirty="0" smtClean="0">
+                <a:hlinkClick r:id="rId3"/>
+              </a:rPr>
+              <a:t>github.com/guyhay/wingtiptickets</a:t>
+            </a:r>
+            <a:r>
+              <a:rPr lang="en-US" sz="2000" dirty="0" smtClean="0"/>
+              <a:t> </a:t>
+            </a:r>
+          </a:p>
+          <a:p>
+            <a:pPr lvl="1"/>
+            <a:r>
+              <a:rPr lang="en-US" sz="2000" dirty="0" smtClean="0"/>
+              <a:t>You can pair with a colleague if you want </a:t>
+            </a:r>
+            <a:endParaRPr lang="en-US" sz="2000" dirty="0"/>
+          </a:p>
+        </p:txBody>
+      </p:sp>
+      <p:sp>
+        <p:nvSpPr>
+          <p:cNvPr id="6" name="Content Placeholder 2"/>
+          <p:cNvSpPr txBox="1">
+            <a:spLocks/>
+          </p:cNvSpPr>
+          <p:nvPr/>
+        </p:nvSpPr>
+        <p:spPr>
+          <a:xfrm>
+            <a:off x="519252" y="4014356"/>
+            <a:ext cx="5487697" cy="2474524"/>
+          </a:xfrm>
+          <a:prstGeom prst="rect">
+            <a:avLst/>
+          </a:prstGeom>
+          <a:ln>
+            <a:solidFill>
+              <a:srgbClr val="0071BC"/>
+            </a:solidFill>
+          </a:ln>
+        </p:spPr>
+        <p:txBody>
+          <a:bodyPr vert="horz" wrap="square" lIns="0" tIns="0" rIns="0" bIns="0" rtlCol="0">
+            <a:spAutoFit/>
+          </a:bodyPr>
+          <a:lstStyle>
+            <a:lvl1pPr marL="346075" indent="-346075" algn="l" defTabSz="914363" rtl="0" eaLnBrk="1" latinLnBrk="0" hangingPunct="1">
+              <a:lnSpc>
+                <a:spcPct val="90000"/>
+              </a:lnSpc>
+              <a:spcBef>
+                <a:spcPct val="20000"/>
+              </a:spcBef>
+              <a:buSzPct val="90000"/>
+              <a:buFont typeface="Arial" pitchFamily="34" charset="0"/>
+              <a:buChar char="•"/>
+              <a:defRPr sz="3200" kern="1200">
+                <a:gradFill flip="none" rotWithShape="1">
+                  <a:gsLst>
+                    <a:gs pos="0">
+                      <a:schemeClr val="accent1"/>
+                    </a:gs>
+                    <a:gs pos="86000">
+                      <a:schemeClr val="accent1">
+                        <a:lumMod val="75000"/>
+                      </a:schemeClr>
+                    </a:gs>
+                  </a:gsLst>
+                  <a:path path="circle">
+                    <a:fillToRect r="100000" b="100000"/>
+                  </a:path>
+                  <a:tileRect l="-100000" t="-100000"/>
+                </a:gradFill>
+                <a:latin typeface="+mn-lt"/>
+                <a:ea typeface="+mn-ea"/>
+                <a:cs typeface="+mn-cs"/>
+              </a:defRPr>
+            </a:lvl1pPr>
+            <a:lvl2pPr marL="630238" indent="-284163" algn="l" defTabSz="914363" rtl="0" eaLnBrk="1" latinLnBrk="0" hangingPunct="1">
+              <a:lnSpc>
+                <a:spcPct val="90000"/>
+              </a:lnSpc>
+              <a:spcBef>
+                <a:spcPct val="20000"/>
+              </a:spcBef>
+              <a:buSzPct val="90000"/>
+              <a:buFont typeface="Arial" pitchFamily="34" charset="0"/>
+              <a:buChar char="•"/>
+              <a:tabLst>
+                <a:tab pos="630238" algn="l"/>
+              </a:tabLst>
+              <a:defRPr sz="2800" kern="1200">
+                <a:gradFill flip="none" rotWithShape="1">
+                  <a:gsLst>
+                    <a:gs pos="0">
+                      <a:schemeClr val="tx1">
+                        <a:lumMod val="65000"/>
+                        <a:lumOff val="35000"/>
+                      </a:schemeClr>
+                    </a:gs>
+                    <a:gs pos="86000">
+                      <a:schemeClr val="tx1">
+                        <a:lumMod val="75000"/>
+                        <a:lumOff val="25000"/>
+                      </a:schemeClr>
+                    </a:gs>
+                  </a:gsLst>
+                  <a:path path="circle">
+                    <a:fillToRect r="100000" b="100000"/>
+                  </a:path>
+                  <a:tileRect l="-100000" t="-100000"/>
+                </a:gradFill>
+                <a:latin typeface="+mn-lt"/>
+                <a:ea typeface="+mn-ea"/>
+                <a:cs typeface="+mn-cs"/>
+              </a:defRPr>
+            </a:lvl2pPr>
+            <a:lvl3pPr marL="914400" indent="-284163" algn="l" defTabSz="914363" rtl="0" eaLnBrk="1" latinLnBrk="0" hangingPunct="1">
+              <a:lnSpc>
+                <a:spcPct val="90000"/>
+              </a:lnSpc>
+              <a:spcBef>
+                <a:spcPct val="20000"/>
+              </a:spcBef>
+              <a:buSzPct val="90000"/>
+              <a:buFont typeface="Arial" pitchFamily="34" charset="0"/>
+              <a:buChar char="•"/>
+              <a:defRPr sz="2400" kern="1200">
+                <a:gradFill flip="none" rotWithShape="1">
+                  <a:gsLst>
+                    <a:gs pos="0">
+                      <a:schemeClr val="tx1">
+                        <a:lumMod val="65000"/>
+                        <a:lumOff val="35000"/>
+                      </a:schemeClr>
+                    </a:gs>
+                    <a:gs pos="86000">
+                      <a:schemeClr val="tx1">
+                        <a:lumMod val="75000"/>
+                        <a:lumOff val="25000"/>
+                      </a:schemeClr>
+                    </a:gs>
+                  </a:gsLst>
+                  <a:path path="circle">
+                    <a:fillToRect r="100000" b="100000"/>
+                  </a:path>
+                  <a:tileRect l="-100000" t="-100000"/>
+                </a:gradFill>
+                <a:latin typeface="+mn-lt"/>
+                <a:ea typeface="+mn-ea"/>
+                <a:cs typeface="+mn-cs"/>
+              </a:defRPr>
+            </a:lvl3pPr>
+            <a:lvl4pPr marL="1482725" indent="-223838" algn="l" defTabSz="914363" rtl="0" eaLnBrk="1" latinLnBrk="0" hangingPunct="1">
+              <a:lnSpc>
+                <a:spcPct val="90000"/>
+              </a:lnSpc>
+              <a:spcBef>
+                <a:spcPct val="20000"/>
+              </a:spcBef>
+              <a:buSzPct val="90000"/>
+              <a:buFont typeface="Arial" pitchFamily="34" charset="0"/>
+              <a:buChar char="•"/>
+              <a:tabLst>
+                <a:tab pos="914400" algn="l"/>
+              </a:tabLst>
+              <a:defRPr sz="2000" kern="1200">
+                <a:gradFill flip="none" rotWithShape="1">
+                  <a:gsLst>
+                    <a:gs pos="0">
+                      <a:schemeClr val="tx1">
+                        <a:lumMod val="65000"/>
+                        <a:lumOff val="35000"/>
+                      </a:schemeClr>
+                    </a:gs>
+                    <a:gs pos="86000">
+                      <a:schemeClr val="tx1">
+                        <a:lumMod val="75000"/>
+                        <a:lumOff val="25000"/>
+                      </a:schemeClr>
+                    </a:gs>
+                  </a:gsLst>
+                  <a:path path="circle">
+                    <a:fillToRect r="100000" b="100000"/>
+                  </a:path>
+                  <a:tileRect l="-100000" t="-100000"/>
+                </a:gradFill>
+                <a:latin typeface="+mn-lt"/>
+                <a:ea typeface="+mn-ea"/>
+                <a:cs typeface="+mn-cs"/>
+              </a:defRPr>
+            </a:lvl4pPr>
+            <a:lvl5pPr marL="1712913" indent="-230188" algn="l" defTabSz="914363" rtl="0" eaLnBrk="1" latinLnBrk="0" hangingPunct="1">
+              <a:lnSpc>
+                <a:spcPct val="90000"/>
+              </a:lnSpc>
+              <a:spcBef>
+                <a:spcPct val="20000"/>
+              </a:spcBef>
+              <a:buSzPct val="90000"/>
+              <a:buFont typeface="Arial" pitchFamily="34" charset="0"/>
+              <a:buChar char="•"/>
+              <a:defRPr sz="2000" kern="1200">
+                <a:gradFill flip="none" rotWithShape="1">
+                  <a:gsLst>
+                    <a:gs pos="0">
+                      <a:schemeClr val="tx1">
+                        <a:lumMod val="65000"/>
+                        <a:lumOff val="35000"/>
+                      </a:schemeClr>
+                    </a:gs>
+                    <a:gs pos="86000">
+                      <a:schemeClr val="tx1">
+                        <a:lumMod val="75000"/>
+                        <a:lumOff val="25000"/>
+                      </a:schemeClr>
+                    </a:gs>
+                  </a:gsLst>
+                  <a:path path="circle">
+                    <a:fillToRect r="100000" b="100000"/>
+                  </a:path>
+                  <a:tileRect l="-100000" t="-100000"/>
+                </a:gradFill>
+                <a:latin typeface="+mn-lt"/>
+                <a:ea typeface="+mn-ea"/>
+                <a:cs typeface="+mn-cs"/>
+              </a:defRPr>
+            </a:lvl5pPr>
+            <a:lvl6pPr marL="2514499" indent="-228591" algn="l" defTabSz="914363" rtl="0" eaLnBrk="1" latinLnBrk="0" hangingPunct="1">
+              <a:spcBef>
+                <a:spcPct val="20000"/>
+              </a:spcBef>
+              <a:buFont typeface="Arial" pitchFamily="34" charset="0"/>
+              <a:buChar char="•"/>
+              <a:defRPr sz="2000" kern="1200">
+                <a:solidFill>
+                  <a:schemeClr val="tx1"/>
+                </a:solidFill>
+                <a:latin typeface="+mn-lt"/>
+                <a:ea typeface="+mn-ea"/>
+                <a:cs typeface="+mn-cs"/>
+              </a:defRPr>
+            </a:lvl6pPr>
+            <a:lvl7pPr marL="2971681" indent="-228591" algn="l" defTabSz="914363" rtl="0" eaLnBrk="1" latinLnBrk="0" hangingPunct="1">
+              <a:spcBef>
+                <a:spcPct val="20000"/>
+              </a:spcBef>
+              <a:buFont typeface="Arial" pitchFamily="34" charset="0"/>
+              <a:buChar char="•"/>
+              <a:defRPr sz="2000" kern="1200">
+                <a:solidFill>
+                  <a:schemeClr val="tx1"/>
+                </a:solidFill>
+                <a:latin typeface="+mn-lt"/>
+                <a:ea typeface="+mn-ea"/>
+                <a:cs typeface="+mn-cs"/>
+              </a:defRPr>
+            </a:lvl7pPr>
+            <a:lvl8pPr marL="3428863" indent="-228591" algn="l" defTabSz="914363" rtl="0" eaLnBrk="1" latinLnBrk="0" hangingPunct="1">
+              <a:spcBef>
+                <a:spcPct val="20000"/>
+              </a:spcBef>
+              <a:buFont typeface="Arial" pitchFamily="34" charset="0"/>
+              <a:buChar char="•"/>
+              <a:defRPr sz="2000" kern="1200">
+                <a:solidFill>
+                  <a:schemeClr val="tx1"/>
+                </a:solidFill>
+                <a:latin typeface="+mn-lt"/>
+                <a:ea typeface="+mn-ea"/>
+                <a:cs typeface="+mn-cs"/>
+              </a:defRPr>
+            </a:lvl8pPr>
+            <a:lvl9pPr marL="3886045" indent="-228591" algn="l" defTabSz="914363" rtl="0" eaLnBrk="1" latinLnBrk="0" hangingPunct="1">
+              <a:spcBef>
+                <a:spcPct val="20000"/>
+              </a:spcBef>
+              <a:buFont typeface="Arial" pitchFamily="34" charset="0"/>
+              <a:buChar char="•"/>
+              <a:defRPr sz="2000" kern="1200">
+                <a:solidFill>
+                  <a:schemeClr val="tx1"/>
+                </a:solidFill>
+                <a:latin typeface="+mn-lt"/>
+                <a:ea typeface="+mn-ea"/>
+                <a:cs typeface="+mn-cs"/>
+              </a:defRPr>
+            </a:lvl9pPr>
+          </a:lstStyle>
+          <a:p>
+            <a:pPr marL="457200" indent="-457200">
+              <a:buFont typeface="+mj-lt"/>
+              <a:buAutoNum type="arabicPeriod"/>
+            </a:pPr>
+            <a:r>
+              <a:rPr lang="en-US" sz="2400" dirty="0" smtClean="0"/>
+              <a:t>Ensure that you can login to </a:t>
+            </a:r>
+            <a:r>
+              <a:rPr lang="en-US" sz="2400" dirty="0" smtClean="0">
+                <a:hlinkClick r:id="rId4"/>
+              </a:rPr>
+              <a:t>http://portal.azure.com</a:t>
+            </a:r>
+            <a:r>
+              <a:rPr lang="en-US" sz="2400" dirty="0" smtClean="0"/>
+              <a:t> </a:t>
+            </a:r>
+          </a:p>
+          <a:p>
+            <a:pPr marL="457200" indent="-457200">
+              <a:buFont typeface="+mj-lt"/>
+              <a:buAutoNum type="arabicPeriod"/>
+            </a:pPr>
+            <a:r>
+              <a:rPr lang="en-US" sz="2400" dirty="0" smtClean="0"/>
+              <a:t>Ensure that you can connect to your VM </a:t>
+            </a:r>
+          </a:p>
+          <a:p>
+            <a:pPr marL="457200" indent="-457200">
+              <a:buFont typeface="+mj-lt"/>
+              <a:buAutoNum type="arabicPeriod"/>
+            </a:pPr>
+            <a:r>
+              <a:rPr lang="en-US" sz="2400" dirty="0" smtClean="0"/>
+              <a:t>Complete the provisioning process for the HOL C:\WingTipTickets from your VM</a:t>
+            </a:r>
+            <a:endParaRPr lang="en-NZ" sz="2400" dirty="0"/>
+          </a:p>
+        </p:txBody>
+      </p:sp>
+      <p:sp>
+        <p:nvSpPr>
+          <p:cNvPr id="7" name="Content Placeholder 3"/>
+          <p:cNvSpPr txBox="1">
+            <a:spLocks/>
+          </p:cNvSpPr>
+          <p:nvPr/>
+        </p:nvSpPr>
+        <p:spPr>
+          <a:xfrm>
+            <a:off x="6183472" y="4012015"/>
+            <a:ext cx="5487697" cy="2651760"/>
+          </a:xfrm>
+          <a:prstGeom prst="rect">
+            <a:avLst/>
+          </a:prstGeom>
+          <a:ln>
+            <a:solidFill>
+              <a:srgbClr val="0071BC"/>
+            </a:solidFill>
+          </a:ln>
+        </p:spPr>
+        <p:txBody>
+          <a:bodyPr/>
+          <a:lstStyle>
+            <a:lvl1pPr marL="346075" indent="-346075" algn="l" defTabSz="914363" rtl="0" eaLnBrk="1" latinLnBrk="0" hangingPunct="1">
+              <a:lnSpc>
+                <a:spcPct val="90000"/>
+              </a:lnSpc>
+              <a:spcBef>
+                <a:spcPct val="20000"/>
+              </a:spcBef>
+              <a:buSzPct val="90000"/>
+              <a:buFont typeface="Arial" pitchFamily="34" charset="0"/>
+              <a:buChar char="•"/>
+              <a:defRPr sz="3200" kern="1200">
+                <a:gradFill flip="none" rotWithShape="1">
+                  <a:gsLst>
+                    <a:gs pos="0">
+                      <a:schemeClr val="accent1"/>
+                    </a:gs>
+                    <a:gs pos="86000">
+                      <a:schemeClr val="accent1">
+                        <a:lumMod val="75000"/>
+                      </a:schemeClr>
+                    </a:gs>
+                  </a:gsLst>
+                  <a:path path="circle">
+                    <a:fillToRect r="100000" b="100000"/>
+                  </a:path>
+                  <a:tileRect l="-100000" t="-100000"/>
+                </a:gradFill>
+                <a:latin typeface="+mn-lt"/>
+                <a:ea typeface="+mn-ea"/>
+                <a:cs typeface="+mn-cs"/>
+              </a:defRPr>
+            </a:lvl1pPr>
+            <a:lvl2pPr marL="630238" indent="-284163" algn="l" defTabSz="914363" rtl="0" eaLnBrk="1" latinLnBrk="0" hangingPunct="1">
+              <a:lnSpc>
+                <a:spcPct val="90000"/>
+              </a:lnSpc>
+              <a:spcBef>
+                <a:spcPct val="20000"/>
+              </a:spcBef>
+              <a:buSzPct val="90000"/>
+              <a:buFont typeface="Arial" pitchFamily="34" charset="0"/>
+              <a:buChar char="•"/>
+              <a:tabLst>
+                <a:tab pos="630238" algn="l"/>
+              </a:tabLst>
+              <a:defRPr sz="2800" kern="1200">
+                <a:gradFill flip="none" rotWithShape="1">
+                  <a:gsLst>
+                    <a:gs pos="0">
+                      <a:schemeClr val="tx1">
+                        <a:lumMod val="65000"/>
+                        <a:lumOff val="35000"/>
+                      </a:schemeClr>
+                    </a:gs>
+                    <a:gs pos="86000">
+                      <a:schemeClr val="tx1">
+                        <a:lumMod val="75000"/>
+                        <a:lumOff val="25000"/>
+                      </a:schemeClr>
+                    </a:gs>
+                  </a:gsLst>
+                  <a:path path="circle">
+                    <a:fillToRect r="100000" b="100000"/>
+                  </a:path>
+                  <a:tileRect l="-100000" t="-100000"/>
+                </a:gradFill>
+                <a:latin typeface="+mn-lt"/>
+                <a:ea typeface="+mn-ea"/>
+                <a:cs typeface="+mn-cs"/>
+              </a:defRPr>
+            </a:lvl2pPr>
+            <a:lvl3pPr marL="914400" indent="-284163" algn="l" defTabSz="914363" rtl="0" eaLnBrk="1" latinLnBrk="0" hangingPunct="1">
+              <a:lnSpc>
+                <a:spcPct val="90000"/>
+              </a:lnSpc>
+              <a:spcBef>
+                <a:spcPct val="20000"/>
+              </a:spcBef>
+              <a:buSzPct val="90000"/>
+              <a:buFont typeface="Arial" pitchFamily="34" charset="0"/>
+              <a:buChar char="•"/>
+              <a:defRPr sz="2400" kern="1200">
+                <a:gradFill flip="none" rotWithShape="1">
+                  <a:gsLst>
+                    <a:gs pos="0">
+                      <a:schemeClr val="tx1">
+                        <a:lumMod val="65000"/>
+                        <a:lumOff val="35000"/>
+                      </a:schemeClr>
+                    </a:gs>
+                    <a:gs pos="86000">
+                      <a:schemeClr val="tx1">
+                        <a:lumMod val="75000"/>
+                        <a:lumOff val="25000"/>
+                      </a:schemeClr>
+                    </a:gs>
+                  </a:gsLst>
+                  <a:path path="circle">
+                    <a:fillToRect r="100000" b="100000"/>
+                  </a:path>
+                  <a:tileRect l="-100000" t="-100000"/>
+                </a:gradFill>
+                <a:latin typeface="+mn-lt"/>
+                <a:ea typeface="+mn-ea"/>
+                <a:cs typeface="+mn-cs"/>
+              </a:defRPr>
+            </a:lvl3pPr>
+            <a:lvl4pPr marL="1482725" indent="-223838" algn="l" defTabSz="914363" rtl="0" eaLnBrk="1" latinLnBrk="0" hangingPunct="1">
+              <a:lnSpc>
+                <a:spcPct val="90000"/>
+              </a:lnSpc>
+              <a:spcBef>
+                <a:spcPct val="20000"/>
+              </a:spcBef>
+              <a:buSzPct val="90000"/>
+              <a:buFont typeface="Arial" pitchFamily="34" charset="0"/>
+              <a:buChar char="•"/>
+              <a:tabLst>
+                <a:tab pos="914400" algn="l"/>
+              </a:tabLst>
+              <a:defRPr sz="2000" kern="1200">
+                <a:gradFill flip="none" rotWithShape="1">
+                  <a:gsLst>
+                    <a:gs pos="0">
+                      <a:schemeClr val="tx1">
+                        <a:lumMod val="65000"/>
+                        <a:lumOff val="35000"/>
+                      </a:schemeClr>
+                    </a:gs>
+                    <a:gs pos="86000">
+                      <a:schemeClr val="tx1">
+                        <a:lumMod val="75000"/>
+                        <a:lumOff val="25000"/>
+                      </a:schemeClr>
+                    </a:gs>
+                  </a:gsLst>
+                  <a:path path="circle">
+                    <a:fillToRect r="100000" b="100000"/>
+                  </a:path>
+                  <a:tileRect l="-100000" t="-100000"/>
+                </a:gradFill>
+                <a:latin typeface="+mn-lt"/>
+                <a:ea typeface="+mn-ea"/>
+                <a:cs typeface="+mn-cs"/>
+              </a:defRPr>
+            </a:lvl4pPr>
+            <a:lvl5pPr marL="1712913" indent="-230188" algn="l" defTabSz="914363" rtl="0" eaLnBrk="1" latinLnBrk="0" hangingPunct="1">
+              <a:lnSpc>
+                <a:spcPct val="90000"/>
+              </a:lnSpc>
+              <a:spcBef>
+                <a:spcPct val="20000"/>
+              </a:spcBef>
+              <a:buSzPct val="90000"/>
+              <a:buFont typeface="Arial" pitchFamily="34" charset="0"/>
+              <a:buChar char="•"/>
+              <a:defRPr sz="2000" kern="1200">
+                <a:gradFill flip="none" rotWithShape="1">
+                  <a:gsLst>
+                    <a:gs pos="0">
+                      <a:schemeClr val="tx1">
+                        <a:lumMod val="65000"/>
+                        <a:lumOff val="35000"/>
+                      </a:schemeClr>
+                    </a:gs>
+                    <a:gs pos="86000">
+                      <a:schemeClr val="tx1">
+                        <a:lumMod val="75000"/>
+                        <a:lumOff val="25000"/>
+                      </a:schemeClr>
+                    </a:gs>
+                  </a:gsLst>
+                  <a:path path="circle">
+                    <a:fillToRect r="100000" b="100000"/>
+                  </a:path>
+                  <a:tileRect l="-100000" t="-100000"/>
+                </a:gradFill>
+                <a:latin typeface="+mn-lt"/>
+                <a:ea typeface="+mn-ea"/>
+                <a:cs typeface="+mn-cs"/>
+              </a:defRPr>
+            </a:lvl5pPr>
+            <a:lvl6pPr marL="2514499" indent="-228591" algn="l" defTabSz="914363" rtl="0" eaLnBrk="1" latinLnBrk="0" hangingPunct="1">
+              <a:spcBef>
+                <a:spcPct val="20000"/>
+              </a:spcBef>
+              <a:buFont typeface="Arial" pitchFamily="34" charset="0"/>
+              <a:buChar char="•"/>
+              <a:defRPr sz="2000" kern="1200">
+                <a:solidFill>
+                  <a:schemeClr val="tx1"/>
+                </a:solidFill>
+                <a:latin typeface="+mn-lt"/>
+                <a:ea typeface="+mn-ea"/>
+                <a:cs typeface="+mn-cs"/>
+              </a:defRPr>
+            </a:lvl6pPr>
+            <a:lvl7pPr marL="2971681" indent="-228591" algn="l" defTabSz="914363" rtl="0" eaLnBrk="1" latinLnBrk="0" hangingPunct="1">
+              <a:spcBef>
+                <a:spcPct val="20000"/>
+              </a:spcBef>
+              <a:buFont typeface="Arial" pitchFamily="34" charset="0"/>
+              <a:buChar char="•"/>
+              <a:defRPr sz="2000" kern="1200">
+                <a:solidFill>
+                  <a:schemeClr val="tx1"/>
+                </a:solidFill>
+                <a:latin typeface="+mn-lt"/>
+                <a:ea typeface="+mn-ea"/>
+                <a:cs typeface="+mn-cs"/>
+              </a:defRPr>
+            </a:lvl7pPr>
+            <a:lvl8pPr marL="3428863" indent="-228591" algn="l" defTabSz="914363" rtl="0" eaLnBrk="1" latinLnBrk="0" hangingPunct="1">
+              <a:spcBef>
+                <a:spcPct val="20000"/>
+              </a:spcBef>
+              <a:buFont typeface="Arial" pitchFamily="34" charset="0"/>
+              <a:buChar char="•"/>
+              <a:defRPr sz="2000" kern="1200">
+                <a:solidFill>
+                  <a:schemeClr val="tx1"/>
+                </a:solidFill>
+                <a:latin typeface="+mn-lt"/>
+                <a:ea typeface="+mn-ea"/>
+                <a:cs typeface="+mn-cs"/>
+              </a:defRPr>
+            </a:lvl8pPr>
+            <a:lvl9pPr marL="3886045" indent="-228591" algn="l" defTabSz="914363" rtl="0" eaLnBrk="1" latinLnBrk="0" hangingPunct="1">
+              <a:spcBef>
+                <a:spcPct val="20000"/>
+              </a:spcBef>
+              <a:buFont typeface="Arial" pitchFamily="34" charset="0"/>
+              <a:buChar char="•"/>
+              <a:defRPr sz="2000" kern="1200">
+                <a:solidFill>
+                  <a:schemeClr val="tx1"/>
+                </a:solidFill>
+                <a:latin typeface="+mn-lt"/>
+                <a:ea typeface="+mn-ea"/>
+                <a:cs typeface="+mn-cs"/>
+              </a:defRPr>
+            </a:lvl9pPr>
+          </a:lstStyle>
+          <a:p>
+            <a:r>
+              <a:rPr lang="en-US" sz="2000" dirty="0" smtClean="0"/>
+              <a:t>A paid Azure account, either your own or using an Azure Pass from us</a:t>
+            </a:r>
+          </a:p>
+          <a:p>
+            <a:r>
+              <a:rPr lang="en-US" sz="2000" dirty="0" smtClean="0"/>
+              <a:t>One of the VMs with the client tools RDP instructions </a:t>
+            </a:r>
+            <a:r>
+              <a:rPr lang="en-NZ" sz="2000" dirty="0" smtClean="0">
+                <a:hlinkClick r:id="rId5"/>
+              </a:rPr>
+              <a:t>https://www.yammer.com/azureadvisors/#/groups/6596026/files</a:t>
+            </a:r>
+            <a:r>
+              <a:rPr lang="en-NZ" sz="2000" dirty="0" smtClean="0"/>
+              <a:t> or the card</a:t>
+            </a:r>
+          </a:p>
+          <a:p>
+            <a:r>
+              <a:rPr lang="en-NZ" sz="2000" dirty="0" smtClean="0"/>
+              <a:t>Detailed instructions (either this PPT, or the configuration guide both on GitHub)</a:t>
+            </a:r>
+          </a:p>
+        </p:txBody>
+      </p:sp>
+      <p:sp>
+        <p:nvSpPr>
+          <p:cNvPr id="8" name="TextBox 7"/>
+          <p:cNvSpPr txBox="1"/>
+          <p:nvPr/>
+        </p:nvSpPr>
+        <p:spPr>
+          <a:xfrm>
+            <a:off x="519900" y="3573109"/>
+            <a:ext cx="5486400" cy="430887"/>
+          </a:xfrm>
+          <a:prstGeom prst="rect">
+            <a:avLst/>
+          </a:prstGeom>
+          <a:noFill/>
+          <a:ln w="12700">
+            <a:solidFill>
+              <a:schemeClr val="tx1"/>
+            </a:solidFill>
+          </a:ln>
+        </p:spPr>
+        <p:txBody>
+          <a:bodyPr wrap="square" lIns="0" tIns="0" rIns="0" bIns="0" rtlCol="0">
+            <a:spAutoFit/>
+          </a:bodyPr>
+          <a:lstStyle/>
+          <a:p>
+            <a:pPr algn="ctr"/>
+            <a:r>
+              <a:rPr lang="en-US" sz="2800" dirty="0" smtClean="0">
+                <a:gradFill>
+                  <a:gsLst>
+                    <a:gs pos="0">
+                      <a:schemeClr val="tx1">
+                        <a:lumMod val="75000"/>
+                        <a:lumOff val="25000"/>
+                      </a:schemeClr>
+                    </a:gs>
+                    <a:gs pos="80000">
+                      <a:schemeClr val="tx1">
+                        <a:lumMod val="65000"/>
+                        <a:lumOff val="35000"/>
+                      </a:schemeClr>
+                    </a:gs>
+                  </a:gsLst>
+                  <a:lin ang="16200000" scaled="0"/>
+                </a:gradFill>
+                <a:latin typeface="Segoe UI Light" pitchFamily="34" charset="0"/>
+              </a:rPr>
+              <a:t>Tasks</a:t>
+            </a:r>
+            <a:endParaRPr lang="en-US" sz="2800" dirty="0">
+              <a:gradFill>
+                <a:gsLst>
+                  <a:gs pos="0">
+                    <a:schemeClr val="tx1">
+                      <a:lumMod val="75000"/>
+                      <a:lumOff val="25000"/>
+                    </a:schemeClr>
+                  </a:gs>
+                  <a:gs pos="80000">
+                    <a:schemeClr val="tx1">
+                      <a:lumMod val="65000"/>
+                      <a:lumOff val="35000"/>
+                    </a:schemeClr>
+                  </a:gs>
+                </a:gsLst>
+                <a:lin ang="16200000" scaled="0"/>
+              </a:gradFill>
+              <a:latin typeface="Segoe UI Light" pitchFamily="34" charset="0"/>
+            </a:endParaRPr>
+          </a:p>
+        </p:txBody>
+      </p:sp>
+      <p:sp>
+        <p:nvSpPr>
+          <p:cNvPr id="9" name="TextBox 8"/>
+          <p:cNvSpPr txBox="1"/>
+          <p:nvPr/>
+        </p:nvSpPr>
+        <p:spPr>
+          <a:xfrm>
+            <a:off x="6184998" y="3573109"/>
+            <a:ext cx="5486400" cy="430887"/>
+          </a:xfrm>
+          <a:prstGeom prst="rect">
+            <a:avLst/>
+          </a:prstGeom>
+          <a:noFill/>
+          <a:ln w="12700">
+            <a:solidFill>
+              <a:schemeClr val="tx1"/>
+            </a:solidFill>
+          </a:ln>
+        </p:spPr>
+        <p:txBody>
+          <a:bodyPr wrap="square" lIns="0" tIns="0" rIns="0" bIns="0" rtlCol="0">
+            <a:spAutoFit/>
+          </a:bodyPr>
+          <a:lstStyle/>
+          <a:p>
+            <a:pPr algn="ctr"/>
+            <a:r>
+              <a:rPr lang="en-US" sz="2800" dirty="0">
+                <a:gradFill>
+                  <a:gsLst>
+                    <a:gs pos="0">
+                      <a:schemeClr val="tx1">
+                        <a:lumMod val="75000"/>
+                        <a:lumOff val="25000"/>
+                      </a:schemeClr>
+                    </a:gs>
+                    <a:gs pos="80000">
+                      <a:schemeClr val="tx1">
+                        <a:lumMod val="65000"/>
+                        <a:lumOff val="35000"/>
+                      </a:schemeClr>
+                    </a:gs>
+                  </a:gsLst>
+                  <a:lin ang="16200000" scaled="0"/>
+                </a:gradFill>
+                <a:latin typeface="Segoe UI Light" pitchFamily="34" charset="0"/>
+              </a:rPr>
+              <a:t>What you need</a:t>
+            </a:r>
           </a:p>
         </p:txBody>
       </p:sp>
     </p:spTree>
     <p:extLst>
       <p:ext uri="{BB962C8B-B14F-4D97-AF65-F5344CB8AC3E}">
-        <p14:creationId xmlns:p14="http://schemas.microsoft.com/office/powerpoint/2010/main" val="1868417044"/>
+        <p14:creationId xmlns:p14="http://schemas.microsoft.com/office/powerpoint/2010/main" val="206608052"/>
       </p:ext>
     </p:extLst>
   </p:cSld>
@@ -6084,7 +9979,7 @@
           <a:p>
             <a:r>
               <a:rPr lang="en-US" dirty="0" smtClean="0"/>
-              <a:t>Azure SQL DB demo</a:t>
+              <a:t>Azure demo</a:t>
             </a:r>
             <a:endParaRPr lang="en-NZ" dirty="0"/>
           </a:p>
@@ -6111,8 +10006,17 @@
           <a:lstStyle/>
           <a:p>
             <a:r>
-              <a:rPr lang="en-US" dirty="0"/>
-              <a:t>Delete </a:t>
+              <a:rPr lang="en-US" dirty="0" smtClean="0">
+                <a:hlinkClick r:id="rId2"/>
+              </a:rPr>
+              <a:t>http://portal.azure.com</a:t>
+            </a:r>
+            <a:endParaRPr lang="en-US" dirty="0" smtClean="0"/>
+          </a:p>
+          <a:p>
+            <a:r>
+              <a:rPr lang="en-US" dirty="0" smtClean="0"/>
+              <a:t>Create </a:t>
             </a:r>
             <a:r>
               <a:rPr lang="en-US" dirty="0" smtClean="0"/>
@@ -6122,18 +10026,15 @@
           <a:p>
             <a:r>
               <a:rPr lang="en-US" dirty="0" smtClean="0"/>
-              <a:t>Restore DB</a:t>
-            </a:r>
-            <a:endParaRPr lang="en-US" dirty="0"/>
-          </a:p>
-          <a:p>
-            <a:r>
-              <a:rPr lang="en-US" dirty="0"/>
-              <a:t>Load </a:t>
+              <a:t>Connect </a:t>
             </a:r>
             <a:r>
               <a:rPr lang="en-US" dirty="0" smtClean="0"/>
-              <a:t>Generator</a:t>
+              <a:t>to DB from </a:t>
+            </a:r>
+            <a:r>
+              <a:rPr lang="en-US" dirty="0" smtClean="0"/>
+              <a:t>SSMS</a:t>
             </a:r>
           </a:p>
         </p:txBody>
@@ -6141,13 +10042,20 @@
     </p:spTree>
     <p:extLst>
       <p:ext uri="{BB962C8B-B14F-4D97-AF65-F5344CB8AC3E}">
-        <p14:creationId xmlns:p14="http://schemas.microsoft.com/office/powerpoint/2010/main" val="2553588841"/>
+        <p14:creationId xmlns:p14="http://schemas.microsoft.com/office/powerpoint/2010/main" val="3817849942"/>
       </p:ext>
     </p:extLst>
   </p:cSld>
   <p:clrMapOvr>
     <a:masterClrMapping/>
   </p:clrMapOvr>
+  <p:timing>
+    <p:tnLst>
+      <p:par>
+        <p:cTn id="1" dur="indefinite" restart="never" nodeType="tmRoot"/>
+      </p:par>
+    </p:tnLst>
+  </p:timing>
 </p:sld>
 </file>
 
@@ -6203,18 +10111,25 @@
         </p:nvSpPr>
         <p:spPr>
           <a:xfrm>
-            <a:off x="519252" y="1447800"/>
-            <a:ext cx="11151917" cy="4770537"/>
+            <a:off x="519252" y="990596"/>
+            <a:ext cx="11151917" cy="5466112"/>
           </a:xfrm>
         </p:spPr>
         <p:txBody>
           <a:bodyPr/>
           <a:lstStyle/>
           <a:p>
-            <a:pPr lvl="0"/>
             <a:r>
               <a:rPr lang="en-US" sz="2800" dirty="0" smtClean="0"/>
-              <a:t>Connect to your VM and </a:t>
+              <a:t>Connect to your VM </a:t>
+            </a:r>
+            <a:r>
+              <a:rPr lang="en-US" sz="2800" dirty="0"/>
+              <a:t>(e.g. ‘</a:t>
+            </a:r>
+            <a:r>
+              <a:rPr lang="en-US" sz="2800" dirty="0" smtClean="0"/>
+              <a:t>wingtipnov17datacamp132’) and </a:t>
             </a:r>
             <a:r>
               <a:rPr lang="en-US" sz="2800" dirty="0"/>
@@ -6223,19 +10138,41 @@
             <a:endParaRPr lang="en-US" sz="2800" dirty="0" smtClean="0"/>
           </a:p>
           <a:p>
-            <a:pPr lvl="0"/>
             <a:r>
               <a:rPr lang="en-US" sz="2800" dirty="0" smtClean="0"/>
               <a:t>Launch </a:t>
             </a:r>
             <a:r>
               <a:rPr lang="en-US" sz="2800" dirty="0"/>
-              <a:t>Azure PowerShell (as an administrator)</a:t>
+              <a:t>Azure PowerShell (as an administrator</a:t>
+            </a:r>
+            <a:r>
+              <a:rPr lang="en-US" sz="2800" dirty="0"/>
+              <a:t>) </a:t>
+            </a:r>
+            <a:r>
+              <a:rPr lang="en-US" sz="1800" dirty="0">
+                <a:hlinkClick r:id="rId2"/>
+              </a:rPr>
+              <a:t>https://github.com/guyhay/WingTipTickets/blob/master/Azure%20SQL%20HOL%20Configuration%20Guide%20-%</a:t>
+            </a:r>
+            <a:r>
+              <a:rPr lang="en-US" sz="1800" dirty="0" smtClean="0">
+                <a:hlinkClick r:id="rId2"/>
+              </a:rPr>
+              <a:t>20Final.docx</a:t>
+            </a:r>
+            <a:r>
+              <a:rPr lang="en-US" sz="1800" dirty="0" smtClean="0"/>
+              <a:t> </a:t>
             </a:r>
             <a:endParaRPr lang="en-NZ" sz="2800" dirty="0"/>
           </a:p>
           <a:p>
-            <a:pPr lvl="1"/>
+            <a:pPr marL="803275" lvl="1" indent="-457200">
+              <a:buFont typeface="+mj-lt"/>
+              <a:buAutoNum type="arabicPeriod"/>
+            </a:pPr>
             <a:r>
               <a:rPr lang="en-US" sz="2400" dirty="0" smtClean="0"/>
               <a:t>Add-</a:t>
@@ -6270,128 +10207,226 @@
             </a:r>
             <a:r>
               <a:rPr lang="en-US" sz="2000" dirty="0"/>
-              <a:t> &lt;provide your subscription that you want to use&gt;</a:t>
-            </a:r>
-            <a:endParaRPr lang="en-NZ" sz="2000" dirty="0"/>
-          </a:p>
-          <a:p>
-            <a:pPr lvl="1"/>
-            <a:r>
-              <a:rPr lang="en-US" sz="2400" dirty="0" smtClean="0"/>
-              <a:t>Set-</a:t>
-            </a:r>
-            <a:r>
-              <a:rPr lang="en-US" sz="2400" dirty="0" err="1" smtClean="0"/>
-              <a:t>ExecutionPolicy</a:t>
-            </a:r>
-            <a:r>
-              <a:rPr lang="en-US" sz="2400" dirty="0" smtClean="0"/>
               <a:t> </a:t>
             </a:r>
             <a:r>
-              <a:rPr lang="en-US" sz="2400" dirty="0"/>
-              <a:t>-Scope </a:t>
-            </a:r>
-            <a:r>
-              <a:rPr lang="en-US" sz="2400" dirty="0" err="1"/>
-              <a:t>LocalMachine</a:t>
-            </a:r>
-            <a:r>
-              <a:rPr lang="en-US" sz="2400" dirty="0"/>
-              <a:t> -</a:t>
-            </a:r>
-            <a:r>
-              <a:rPr lang="en-US" sz="2400" dirty="0" err="1"/>
-              <a:t>ExecutionPolicy</a:t>
-            </a:r>
-            <a:r>
-              <a:rPr lang="en-US" sz="2400" dirty="0"/>
-              <a:t> Unrestricted –Force</a:t>
-            </a:r>
-            <a:endParaRPr lang="en-NZ" sz="2400" dirty="0"/>
-          </a:p>
-          <a:p>
-            <a:pPr lvl="0"/>
-            <a:r>
-              <a:rPr lang="en-US" sz="2800" dirty="0"/>
-              <a:t>Switch to the directory C:\</a:t>
-            </a:r>
-            <a:r>
-              <a:rPr lang="en-US" sz="2800" dirty="0" smtClean="0"/>
-              <a:t>WingTipTickets\scripts</a:t>
-            </a:r>
-            <a:endParaRPr lang="en-NZ" sz="2800" dirty="0"/>
-          </a:p>
-          <a:p>
-            <a:pPr lvl="1"/>
-            <a:r>
-              <a:rPr lang="en-US" sz="2400" dirty="0" smtClean="0"/>
-              <a:t>Unblock-file </a:t>
-            </a:r>
-            <a:r>
-              <a:rPr lang="en-US" sz="2400" dirty="0"/>
-              <a:t>.\New-WTTEnvironment.ps1</a:t>
-            </a:r>
-            <a:endParaRPr lang="en-NZ" sz="2400" dirty="0"/>
-          </a:p>
-          <a:p>
-            <a:pPr lvl="1"/>
-            <a:r>
-              <a:rPr lang="en-US" sz="2400" dirty="0" smtClean="0"/>
-              <a:t>. .\</a:t>
-            </a:r>
-            <a:r>
-              <a:rPr lang="en-US" sz="2400" dirty="0"/>
-              <a:t>New-WTTEnvironment.ps1</a:t>
-            </a:r>
-            <a:endParaRPr lang="en-NZ" sz="2400" dirty="0"/>
-          </a:p>
-          <a:p>
-            <a:pPr lvl="1"/>
-            <a:r>
-              <a:rPr lang="en-US" sz="2400" dirty="0" smtClean="0"/>
-              <a:t>New-</a:t>
-            </a:r>
-            <a:r>
-              <a:rPr lang="en-US" sz="2400" dirty="0" err="1" smtClean="0"/>
-              <a:t>WTTEnvironment</a:t>
-            </a:r>
-            <a:r>
-              <a:rPr lang="en-US" sz="2400" dirty="0" smtClean="0"/>
-              <a:t> </a:t>
-            </a:r>
-            <a:r>
-              <a:rPr lang="en-US" sz="2400" dirty="0"/>
-              <a:t>-</a:t>
-            </a:r>
-            <a:r>
-              <a:rPr lang="en-US" sz="2400" dirty="0" err="1"/>
-              <a:t>WTTEnvironmentApplicationName</a:t>
-            </a:r>
-            <a:r>
-              <a:rPr lang="en-US" sz="2400" dirty="0"/>
-              <a:t> </a:t>
-            </a:r>
-            <a:r>
-              <a:rPr lang="en-US" sz="2400" dirty="0" smtClean="0">
+              <a:rPr lang="en-US" sz="2000" i="1" dirty="0">
                 <a:solidFill>
                   <a:srgbClr val="FF0000"/>
                 </a:solidFill>
               </a:rPr>
-              <a:t>xx00</a:t>
-            </a:r>
+              <a:t>&lt;provide your subscription that you want to use&gt;</a:t>
+            </a:r>
+            <a:endParaRPr lang="en-NZ" sz="2000" i="1" dirty="0">
+              <a:solidFill>
+                <a:srgbClr val="FF0000"/>
+              </a:solidFill>
+            </a:endParaRPr>
+          </a:p>
+          <a:p>
+            <a:pPr marL="803275" lvl="1" indent="-457200">
+              <a:buFont typeface="+mj-lt"/>
+              <a:buAutoNum type="arabicPeriod"/>
+            </a:pPr>
+            <a:r>
+              <a:rPr lang="en-US" sz="2400" dirty="0"/>
+              <a:t>Set-</a:t>
+            </a:r>
+            <a:r>
+              <a:rPr lang="en-US" sz="2400" dirty="0" err="1"/>
+              <a:t>ExecutionPolicy</a:t>
+            </a:r>
+            <a:r>
+              <a:rPr lang="en-US" sz="2400" dirty="0"/>
+              <a:t> -Scope </a:t>
+            </a:r>
+            <a:r>
+              <a:rPr lang="en-US" sz="2400" dirty="0" err="1"/>
+              <a:t>LocalMachine</a:t>
+            </a:r>
+            <a:r>
+              <a:rPr lang="en-US" sz="2400" dirty="0"/>
+              <a:t> -</a:t>
+            </a:r>
+            <a:r>
+              <a:rPr lang="en-US" sz="2400" dirty="0" err="1"/>
+              <a:t>ExecutionPolicy</a:t>
+            </a:r>
+            <a:r>
+              <a:rPr lang="en-US" sz="2400" dirty="0"/>
+              <a:t> Unrestricted –Force</a:t>
+            </a:r>
+            <a:endParaRPr lang="en-NZ" sz="2400" dirty="0"/>
+          </a:p>
+          <a:p>
+            <a:pPr marL="803275" lvl="1" indent="-457200">
+              <a:buFont typeface="+mj-lt"/>
+              <a:buAutoNum type="arabicPeriod"/>
+            </a:pPr>
             <a:r>
               <a:rPr lang="en-US" sz="2400" dirty="0" smtClean="0"/>
-              <a:t>julieandtheplantes</a:t>
+              <a:t>CD c:\</a:t>
+            </a:r>
+            <a:r>
+              <a:rPr lang="en-US" sz="2400" dirty="0"/>
+              <a:t>WingTipTickets\scripts</a:t>
             </a:r>
             <a:endParaRPr lang="en-NZ" sz="2400" dirty="0"/>
+          </a:p>
+          <a:p>
+            <a:pPr marL="803275" lvl="1" indent="-457200">
+              <a:buFont typeface="+mj-lt"/>
+              <a:buAutoNum type="arabicPeriod"/>
+            </a:pPr>
+            <a:r>
+              <a:rPr lang="en-US" sz="2400" dirty="0"/>
+              <a:t>Unblock-file .\New-WTTEnvironment.ps1</a:t>
+            </a:r>
+            <a:endParaRPr lang="en-NZ" sz="2400" dirty="0"/>
+          </a:p>
+          <a:p>
+            <a:pPr marL="803275" lvl="1" indent="-457200">
+              <a:buFont typeface="+mj-lt"/>
+              <a:buAutoNum type="arabicPeriod"/>
+            </a:pPr>
+            <a:r>
+              <a:rPr lang="en-US" sz="2400" b="1" dirty="0"/>
+              <a:t>. .\New-WTTEnvironment.ps1</a:t>
+            </a:r>
+            <a:endParaRPr lang="en-NZ" sz="2400" b="1" dirty="0"/>
+          </a:p>
+          <a:p>
+            <a:pPr marL="803275" lvl="1" indent="-457200">
+              <a:buFont typeface="+mj-lt"/>
+              <a:buAutoNum type="arabicPeriod"/>
+            </a:pPr>
+            <a:r>
+              <a:rPr lang="en-US" sz="2400" dirty="0"/>
+              <a:t>New-</a:t>
+            </a:r>
+            <a:r>
+              <a:rPr lang="en-US" sz="2400" dirty="0" err="1"/>
+              <a:t>WTTEnvironment</a:t>
+            </a:r>
+            <a:r>
+              <a:rPr lang="en-US" sz="2400" dirty="0"/>
+              <a:t> -</a:t>
+            </a:r>
+            <a:r>
+              <a:rPr lang="en-US" sz="2400" dirty="0" err="1"/>
+              <a:t>WTTEnvironmentApplicationName</a:t>
+            </a:r>
+            <a:r>
+              <a:rPr lang="en-US" sz="2400" dirty="0"/>
+              <a:t> </a:t>
+            </a:r>
+            <a:r>
+              <a:rPr lang="en-US" sz="2400" i="1" dirty="0" smtClean="0">
+                <a:solidFill>
+                  <a:srgbClr val="FF0000"/>
+                </a:solidFill>
+              </a:rPr>
+              <a:t>&lt;</a:t>
+            </a:r>
+            <a:r>
+              <a:rPr lang="en-US" sz="2400" i="1" dirty="0" smtClean="0">
+                <a:solidFill>
+                  <a:srgbClr val="FF0000"/>
+                </a:solidFill>
+              </a:rPr>
+              <a:t>your-globally-unique-app-name&gt;</a:t>
+            </a:r>
+            <a:endParaRPr lang="en-NZ" sz="2400" i="1" dirty="0">
+              <a:solidFill>
+                <a:srgbClr val="FF0000"/>
+              </a:solidFill>
+            </a:endParaRPr>
+          </a:p>
+        </p:txBody>
+      </p:sp>
+      <p:sp>
+        <p:nvSpPr>
+          <p:cNvPr id="4" name="Line Callout 1 3"/>
+          <p:cNvSpPr/>
+          <p:nvPr/>
+        </p:nvSpPr>
+        <p:spPr bwMode="auto">
+          <a:xfrm>
+            <a:off x="7793182" y="6072414"/>
+            <a:ext cx="3574473" cy="685800"/>
+          </a:xfrm>
+          <a:prstGeom prst="borderCallout1">
+            <a:avLst>
+              <a:gd name="adj1" fmla="val 18750"/>
+              <a:gd name="adj2" fmla="val -8333"/>
+              <a:gd name="adj3" fmla="val -81235"/>
+              <a:gd name="adj4" fmla="val -59553"/>
+            </a:avLst>
+          </a:prstGeom>
+          <a:solidFill>
+            <a:schemeClr val="accent3">
+              <a:lumMod val="20000"/>
+              <a:lumOff val="80000"/>
+            </a:schemeClr>
+          </a:solidFill>
+          <a:ln>
+            <a:solidFill>
+              <a:srgbClr val="FF0000"/>
+            </a:solidFill>
+            <a:headEnd type="none" w="med" len="med"/>
+            <a:tailEnd type="none" w="med" len="med"/>
+          </a:ln>
+          <a:effectLst/>
+        </p:spPr>
+        <p:style>
+          <a:lnRef idx="1">
+            <a:schemeClr val="accent2"/>
+          </a:lnRef>
+          <a:fillRef idx="3">
+            <a:schemeClr val="accent2"/>
+          </a:fillRef>
+          <a:effectRef idx="2">
+            <a:schemeClr val="accent2"/>
+          </a:effectRef>
+          <a:fontRef idx="minor">
+            <a:schemeClr val="lt1"/>
+          </a:fontRef>
+        </p:style>
+        <p:txBody>
+          <a:bodyPr rot="0" spcFirstLastPara="0" vertOverflow="overflow" horzOverflow="overflow" vert="horz" wrap="square" lIns="91440" tIns="45720" rIns="45720" bIns="91440" numCol="1" spcCol="0" rtlCol="0" fromWordArt="0" anchor="b" anchorCtr="0" forceAA="0" compatLnSpc="1">
+            <a:prstTxWarp prst="textNoShape">
+              <a:avLst/>
+            </a:prstTxWarp>
+            <a:noAutofit/>
+          </a:bodyPr>
+          <a:lstStyle/>
+          <a:p>
+            <a:pPr algn="ctr" defTabSz="914099" fontAlgn="base">
+              <a:spcBef>
+                <a:spcPct val="0"/>
+              </a:spcBef>
+              <a:spcAft>
+                <a:spcPct val="0"/>
+              </a:spcAft>
+            </a:pPr>
+            <a:r>
+              <a:rPr lang="en-US" spc="-50" dirty="0" smtClean="0">
+                <a:solidFill>
+                  <a:schemeClr val="tx1"/>
+                </a:solidFill>
+                <a:latin typeface="Segoe UI" pitchFamily="34" charset="0"/>
+                <a:ea typeface="Segoe UI" pitchFamily="34" charset="0"/>
+                <a:cs typeface="Segoe UI" pitchFamily="34" charset="0"/>
+              </a:rPr>
+              <a:t>Super-tricky syntax.  Full-stop space full-stop backslash</a:t>
+            </a:r>
           </a:p>
         </p:txBody>
       </p:sp>
     </p:spTree>
     <p:extLst>
       <p:ext uri="{BB962C8B-B14F-4D97-AF65-F5344CB8AC3E}">
-        <p14:creationId xmlns:p14="http://schemas.microsoft.com/office/powerpoint/2010/main" val="820061307"/>
+        <p14:creationId xmlns:p14="http://schemas.microsoft.com/office/powerpoint/2010/main" val="2892296495"/>
       </p:ext>
     </p:extLst>
   </p:cSld>
@@ -6401,6 +10436,13 @@
   <p:transition>
     <p:fade/>
   </p:transition>
+  <p:timing>
+    <p:tnLst>
+      <p:par>
+        <p:cTn id="1" dur="indefinite" restart="never" nodeType="tmRoot"/>
+      </p:par>
+    </p:tnLst>
+  </p:timing>
 </p:sld>
 </file>
 
@@ -6428,32 +10470,41 @@
             <a:spLocks noGrp="1"/>
           </p:cNvSpPr>
           <p:nvPr>
-            <p:ph type="title"/>
+            <p:ph type="ctrTitle"/>
           </p:nvPr>
         </p:nvSpPr>
-        <p:spPr/>
+        <p:spPr>
+          <a:xfrm>
+            <a:off x="1524000" y="2678966"/>
+            <a:ext cx="9144000" cy="830997"/>
+          </a:xfrm>
+        </p:spPr>
         <p:txBody>
           <a:bodyPr/>
           <a:lstStyle/>
           <a:p>
+            <a:r>
+              <a:rPr lang="en-US" dirty="0" smtClean="0"/>
+              <a:t>Azure SQL DB demo</a:t>
+            </a:r>
             <a:endParaRPr lang="en-NZ" dirty="0"/>
           </a:p>
         </p:txBody>
       </p:sp>
       <p:sp>
         <p:nvSpPr>
-          <p:cNvPr id="3" name="Content Placeholder 2"/>
+          <p:cNvPr id="3" name="Subtitle 2"/>
           <p:cNvSpPr>
             <a:spLocks noGrp="1"/>
           </p:cNvSpPr>
           <p:nvPr>
-            <p:ph idx="1"/>
+            <p:ph type="subTitle" idx="1"/>
           </p:nvPr>
         </p:nvSpPr>
         <p:spPr>
           <a:xfrm>
-            <a:off x="519252" y="1447800"/>
-            <a:ext cx="11151917" cy="3939540"/>
+            <a:off x="1524000" y="3602038"/>
+            <a:ext cx="9144000" cy="1144929"/>
           </a:xfrm>
         </p:spPr>
         <p:txBody>
@@ -6461,99 +10512,50 @@
           <a:lstStyle/>
           <a:p>
             <a:r>
-              <a:rPr lang="en-NZ" dirty="0"/>
-              <a:t>Add-</a:t>
-            </a:r>
-            <a:r>
-              <a:rPr lang="en-NZ" dirty="0" err="1"/>
-              <a:t>AzureAccount</a:t>
-            </a:r>
-            <a:endParaRPr lang="en-NZ" dirty="0"/>
-          </a:p>
-          <a:p>
-            <a:r>
-              <a:rPr lang="en-NZ" dirty="0"/>
-              <a:t>Select-</a:t>
-            </a:r>
-            <a:r>
-              <a:rPr lang="en-NZ" dirty="0" err="1"/>
-              <a:t>AzureSubscription</a:t>
-            </a:r>
-            <a:r>
-              <a:rPr lang="en-NZ" dirty="0"/>
-              <a:t> –</a:t>
-            </a:r>
-            <a:r>
-              <a:rPr lang="en-NZ" dirty="0" err="1"/>
-              <a:t>SubscriptionId</a:t>
-            </a:r>
-            <a:r>
-              <a:rPr lang="en-NZ" dirty="0"/>
-              <a:t> ba047a9f-de49-4f4d-80fd-b21baf9aa67aSet-ExecutionPolicy -Scope </a:t>
-            </a:r>
-            <a:r>
-              <a:rPr lang="en-NZ" dirty="0" err="1"/>
-              <a:t>LocalMachine</a:t>
-            </a:r>
-            <a:r>
-              <a:rPr lang="en-NZ" dirty="0"/>
-              <a:t> -</a:t>
-            </a:r>
-            <a:r>
-              <a:rPr lang="en-NZ" dirty="0" err="1"/>
-              <a:t>ExecutionPolicy</a:t>
-            </a:r>
-            <a:r>
-              <a:rPr lang="en-NZ" dirty="0"/>
-              <a:t> Unrestricted –Force</a:t>
-            </a:r>
-          </a:p>
-          <a:p>
-            <a:r>
-              <a:rPr lang="en-NZ" dirty="0"/>
-              <a:t>cd c:\WingTipTickets\Scripts</a:t>
-            </a:r>
-          </a:p>
-          <a:p>
-            <a:r>
-              <a:rPr lang="en-NZ" dirty="0"/>
-              <a:t>Unblock-file .\New-WTTEnvironment.ps1</a:t>
-            </a:r>
-          </a:p>
-          <a:p>
-            <a:r>
-              <a:rPr lang="en-NZ" dirty="0"/>
-              <a:t>. .\New-WTTEnvironment.ps1New-WTTEnvironment -</a:t>
-            </a:r>
-            <a:r>
-              <a:rPr lang="en-NZ" dirty="0" err="1"/>
-              <a:t>WTTEnvironmentApplicationName</a:t>
-            </a:r>
-            <a:r>
-              <a:rPr lang="en-NZ" dirty="0"/>
-              <a:t> </a:t>
-            </a:r>
-            <a:r>
-              <a:rPr lang="en-NZ" dirty="0" err="1" smtClean="0"/>
-              <a:t>guyjulieandtheplantes</a:t>
-            </a:r>
-            <a:endParaRPr lang="en-NZ" dirty="0"/>
+              <a:rPr lang="en-US" dirty="0" smtClean="0"/>
+              <a:t>Vertical scaling </a:t>
+            </a:r>
+          </a:p>
+          <a:p>
+            <a:r>
+              <a:rPr lang="en-US" dirty="0" smtClean="0"/>
+              <a:t>Delete </a:t>
+            </a:r>
+            <a:r>
+              <a:rPr lang="en-US" dirty="0" smtClean="0"/>
+              <a:t>DB</a:t>
+            </a:r>
+          </a:p>
+          <a:p>
+            <a:r>
+              <a:rPr lang="en-US" dirty="0" smtClean="0"/>
+              <a:t>Restore </a:t>
+            </a:r>
+            <a:r>
+              <a:rPr lang="en-US" dirty="0" smtClean="0"/>
+              <a:t>DB</a:t>
+            </a:r>
+            <a:endParaRPr lang="en-US" dirty="0"/>
           </a:p>
         </p:txBody>
       </p:sp>
     </p:spTree>
     <p:extLst>
       <p:ext uri="{BB962C8B-B14F-4D97-AF65-F5344CB8AC3E}">
-        <p14:creationId xmlns:p14="http://schemas.microsoft.com/office/powerpoint/2010/main" val="1978849476"/>
+        <p14:creationId xmlns:p14="http://schemas.microsoft.com/office/powerpoint/2010/main" val="2553588841"/>
       </p:ext>
     </p:extLst>
   </p:cSld>
   <p:clrMapOvr>
     <a:masterClrMapping/>
   </p:clrMapOvr>
-  <p:transition>
-    <p:fade/>
-  </p:transition>
+  <p:timing>
+    <p:tnLst>
+      <p:par>
+        <p:cTn id="1" dur="indefinite" restart="never" nodeType="tmRoot"/>
+      </p:par>
+    </p:tnLst>
+  </p:timing>
 </p:sld>
 </file>
 
